--- a/240408 - DevOps Conference 2024 @London/Green must be convenient.pptx
+++ b/240408 - DevOps Conference 2024 @London/Green must be convenient.pptx
@@ -13,45 +13,48 @@
     <p:sldId id="260" r:id="rId7"/>
     <p:sldId id="261" r:id="rId8"/>
     <p:sldId id="262" r:id="rId9"/>
-    <p:sldId id="331" r:id="rId10"/>
+    <p:sldId id="335" r:id="rId10"/>
     <p:sldId id="264" r:id="rId11"/>
     <p:sldId id="265" r:id="rId12"/>
     <p:sldId id="266" r:id="rId13"/>
     <p:sldId id="267" r:id="rId14"/>
     <p:sldId id="268" r:id="rId15"/>
     <p:sldId id="269" r:id="rId16"/>
-    <p:sldId id="332" r:id="rId17"/>
+    <p:sldId id="336" r:id="rId17"/>
     <p:sldId id="270" r:id="rId18"/>
     <p:sldId id="271" r:id="rId19"/>
     <p:sldId id="272" r:id="rId20"/>
     <p:sldId id="273" r:id="rId21"/>
     <p:sldId id="274" r:id="rId22"/>
-    <p:sldId id="292" r:id="rId23"/>
-    <p:sldId id="275" r:id="rId24"/>
-    <p:sldId id="276" r:id="rId25"/>
-    <p:sldId id="277" r:id="rId26"/>
-    <p:sldId id="278" r:id="rId27"/>
-    <p:sldId id="281" r:id="rId28"/>
-    <p:sldId id="333" r:id="rId29"/>
-    <p:sldId id="282" r:id="rId30"/>
-    <p:sldId id="280" r:id="rId31"/>
-    <p:sldId id="286" r:id="rId32"/>
-    <p:sldId id="284" r:id="rId33"/>
-    <p:sldId id="285" r:id="rId34"/>
-    <p:sldId id="287" r:id="rId35"/>
-    <p:sldId id="288" r:id="rId36"/>
-    <p:sldId id="283" r:id="rId37"/>
-    <p:sldId id="279" r:id="rId38"/>
-    <p:sldId id="327" r:id="rId39"/>
-    <p:sldId id="289" r:id="rId40"/>
-    <p:sldId id="334" r:id="rId41"/>
-    <p:sldId id="325" r:id="rId42"/>
-    <p:sldId id="326" r:id="rId43"/>
+    <p:sldId id="337" r:id="rId23"/>
+    <p:sldId id="292" r:id="rId24"/>
+    <p:sldId id="275" r:id="rId25"/>
+    <p:sldId id="276" r:id="rId26"/>
+    <p:sldId id="277" r:id="rId27"/>
+    <p:sldId id="338" r:id="rId28"/>
+    <p:sldId id="278" r:id="rId29"/>
+    <p:sldId id="281" r:id="rId30"/>
+    <p:sldId id="282" r:id="rId31"/>
+    <p:sldId id="339" r:id="rId32"/>
+    <p:sldId id="280" r:id="rId33"/>
+    <p:sldId id="286" r:id="rId34"/>
+    <p:sldId id="284" r:id="rId35"/>
+    <p:sldId id="285" r:id="rId36"/>
+    <p:sldId id="287" r:id="rId37"/>
+    <p:sldId id="288" r:id="rId38"/>
+    <p:sldId id="283" r:id="rId39"/>
+    <p:sldId id="279" r:id="rId40"/>
+    <p:sldId id="340" r:id="rId41"/>
+    <p:sldId id="327" r:id="rId42"/>
+    <p:sldId id="289" r:id="rId43"/>
+    <p:sldId id="325" r:id="rId44"/>
+    <p:sldId id="326" r:id="rId45"/>
+    <p:sldId id="341" r:id="rId46"/>
   </p:sldIdLst>
   <p:sldSz cx="12192000" cy="6858000"/>
   <p:notesSz cx="6858000" cy="9144000"/>
   <p:custDataLst>
-    <p:tags r:id="rId44"/>
+    <p:tags r:id="rId47"/>
   </p:custDataLst>
   <p:defaultTextStyle>
     <a:defPPr>
@@ -342,7 +345,7 @@
           <a:p>
             <a:fld id="{7AA301FD-72EB-472C-9E10-08447577E239}" type="datetimeFigureOut">
               <a:rPr lang="it-IT" smtClean="0"/>
-              <a:t>30/03/2024</a:t>
+              <a:t>07/04/2024</a:t>
             </a:fld>
             <a:endParaRPr lang="it-IT"/>
           </a:p>
@@ -542,7 +545,7 @@
           <a:p>
             <a:fld id="{7AA301FD-72EB-472C-9E10-08447577E239}" type="datetimeFigureOut">
               <a:rPr lang="it-IT" smtClean="0"/>
-              <a:t>30/03/2024</a:t>
+              <a:t>07/04/2024</a:t>
             </a:fld>
             <a:endParaRPr lang="it-IT"/>
           </a:p>
@@ -752,7 +755,7 @@
           <a:p>
             <a:fld id="{7AA301FD-72EB-472C-9E10-08447577E239}" type="datetimeFigureOut">
               <a:rPr lang="it-IT" smtClean="0"/>
-              <a:t>30/03/2024</a:t>
+              <a:t>07/04/2024</a:t>
             </a:fld>
             <a:endParaRPr lang="it-IT"/>
           </a:p>
@@ -952,7 +955,7 @@
           <a:p>
             <a:fld id="{7AA301FD-72EB-472C-9E10-08447577E239}" type="datetimeFigureOut">
               <a:rPr lang="it-IT" smtClean="0"/>
-              <a:t>30/03/2024</a:t>
+              <a:t>07/04/2024</a:t>
             </a:fld>
             <a:endParaRPr lang="it-IT"/>
           </a:p>
@@ -1228,7 +1231,7 @@
           <a:p>
             <a:fld id="{7AA301FD-72EB-472C-9E10-08447577E239}" type="datetimeFigureOut">
               <a:rPr lang="it-IT" smtClean="0"/>
-              <a:t>30/03/2024</a:t>
+              <a:t>07/04/2024</a:t>
             </a:fld>
             <a:endParaRPr lang="it-IT"/>
           </a:p>
@@ -1496,7 +1499,7 @@
           <a:p>
             <a:fld id="{7AA301FD-72EB-472C-9E10-08447577E239}" type="datetimeFigureOut">
               <a:rPr lang="it-IT" smtClean="0"/>
-              <a:t>30/03/2024</a:t>
+              <a:t>07/04/2024</a:t>
             </a:fld>
             <a:endParaRPr lang="it-IT"/>
           </a:p>
@@ -1911,7 +1914,7 @@
           <a:p>
             <a:fld id="{7AA301FD-72EB-472C-9E10-08447577E239}" type="datetimeFigureOut">
               <a:rPr lang="it-IT" smtClean="0"/>
-              <a:t>30/03/2024</a:t>
+              <a:t>07/04/2024</a:t>
             </a:fld>
             <a:endParaRPr lang="it-IT"/>
           </a:p>
@@ -2053,7 +2056,7 @@
           <a:p>
             <a:fld id="{7AA301FD-72EB-472C-9E10-08447577E239}" type="datetimeFigureOut">
               <a:rPr lang="it-IT" smtClean="0"/>
-              <a:t>30/03/2024</a:t>
+              <a:t>07/04/2024</a:t>
             </a:fld>
             <a:endParaRPr lang="it-IT"/>
           </a:p>
@@ -2166,7 +2169,7 @@
           <a:p>
             <a:fld id="{7AA301FD-72EB-472C-9E10-08447577E239}" type="datetimeFigureOut">
               <a:rPr lang="it-IT" smtClean="0"/>
-              <a:t>30/03/2024</a:t>
+              <a:t>07/04/2024</a:t>
             </a:fld>
             <a:endParaRPr lang="it-IT"/>
           </a:p>
@@ -2479,7 +2482,7 @@
           <a:p>
             <a:fld id="{7AA301FD-72EB-472C-9E10-08447577E239}" type="datetimeFigureOut">
               <a:rPr lang="it-IT" smtClean="0"/>
-              <a:t>30/03/2024</a:t>
+              <a:t>07/04/2024</a:t>
             </a:fld>
             <a:endParaRPr lang="it-IT"/>
           </a:p>
@@ -2768,7 +2771,7 @@
           <a:p>
             <a:fld id="{7AA301FD-72EB-472C-9E10-08447577E239}" type="datetimeFigureOut">
               <a:rPr lang="it-IT" smtClean="0"/>
-              <a:t>30/03/2024</a:t>
+              <a:t>07/04/2024</a:t>
             </a:fld>
             <a:endParaRPr lang="it-IT"/>
           </a:p>
@@ -3011,7 +3014,7 @@
           <a:p>
             <a:fld id="{7AA301FD-72EB-472C-9E10-08447577E239}" type="datetimeFigureOut">
               <a:rPr lang="it-IT" smtClean="0"/>
-              <a:t>30/03/2024</a:t>
+              <a:t>07/04/2024</a:t>
             </a:fld>
             <a:endParaRPr lang="it-IT"/>
           </a:p>
@@ -5646,7 +5649,7 @@
           <p:cNvPr id="3" name="Picture 2">
             <a:extLst>
               <a:ext uri="{FF2B5EF4-FFF2-40B4-BE49-F238E27FC236}">
-                <a16:creationId xmlns:a16="http://schemas.microsoft.com/office/drawing/2014/main" id="{4C99D5CC-9743-DDD4-0C8B-71A309D30DCF}"/>
+                <a16:creationId xmlns:a16="http://schemas.microsoft.com/office/drawing/2014/main" id="{A801B2E2-56C8-5C70-E490-FD357A3EC8BE}"/>
               </a:ext>
             </a:extLst>
           </p:cNvPr>
@@ -5686,7 +5689,7 @@
           <p:cNvPr id="5" name="Picture 4">
             <a:extLst>
               <a:ext uri="{FF2B5EF4-FFF2-40B4-BE49-F238E27FC236}">
-                <a16:creationId xmlns:a16="http://schemas.microsoft.com/office/drawing/2014/main" id="{574996F2-CF7A-F654-06A4-C136A141683D}"/>
+                <a16:creationId xmlns:a16="http://schemas.microsoft.com/office/drawing/2014/main" id="{C999BBD7-8CBE-5797-BE66-D38051EA75E6}"/>
               </a:ext>
             </a:extLst>
           </p:cNvPr>
@@ -5726,7 +5729,7 @@
           <p:cNvPr id="6" name="Rectangle 5">
             <a:extLst>
               <a:ext uri="{FF2B5EF4-FFF2-40B4-BE49-F238E27FC236}">
-                <a16:creationId xmlns:a16="http://schemas.microsoft.com/office/drawing/2014/main" id="{8720992A-B193-AEBC-D2FB-433ED8C1314A}"/>
+                <a16:creationId xmlns:a16="http://schemas.microsoft.com/office/drawing/2014/main" id="{DC7BB697-0D19-F7A1-58F9-B7F9AAB566F9}"/>
               </a:ext>
             </a:extLst>
           </p:cNvPr>
@@ -5805,7 +5808,7 @@
           <p:cNvPr id="7" name="Rectangle 6">
             <a:extLst>
               <a:ext uri="{FF2B5EF4-FFF2-40B4-BE49-F238E27FC236}">
-                <a16:creationId xmlns:a16="http://schemas.microsoft.com/office/drawing/2014/main" id="{4DADE7B6-17FD-D9E3-FFB0-427AF80348C2}"/>
+                <a16:creationId xmlns:a16="http://schemas.microsoft.com/office/drawing/2014/main" id="{1F9FE045-BA8A-65E3-89C7-60283CA8D602}"/>
               </a:ext>
             </a:extLst>
           </p:cNvPr>
@@ -5902,7 +5905,7 @@
     </p:custDataLst>
     <p:extLst>
       <p:ext uri="{BB962C8B-B14F-4D97-AF65-F5344CB8AC3E}">
-        <p14:creationId xmlns:p14="http://schemas.microsoft.com/office/powerpoint/2010/main" val="3835064302"/>
+        <p14:creationId xmlns:p14="http://schemas.microsoft.com/office/powerpoint/2010/main" val="2162054070"/>
       </p:ext>
     </p:extLst>
   </p:cSld>
@@ -5961,6 +5964,138 @@
                       </p:childTnLst>
                     </p:cTn>
                   </p:par>
+                  <p:par>
+                    <p:cTn id="8" fill="hold">
+                      <p:stCondLst>
+                        <p:cond delay="indefinite"/>
+                      </p:stCondLst>
+                      <p:childTnLst>
+                        <p:par>
+                          <p:cTn id="9" fill="hold">
+                            <p:stCondLst>
+                              <p:cond delay="0"/>
+                            </p:stCondLst>
+                            <p:childTnLst>
+                              <p:par>
+                                <p:cTn id="10" presetID="26" presetClass="emph" presetSubtype="0" fill="hold" grpId="1" nodeType="clickEffect">
+                                  <p:stCondLst>
+                                    <p:cond delay="0"/>
+                                  </p:stCondLst>
+                                  <p:childTnLst>
+                                    <p:animEffect transition="out" filter="fade">
+                                      <p:cBhvr>
+                                        <p:cTn id="11" dur="50" tmFilter="0, 0; .2, .5; .8, .5; 1, 0"/>
+                                        <p:tgtEl>
+                                          <p:spTgt spid="6"/>
+                                        </p:tgtEl>
+                                      </p:cBhvr>
+                                    </p:animEffect>
+                                    <p:animScale>
+                                      <p:cBhvr>
+                                        <p:cTn id="12" dur="25" autoRev="1" fill="hold"/>
+                                        <p:tgtEl>
+                                          <p:spTgt spid="6"/>
+                                        </p:tgtEl>
+                                      </p:cBhvr>
+                                      <p:by x="105000" y="105000"/>
+                                    </p:animScale>
+                                  </p:childTnLst>
+                                </p:cTn>
+                              </p:par>
+                            </p:childTnLst>
+                          </p:cTn>
+                        </p:par>
+                      </p:childTnLst>
+                    </p:cTn>
+                  </p:par>
+                  <p:par>
+                    <p:cTn id="13" fill="hold">
+                      <p:stCondLst>
+                        <p:cond delay="indefinite"/>
+                      </p:stCondLst>
+                      <p:childTnLst>
+                        <p:par>
+                          <p:cTn id="14" fill="hold">
+                            <p:stCondLst>
+                              <p:cond delay="0"/>
+                            </p:stCondLst>
+                            <p:childTnLst>
+                              <p:par>
+                                <p:cTn id="15" presetID="26" presetClass="emph" presetSubtype="0" fill="hold" grpId="2" nodeType="clickEffect">
+                                  <p:stCondLst>
+                                    <p:cond delay="0"/>
+                                  </p:stCondLst>
+                                  <p:childTnLst>
+                                    <p:animEffect transition="out" filter="fade">
+                                      <p:cBhvr>
+                                        <p:cTn id="16" dur="50" tmFilter="0, 0; .2, .5; .8, .5; 1, 0"/>
+                                        <p:tgtEl>
+                                          <p:spTgt spid="6"/>
+                                        </p:tgtEl>
+                                      </p:cBhvr>
+                                    </p:animEffect>
+                                    <p:animScale>
+                                      <p:cBhvr>
+                                        <p:cTn id="17" dur="25" autoRev="1" fill="hold"/>
+                                        <p:tgtEl>
+                                          <p:spTgt spid="6"/>
+                                        </p:tgtEl>
+                                      </p:cBhvr>
+                                      <p:by x="105000" y="105000"/>
+                                    </p:animScale>
+                                  </p:childTnLst>
+                                </p:cTn>
+                              </p:par>
+                            </p:childTnLst>
+                          </p:cTn>
+                        </p:par>
+                      </p:childTnLst>
+                    </p:cTn>
+                  </p:par>
+                  <p:par>
+                    <p:cTn id="18" fill="hold">
+                      <p:stCondLst>
+                        <p:cond delay="indefinite"/>
+                      </p:stCondLst>
+                      <p:childTnLst>
+                        <p:par>
+                          <p:cTn id="19" fill="hold">
+                            <p:stCondLst>
+                              <p:cond delay="0"/>
+                            </p:stCondLst>
+                            <p:childTnLst>
+                              <p:par>
+                                <p:cTn id="20" presetID="26" presetClass="emph" presetSubtype="0" fill="hold" grpId="3" nodeType="clickEffect">
+                                  <p:stCondLst>
+                                    <p:cond delay="0"/>
+                                  </p:stCondLst>
+                                  <p:childTnLst>
+                                    <p:animEffect transition="out" filter="fade">
+                                      <p:cBhvr>
+                                        <p:cTn id="21" dur="50" tmFilter="0, 0; .2, .5; .8, .5; 1, 0"/>
+                                        <p:tgtEl>
+                                          <p:spTgt spid="6"/>
+                                        </p:tgtEl>
+                                      </p:cBhvr>
+                                    </p:animEffect>
+                                    <p:animScale>
+                                      <p:cBhvr>
+                                        <p:cTn id="22" dur="25" autoRev="1" fill="hold"/>
+                                        <p:tgtEl>
+                                          <p:spTgt spid="6"/>
+                                        </p:tgtEl>
+                                      </p:cBhvr>
+                                      <p:by x="105000" y="105000"/>
+                                    </p:animScale>
+                                  </p:childTnLst>
+                                </p:cTn>
+                              </p:par>
+                            </p:childTnLst>
+                          </p:cTn>
+                        </p:par>
+                      </p:childTnLst>
+                    </p:cTn>
+                  </p:par>
                 </p:childTnLst>
               </p:cTn>
               <p:prevCondLst>
@@ -5984,6 +6119,9 @@
     </p:tnLst>
     <p:bldLst>
       <p:bldP spid="6" grpId="0" animBg="1"/>
+      <p:bldP spid="6" grpId="1" animBg="1"/>
+      <p:bldP spid="6" grpId="2" animBg="1"/>
+      <p:bldP spid="6" grpId="3" animBg="1"/>
     </p:bldLst>
   </p:timing>
 </p:sld>
@@ -6892,696 +7030,6 @@
 </file>
 
 <file path=ppt/slides/slide22.xml><?xml version="1.0" encoding="utf-8"?>
-<p:sld xmlns:a="http://schemas.openxmlformats.org/drawingml/2006/main" xmlns:r="http://schemas.openxmlformats.org/officeDocument/2006/relationships" xmlns:p="http://schemas.openxmlformats.org/presentationml/2006/main">
-  <p:cSld>
-    <p:spTree>
-      <p:nvGrpSpPr>
-        <p:cNvPr id="1" name=""/>
-        <p:cNvGrpSpPr/>
-        <p:nvPr/>
-      </p:nvGrpSpPr>
-      <p:grpSpPr>
-        <a:xfrm>
-          <a:off x="0" y="0"/>
-          <a:ext cx="0" cy="0"/>
-          <a:chOff x="0" y="0"/>
-          <a:chExt cx="0" cy="0"/>
-        </a:xfrm>
-      </p:grpSpPr>
-      <p:sp>
-        <p:nvSpPr>
-          <p:cNvPr id="4" name="Title 3">
-            <a:extLst>
-              <a:ext uri="{FF2B5EF4-FFF2-40B4-BE49-F238E27FC236}">
-                <a16:creationId xmlns:a16="http://schemas.microsoft.com/office/drawing/2014/main" id="{5B1752B8-D8CD-52AA-13ED-740B2DA5B39E}"/>
-              </a:ext>
-            </a:extLst>
-          </p:cNvPr>
-          <p:cNvSpPr>
-            <a:spLocks noGrp="1"/>
-          </p:cNvSpPr>
-          <p:nvPr>
-            <p:ph type="ctrTitle"/>
-          </p:nvPr>
-        </p:nvSpPr>
-        <p:spPr/>
-        <p:txBody>
-          <a:bodyPr/>
-          <a:lstStyle/>
-          <a:p>
-            <a:r>
-              <a:rPr lang="it-IT" dirty="0"/>
-              <a:t>Shifting</a:t>
-            </a:r>
-          </a:p>
-        </p:txBody>
-      </p:sp>
-      <p:sp>
-        <p:nvSpPr>
-          <p:cNvPr id="5" name="Subtitle 4">
-            <a:extLst>
-              <a:ext uri="{FF2B5EF4-FFF2-40B4-BE49-F238E27FC236}">
-                <a16:creationId xmlns:a16="http://schemas.microsoft.com/office/drawing/2014/main" id="{523EE154-B051-6A25-F836-9139ACFFF0D9}"/>
-              </a:ext>
-            </a:extLst>
-          </p:cNvPr>
-          <p:cNvSpPr>
-            <a:spLocks noGrp="1"/>
-          </p:cNvSpPr>
-          <p:nvPr>
-            <p:ph type="subTitle" idx="1"/>
-          </p:nvPr>
-        </p:nvSpPr>
-        <p:spPr/>
-        <p:txBody>
-          <a:bodyPr/>
-          <a:lstStyle/>
-          <a:p>
-            <a:endParaRPr lang="it-IT"/>
-          </a:p>
-        </p:txBody>
-      </p:sp>
-    </p:spTree>
-    <p:extLst>
-      <p:ext uri="{BB962C8B-B14F-4D97-AF65-F5344CB8AC3E}">
-        <p14:creationId xmlns:p14="http://schemas.microsoft.com/office/powerpoint/2010/main" val="1198024846"/>
-      </p:ext>
-    </p:extLst>
-  </p:cSld>
-  <p:clrMapOvr>
-    <a:masterClrMapping/>
-  </p:clrMapOvr>
-</p:sld>
-</file>
-
-<file path=ppt/slides/slide23.xml><?xml version="1.0" encoding="utf-8"?>
-<p:sld xmlns:a="http://schemas.openxmlformats.org/drawingml/2006/main" xmlns:r="http://schemas.openxmlformats.org/officeDocument/2006/relationships" xmlns:p="http://schemas.openxmlformats.org/presentationml/2006/main">
-  <p:cSld>
-    <p:spTree>
-      <p:nvGrpSpPr>
-        <p:cNvPr id="1" name=""/>
-        <p:cNvGrpSpPr/>
-        <p:nvPr/>
-      </p:nvGrpSpPr>
-      <p:grpSpPr>
-        <a:xfrm>
-          <a:off x="0" y="0"/>
-          <a:ext cx="0" cy="0"/>
-          <a:chOff x="0" y="0"/>
-          <a:chExt cx="0" cy="0"/>
-        </a:xfrm>
-      </p:grpSpPr>
-      <p:sp>
-        <p:nvSpPr>
-          <p:cNvPr id="2" name="Title 1">
-            <a:extLst>
-              <a:ext uri="{FF2B5EF4-FFF2-40B4-BE49-F238E27FC236}">
-                <a16:creationId xmlns:a16="http://schemas.microsoft.com/office/drawing/2014/main" id="{EF0E4333-CE95-BA56-E72F-76792F2C0578}"/>
-              </a:ext>
-            </a:extLst>
-          </p:cNvPr>
-          <p:cNvSpPr>
-            <a:spLocks noGrp="1"/>
-          </p:cNvSpPr>
-          <p:nvPr>
-            <p:ph type="title"/>
-          </p:nvPr>
-        </p:nvSpPr>
-        <p:spPr/>
-        <p:txBody>
-          <a:bodyPr/>
-          <a:lstStyle/>
-          <a:p>
-            <a:endParaRPr lang="it-IT" dirty="0"/>
-          </a:p>
-        </p:txBody>
-      </p:sp>
-      <p:sp>
-        <p:nvSpPr>
-          <p:cNvPr id="3" name="Content Placeholder 2">
-            <a:extLst>
-              <a:ext uri="{FF2B5EF4-FFF2-40B4-BE49-F238E27FC236}">
-                <a16:creationId xmlns:a16="http://schemas.microsoft.com/office/drawing/2014/main" id="{88121272-9654-6E50-AF03-81AEBA6D77B3}"/>
-              </a:ext>
-            </a:extLst>
-          </p:cNvPr>
-          <p:cNvSpPr>
-            <a:spLocks noGrp="1"/>
-          </p:cNvSpPr>
-          <p:nvPr>
-            <p:ph idx="1"/>
-          </p:nvPr>
-        </p:nvSpPr>
-        <p:spPr/>
-        <p:txBody>
-          <a:bodyPr/>
-          <a:lstStyle/>
-          <a:p>
-            <a:endParaRPr lang="it-IT"/>
-          </a:p>
-        </p:txBody>
-      </p:sp>
-      <p:pic>
-        <p:nvPicPr>
-          <p:cNvPr id="17410" name="Picture 2" descr="alt_text">
-            <a:extLst>
-              <a:ext uri="{FF2B5EF4-FFF2-40B4-BE49-F238E27FC236}">
-                <a16:creationId xmlns:a16="http://schemas.microsoft.com/office/drawing/2014/main" id="{3E6E5DAB-274D-8412-75F8-75286EC9D504}"/>
-              </a:ext>
-            </a:extLst>
-          </p:cNvPr>
-          <p:cNvPicPr>
-            <a:picLocks noChangeAspect="1" noChangeArrowheads="1"/>
-          </p:cNvPicPr>
-          <p:nvPr/>
-        </p:nvPicPr>
-        <p:blipFill>
-          <a:blip r:embed="rId2">
-            <a:extLst>
-              <a:ext uri="{28A0092B-C50C-407E-A947-70E740481C1C}">
-                <a14:useLocalDpi xmlns:a14="http://schemas.microsoft.com/office/drawing/2010/main" val="0"/>
-              </a:ext>
-            </a:extLst>
-          </a:blip>
-          <a:srcRect/>
-          <a:stretch>
-            <a:fillRect/>
-          </a:stretch>
-        </p:blipFill>
-        <p:spPr bwMode="auto">
-          <a:xfrm>
-            <a:off x="6350" y="0"/>
-            <a:ext cx="12180888" cy="6858000"/>
-          </a:xfrm>
-          <a:prstGeom prst="rect">
-            <a:avLst/>
-          </a:prstGeom>
-          <a:noFill/>
-          <a:extLst>
-            <a:ext uri="{909E8E84-426E-40DD-AFC4-6F175D3DCCD1}">
-              <a14:hiddenFill xmlns:a14="http://schemas.microsoft.com/office/drawing/2010/main">
-                <a:solidFill>
-                  <a:srgbClr val="FFFFFF"/>
-                </a:solidFill>
-              </a14:hiddenFill>
-            </a:ext>
-          </a:extLst>
-        </p:spPr>
-      </p:pic>
-    </p:spTree>
-    <p:extLst>
-      <p:ext uri="{BB962C8B-B14F-4D97-AF65-F5344CB8AC3E}">
-        <p14:creationId xmlns:p14="http://schemas.microsoft.com/office/powerpoint/2010/main" val="1012320727"/>
-      </p:ext>
-    </p:extLst>
-  </p:cSld>
-  <p:clrMapOvr>
-    <a:masterClrMapping/>
-  </p:clrMapOvr>
-</p:sld>
-</file>
-
-<file path=ppt/slides/slide24.xml><?xml version="1.0" encoding="utf-8"?>
-<p:sld xmlns:a="http://schemas.openxmlformats.org/drawingml/2006/main" xmlns:r="http://schemas.openxmlformats.org/officeDocument/2006/relationships" xmlns:p="http://schemas.openxmlformats.org/presentationml/2006/main">
-  <p:cSld>
-    <p:spTree>
-      <p:nvGrpSpPr>
-        <p:cNvPr id="1" name=""/>
-        <p:cNvGrpSpPr/>
-        <p:nvPr/>
-      </p:nvGrpSpPr>
-      <p:grpSpPr>
-        <a:xfrm>
-          <a:off x="0" y="0"/>
-          <a:ext cx="0" cy="0"/>
-          <a:chOff x="0" y="0"/>
-          <a:chExt cx="0" cy="0"/>
-        </a:xfrm>
-      </p:grpSpPr>
-      <p:sp>
-        <p:nvSpPr>
-          <p:cNvPr id="2" name="Title 1">
-            <a:extLst>
-              <a:ext uri="{FF2B5EF4-FFF2-40B4-BE49-F238E27FC236}">
-                <a16:creationId xmlns:a16="http://schemas.microsoft.com/office/drawing/2014/main" id="{905C8640-B2BF-CE3A-DA37-3CFA22769D65}"/>
-              </a:ext>
-            </a:extLst>
-          </p:cNvPr>
-          <p:cNvSpPr>
-            <a:spLocks noGrp="1"/>
-          </p:cNvSpPr>
-          <p:nvPr>
-            <p:ph type="title"/>
-          </p:nvPr>
-        </p:nvSpPr>
-        <p:spPr/>
-        <p:txBody>
-          <a:bodyPr/>
-          <a:lstStyle/>
-          <a:p>
-            <a:endParaRPr lang="it-IT"/>
-          </a:p>
-        </p:txBody>
-      </p:sp>
-      <p:sp>
-        <p:nvSpPr>
-          <p:cNvPr id="3" name="Content Placeholder 2">
-            <a:extLst>
-              <a:ext uri="{FF2B5EF4-FFF2-40B4-BE49-F238E27FC236}">
-                <a16:creationId xmlns:a16="http://schemas.microsoft.com/office/drawing/2014/main" id="{2A5072A7-C636-214C-88F2-2B9B0D9E0402}"/>
-              </a:ext>
-            </a:extLst>
-          </p:cNvPr>
-          <p:cNvSpPr>
-            <a:spLocks noGrp="1"/>
-          </p:cNvSpPr>
-          <p:nvPr>
-            <p:ph idx="1"/>
-          </p:nvPr>
-        </p:nvSpPr>
-        <p:spPr/>
-        <p:txBody>
-          <a:bodyPr/>
-          <a:lstStyle/>
-          <a:p>
-            <a:endParaRPr lang="it-IT"/>
-          </a:p>
-        </p:txBody>
-      </p:sp>
-      <p:pic>
-        <p:nvPicPr>
-          <p:cNvPr id="19458" name="Picture 2" descr="alt_text">
-            <a:extLst>
-              <a:ext uri="{FF2B5EF4-FFF2-40B4-BE49-F238E27FC236}">
-                <a16:creationId xmlns:a16="http://schemas.microsoft.com/office/drawing/2014/main" id="{4BB52B23-E87C-A3E4-92C0-733684B43FEC}"/>
-              </a:ext>
-            </a:extLst>
-          </p:cNvPr>
-          <p:cNvPicPr>
-            <a:picLocks noChangeAspect="1" noChangeArrowheads="1"/>
-          </p:cNvPicPr>
-          <p:nvPr/>
-        </p:nvPicPr>
-        <p:blipFill>
-          <a:blip r:embed="rId2">
-            <a:extLst>
-              <a:ext uri="{28A0092B-C50C-407E-A947-70E740481C1C}">
-                <a14:useLocalDpi xmlns:a14="http://schemas.microsoft.com/office/drawing/2010/main" val="0"/>
-              </a:ext>
-            </a:extLst>
-          </a:blip>
-          <a:srcRect/>
-          <a:stretch>
-            <a:fillRect/>
-          </a:stretch>
-        </p:blipFill>
-        <p:spPr bwMode="auto">
-          <a:xfrm>
-            <a:off x="6350" y="0"/>
-            <a:ext cx="12180888" cy="6858000"/>
-          </a:xfrm>
-          <a:prstGeom prst="rect">
-            <a:avLst/>
-          </a:prstGeom>
-          <a:noFill/>
-          <a:extLst>
-            <a:ext uri="{909E8E84-426E-40DD-AFC4-6F175D3DCCD1}">
-              <a14:hiddenFill xmlns:a14="http://schemas.microsoft.com/office/drawing/2010/main">
-                <a:solidFill>
-                  <a:srgbClr val="FFFFFF"/>
-                </a:solidFill>
-              </a14:hiddenFill>
-            </a:ext>
-          </a:extLst>
-        </p:spPr>
-      </p:pic>
-    </p:spTree>
-    <p:extLst>
-      <p:ext uri="{BB962C8B-B14F-4D97-AF65-F5344CB8AC3E}">
-        <p14:creationId xmlns:p14="http://schemas.microsoft.com/office/powerpoint/2010/main" val="167804783"/>
-      </p:ext>
-    </p:extLst>
-  </p:cSld>
-  <p:clrMapOvr>
-    <a:masterClrMapping/>
-  </p:clrMapOvr>
-</p:sld>
-</file>
-
-<file path=ppt/slides/slide25.xml><?xml version="1.0" encoding="utf-8"?>
-<p:sld xmlns:a="http://schemas.openxmlformats.org/drawingml/2006/main" xmlns:r="http://schemas.openxmlformats.org/officeDocument/2006/relationships" xmlns:p="http://schemas.openxmlformats.org/presentationml/2006/main">
-  <p:cSld>
-    <p:spTree>
-      <p:nvGrpSpPr>
-        <p:cNvPr id="1" name=""/>
-        <p:cNvGrpSpPr/>
-        <p:nvPr/>
-      </p:nvGrpSpPr>
-      <p:grpSpPr>
-        <a:xfrm>
-          <a:off x="0" y="0"/>
-          <a:ext cx="0" cy="0"/>
-          <a:chOff x="0" y="0"/>
-          <a:chExt cx="0" cy="0"/>
-        </a:xfrm>
-      </p:grpSpPr>
-      <p:sp>
-        <p:nvSpPr>
-          <p:cNvPr id="2" name="Title 1">
-            <a:extLst>
-              <a:ext uri="{FF2B5EF4-FFF2-40B4-BE49-F238E27FC236}">
-                <a16:creationId xmlns:a16="http://schemas.microsoft.com/office/drawing/2014/main" id="{3F48A228-57B1-A2C3-A781-AD89029505A5}"/>
-              </a:ext>
-            </a:extLst>
-          </p:cNvPr>
-          <p:cNvSpPr>
-            <a:spLocks noGrp="1"/>
-          </p:cNvSpPr>
-          <p:nvPr>
-            <p:ph type="title"/>
-          </p:nvPr>
-        </p:nvSpPr>
-        <p:spPr/>
-        <p:txBody>
-          <a:bodyPr/>
-          <a:lstStyle/>
-          <a:p>
-            <a:endParaRPr lang="it-IT"/>
-          </a:p>
-        </p:txBody>
-      </p:sp>
-      <p:sp>
-        <p:nvSpPr>
-          <p:cNvPr id="3" name="Content Placeholder 2">
-            <a:extLst>
-              <a:ext uri="{FF2B5EF4-FFF2-40B4-BE49-F238E27FC236}">
-                <a16:creationId xmlns:a16="http://schemas.microsoft.com/office/drawing/2014/main" id="{EB1AC47E-E965-FE5A-9152-3E1404BC280E}"/>
-              </a:ext>
-            </a:extLst>
-          </p:cNvPr>
-          <p:cNvSpPr>
-            <a:spLocks noGrp="1"/>
-          </p:cNvSpPr>
-          <p:nvPr>
-            <p:ph idx="1"/>
-          </p:nvPr>
-        </p:nvSpPr>
-        <p:spPr/>
-        <p:txBody>
-          <a:bodyPr/>
-          <a:lstStyle/>
-          <a:p>
-            <a:endParaRPr lang="it-IT"/>
-          </a:p>
-        </p:txBody>
-      </p:sp>
-      <p:pic>
-        <p:nvPicPr>
-          <p:cNvPr id="20482" name="Picture 2" descr="alt_text">
-            <a:extLst>
-              <a:ext uri="{FF2B5EF4-FFF2-40B4-BE49-F238E27FC236}">
-                <a16:creationId xmlns:a16="http://schemas.microsoft.com/office/drawing/2014/main" id="{6B317F94-22CD-1DFE-7CB0-9FEF39D8BF46}"/>
-              </a:ext>
-            </a:extLst>
-          </p:cNvPr>
-          <p:cNvPicPr>
-            <a:picLocks noChangeAspect="1" noChangeArrowheads="1"/>
-          </p:cNvPicPr>
-          <p:nvPr/>
-        </p:nvPicPr>
-        <p:blipFill>
-          <a:blip r:embed="rId2">
-            <a:extLst>
-              <a:ext uri="{28A0092B-C50C-407E-A947-70E740481C1C}">
-                <a14:useLocalDpi xmlns:a14="http://schemas.microsoft.com/office/drawing/2010/main" val="0"/>
-              </a:ext>
-            </a:extLst>
-          </a:blip>
-          <a:srcRect/>
-          <a:stretch>
-            <a:fillRect/>
-          </a:stretch>
-        </p:blipFill>
-        <p:spPr bwMode="auto">
-          <a:xfrm>
-            <a:off x="6350" y="0"/>
-            <a:ext cx="12180888" cy="6858000"/>
-          </a:xfrm>
-          <a:prstGeom prst="rect">
-            <a:avLst/>
-          </a:prstGeom>
-          <a:noFill/>
-          <a:extLst>
-            <a:ext uri="{909E8E84-426E-40DD-AFC4-6F175D3DCCD1}">
-              <a14:hiddenFill xmlns:a14="http://schemas.microsoft.com/office/drawing/2010/main">
-                <a:solidFill>
-                  <a:srgbClr val="FFFFFF"/>
-                </a:solidFill>
-              </a14:hiddenFill>
-            </a:ext>
-          </a:extLst>
-        </p:spPr>
-      </p:pic>
-    </p:spTree>
-    <p:extLst>
-      <p:ext uri="{BB962C8B-B14F-4D97-AF65-F5344CB8AC3E}">
-        <p14:creationId xmlns:p14="http://schemas.microsoft.com/office/powerpoint/2010/main" val="3141372857"/>
-      </p:ext>
-    </p:extLst>
-  </p:cSld>
-  <p:clrMapOvr>
-    <a:masterClrMapping/>
-  </p:clrMapOvr>
-</p:sld>
-</file>
-
-<file path=ppt/slides/slide26.xml><?xml version="1.0" encoding="utf-8"?>
-<p:sld xmlns:a="http://schemas.openxmlformats.org/drawingml/2006/main" xmlns:r="http://schemas.openxmlformats.org/officeDocument/2006/relationships" xmlns:p="http://schemas.openxmlformats.org/presentationml/2006/main">
-  <p:cSld>
-    <p:spTree>
-      <p:nvGrpSpPr>
-        <p:cNvPr id="1" name=""/>
-        <p:cNvGrpSpPr/>
-        <p:nvPr/>
-      </p:nvGrpSpPr>
-      <p:grpSpPr>
-        <a:xfrm>
-          <a:off x="0" y="0"/>
-          <a:ext cx="0" cy="0"/>
-          <a:chOff x="0" y="0"/>
-          <a:chExt cx="0" cy="0"/>
-        </a:xfrm>
-      </p:grpSpPr>
-      <p:sp>
-        <p:nvSpPr>
-          <p:cNvPr id="4" name="Title 3">
-            <a:extLst>
-              <a:ext uri="{FF2B5EF4-FFF2-40B4-BE49-F238E27FC236}">
-                <a16:creationId xmlns:a16="http://schemas.microsoft.com/office/drawing/2014/main" id="{5B1752B8-D8CD-52AA-13ED-740B2DA5B39E}"/>
-              </a:ext>
-            </a:extLst>
-          </p:cNvPr>
-          <p:cNvSpPr>
-            <a:spLocks noGrp="1"/>
-          </p:cNvSpPr>
-          <p:nvPr>
-            <p:ph type="ctrTitle"/>
-          </p:nvPr>
-        </p:nvSpPr>
-        <p:spPr/>
-        <p:txBody>
-          <a:bodyPr>
-            <a:normAutofit fontScale="90000"/>
-          </a:bodyPr>
-          <a:lstStyle/>
-          <a:p>
-            <a:r>
-              <a:rPr lang="it-IT" dirty="0"/>
-              <a:t>Carbon Neutral </a:t>
-            </a:r>
-            <a:br>
-              <a:rPr lang="it-IT" dirty="0"/>
-            </a:br>
-            <a:r>
-              <a:rPr lang="it-IT" dirty="0"/>
-              <a:t>vs </a:t>
-            </a:r>
-            <a:br>
-              <a:rPr lang="it-IT" dirty="0"/>
-            </a:br>
-            <a:r>
-              <a:rPr lang="it-IT" dirty="0"/>
-              <a:t>Net Zero</a:t>
-            </a:r>
-          </a:p>
-        </p:txBody>
-      </p:sp>
-      <p:sp>
-        <p:nvSpPr>
-          <p:cNvPr id="5" name="Subtitle 4">
-            <a:extLst>
-              <a:ext uri="{FF2B5EF4-FFF2-40B4-BE49-F238E27FC236}">
-                <a16:creationId xmlns:a16="http://schemas.microsoft.com/office/drawing/2014/main" id="{523EE154-B051-6A25-F836-9139ACFFF0D9}"/>
-              </a:ext>
-            </a:extLst>
-          </p:cNvPr>
-          <p:cNvSpPr>
-            <a:spLocks noGrp="1"/>
-          </p:cNvSpPr>
-          <p:nvPr>
-            <p:ph type="subTitle" idx="1"/>
-          </p:nvPr>
-        </p:nvSpPr>
-        <p:spPr/>
-        <p:txBody>
-          <a:bodyPr/>
-          <a:lstStyle/>
-          <a:p>
-            <a:endParaRPr lang="it-IT"/>
-          </a:p>
-        </p:txBody>
-      </p:sp>
-    </p:spTree>
-    <p:extLst>
-      <p:ext uri="{BB962C8B-B14F-4D97-AF65-F5344CB8AC3E}">
-        <p14:creationId xmlns:p14="http://schemas.microsoft.com/office/powerpoint/2010/main" val="1131556314"/>
-      </p:ext>
-    </p:extLst>
-  </p:cSld>
-  <p:clrMapOvr>
-    <a:masterClrMapping/>
-  </p:clrMapOvr>
-</p:sld>
-</file>
-
-<file path=ppt/slides/slide27.xml><?xml version="1.0" encoding="utf-8"?>
-<p:sld xmlns:a="http://schemas.openxmlformats.org/drawingml/2006/main" xmlns:r="http://schemas.openxmlformats.org/officeDocument/2006/relationships" xmlns:p="http://schemas.openxmlformats.org/presentationml/2006/main">
-  <p:cSld>
-    <p:spTree>
-      <p:nvGrpSpPr>
-        <p:cNvPr id="1" name=""/>
-        <p:cNvGrpSpPr/>
-        <p:nvPr/>
-      </p:nvGrpSpPr>
-      <p:grpSpPr>
-        <a:xfrm>
-          <a:off x="0" y="0"/>
-          <a:ext cx="0" cy="0"/>
-          <a:chOff x="0" y="0"/>
-          <a:chExt cx="0" cy="0"/>
-        </a:xfrm>
-      </p:grpSpPr>
-      <p:sp>
-        <p:nvSpPr>
-          <p:cNvPr id="2" name="Title 1">
-            <a:extLst>
-              <a:ext uri="{FF2B5EF4-FFF2-40B4-BE49-F238E27FC236}">
-                <a16:creationId xmlns:a16="http://schemas.microsoft.com/office/drawing/2014/main" id="{8DAA0844-AD25-E40A-ED44-CCC39119FE7E}"/>
-              </a:ext>
-            </a:extLst>
-          </p:cNvPr>
-          <p:cNvSpPr>
-            <a:spLocks noGrp="1"/>
-          </p:cNvSpPr>
-          <p:nvPr>
-            <p:ph type="title"/>
-          </p:nvPr>
-        </p:nvSpPr>
-        <p:spPr/>
-        <p:txBody>
-          <a:bodyPr/>
-          <a:lstStyle/>
-          <a:p>
-            <a:endParaRPr lang="it-IT"/>
-          </a:p>
-        </p:txBody>
-      </p:sp>
-      <p:sp>
-        <p:nvSpPr>
-          <p:cNvPr id="3" name="Content Placeholder 2">
-            <a:extLst>
-              <a:ext uri="{FF2B5EF4-FFF2-40B4-BE49-F238E27FC236}">
-                <a16:creationId xmlns:a16="http://schemas.microsoft.com/office/drawing/2014/main" id="{3FC63AF6-1CA8-71DE-C8F2-8A91F0E0BD28}"/>
-              </a:ext>
-            </a:extLst>
-          </p:cNvPr>
-          <p:cNvSpPr>
-            <a:spLocks noGrp="1"/>
-          </p:cNvSpPr>
-          <p:nvPr>
-            <p:ph idx="1"/>
-          </p:nvPr>
-        </p:nvSpPr>
-        <p:spPr/>
-        <p:txBody>
-          <a:bodyPr/>
-          <a:lstStyle/>
-          <a:p>
-            <a:endParaRPr lang="it-IT"/>
-          </a:p>
-        </p:txBody>
-      </p:sp>
-      <p:pic>
-        <p:nvPicPr>
-          <p:cNvPr id="22530" name="Picture 2" descr="alt_text">
-            <a:extLst>
-              <a:ext uri="{FF2B5EF4-FFF2-40B4-BE49-F238E27FC236}">
-                <a16:creationId xmlns:a16="http://schemas.microsoft.com/office/drawing/2014/main" id="{0C37B87D-D20D-AA6C-9EDB-9CD3EB3E0FF0}"/>
-              </a:ext>
-            </a:extLst>
-          </p:cNvPr>
-          <p:cNvPicPr>
-            <a:picLocks noChangeAspect="1" noChangeArrowheads="1"/>
-          </p:cNvPicPr>
-          <p:nvPr/>
-        </p:nvPicPr>
-        <p:blipFill>
-          <a:blip r:embed="rId2">
-            <a:extLst>
-              <a:ext uri="{28A0092B-C50C-407E-A947-70E740481C1C}">
-                <a14:useLocalDpi xmlns:a14="http://schemas.microsoft.com/office/drawing/2010/main" val="0"/>
-              </a:ext>
-            </a:extLst>
-          </a:blip>
-          <a:srcRect/>
-          <a:stretch>
-            <a:fillRect/>
-          </a:stretch>
-        </p:blipFill>
-        <p:spPr bwMode="auto">
-          <a:xfrm>
-            <a:off x="6350" y="0"/>
-            <a:ext cx="12180888" cy="6858000"/>
-          </a:xfrm>
-          <a:prstGeom prst="rect">
-            <a:avLst/>
-          </a:prstGeom>
-          <a:noFill/>
-          <a:extLst>
-            <a:ext uri="{909E8E84-426E-40DD-AFC4-6F175D3DCCD1}">
-              <a14:hiddenFill xmlns:a14="http://schemas.microsoft.com/office/drawing/2010/main">
-                <a:solidFill>
-                  <a:srgbClr val="FFFFFF"/>
-                </a:solidFill>
-              </a14:hiddenFill>
-            </a:ext>
-          </a:extLst>
-        </p:spPr>
-      </p:pic>
-    </p:spTree>
-    <p:extLst>
-      <p:ext uri="{BB962C8B-B14F-4D97-AF65-F5344CB8AC3E}">
-        <p14:creationId xmlns:p14="http://schemas.microsoft.com/office/powerpoint/2010/main" val="2029077596"/>
-      </p:ext>
-    </p:extLst>
-  </p:cSld>
-  <p:clrMapOvr>
-    <a:masterClrMapping/>
-  </p:clrMapOvr>
-</p:sld>
-</file>
-
-<file path=ppt/slides/slide28.xml><?xml version="1.0" encoding="utf-8"?>
 <p:sld xmlns:a="http://schemas.openxmlformats.org/drawingml/2006/main" xmlns:r="http://schemas.openxmlformats.org/officeDocument/2006/relationships" xmlns:p="http://schemas.openxmlformats.org/presentationml/2006/main" showMasterSp="0">
   <p:cSld>
     <p:bg>
@@ -7611,7 +7059,7 @@
           <p:cNvPr id="3" name="Picture 2">
             <a:extLst>
               <a:ext uri="{FF2B5EF4-FFF2-40B4-BE49-F238E27FC236}">
-                <a16:creationId xmlns:a16="http://schemas.microsoft.com/office/drawing/2014/main" id="{FAE09744-F7C6-BA8D-4978-207E4D7C03B8}"/>
+                <a16:creationId xmlns:a16="http://schemas.microsoft.com/office/drawing/2014/main" id="{4754450A-BCF8-28BA-70BE-439D54169ECB}"/>
               </a:ext>
             </a:extLst>
           </p:cNvPr>
@@ -7651,7 +7099,7 @@
           <p:cNvPr id="5" name="Picture 4">
             <a:extLst>
               <a:ext uri="{FF2B5EF4-FFF2-40B4-BE49-F238E27FC236}">
-                <a16:creationId xmlns:a16="http://schemas.microsoft.com/office/drawing/2014/main" id="{52837908-7312-7501-5F51-65D955EC1FA3}"/>
+                <a16:creationId xmlns:a16="http://schemas.microsoft.com/office/drawing/2014/main" id="{EC088C0D-6B2D-BD17-4068-F10042406741}"/>
               </a:ext>
             </a:extLst>
           </p:cNvPr>
@@ -7691,7 +7139,7 @@
           <p:cNvPr id="6" name="Rectangle 5">
             <a:extLst>
               <a:ext uri="{FF2B5EF4-FFF2-40B4-BE49-F238E27FC236}">
-                <a16:creationId xmlns:a16="http://schemas.microsoft.com/office/drawing/2014/main" id="{60C49E6E-8A4B-C065-A2F3-759528703D9D}"/>
+                <a16:creationId xmlns:a16="http://schemas.microsoft.com/office/drawing/2014/main" id="{961F0247-3921-A640-B3FE-B658EE47DEA3}"/>
               </a:ext>
             </a:extLst>
           </p:cNvPr>
@@ -7755,7 +7203,7 @@
                   <a:srgbClr val="5B5B5B"/>
                 </a:solidFill>
               </a:rPr>
-              <a:t>What is the primary goal with abatement/elimination?</a:t>
+              <a:t>What two variables affect carbon intensity?</a:t>
             </a:r>
             <a:endParaRPr lang="it-IT" sz="3600" b="1">
               <a:solidFill>
@@ -7770,7 +7218,7 @@
           <p:cNvPr id="7" name="Rectangle 6">
             <a:extLst>
               <a:ext uri="{FF2B5EF4-FFF2-40B4-BE49-F238E27FC236}">
-                <a16:creationId xmlns:a16="http://schemas.microsoft.com/office/drawing/2014/main" id="{ADAC1749-FB8E-1721-9AF2-052D70B4E3E9}"/>
+                <a16:creationId xmlns:a16="http://schemas.microsoft.com/office/drawing/2014/main" id="{6EBE4FF1-4AED-9AC9-66A8-602CD7443897}"/>
               </a:ext>
             </a:extLst>
           </p:cNvPr>
@@ -7867,7 +7315,7 @@
     </p:custDataLst>
     <p:extLst>
       <p:ext uri="{BB962C8B-B14F-4D97-AF65-F5344CB8AC3E}">
-        <p14:creationId xmlns:p14="http://schemas.microsoft.com/office/powerpoint/2010/main" val="3481821278"/>
+        <p14:creationId xmlns:p14="http://schemas.microsoft.com/office/powerpoint/2010/main" val="3904283953"/>
       </p:ext>
     </p:extLst>
   </p:cSld>
@@ -7926,6 +7374,138 @@
                       </p:childTnLst>
                     </p:cTn>
                   </p:par>
+                  <p:par>
+                    <p:cTn id="8" fill="hold">
+                      <p:stCondLst>
+                        <p:cond delay="indefinite"/>
+                      </p:stCondLst>
+                      <p:childTnLst>
+                        <p:par>
+                          <p:cTn id="9" fill="hold">
+                            <p:stCondLst>
+                              <p:cond delay="0"/>
+                            </p:stCondLst>
+                            <p:childTnLst>
+                              <p:par>
+                                <p:cTn id="10" presetID="26" presetClass="emph" presetSubtype="0" fill="hold" grpId="1" nodeType="clickEffect">
+                                  <p:stCondLst>
+                                    <p:cond delay="0"/>
+                                  </p:stCondLst>
+                                  <p:childTnLst>
+                                    <p:animEffect transition="out" filter="fade">
+                                      <p:cBhvr>
+                                        <p:cTn id="11" dur="50" tmFilter="0, 0; .2, .5; .8, .5; 1, 0"/>
+                                        <p:tgtEl>
+                                          <p:spTgt spid="6"/>
+                                        </p:tgtEl>
+                                      </p:cBhvr>
+                                    </p:animEffect>
+                                    <p:animScale>
+                                      <p:cBhvr>
+                                        <p:cTn id="12" dur="25" autoRev="1" fill="hold"/>
+                                        <p:tgtEl>
+                                          <p:spTgt spid="6"/>
+                                        </p:tgtEl>
+                                      </p:cBhvr>
+                                      <p:by x="105000" y="105000"/>
+                                    </p:animScale>
+                                  </p:childTnLst>
+                                </p:cTn>
+                              </p:par>
+                            </p:childTnLst>
+                          </p:cTn>
+                        </p:par>
+                      </p:childTnLst>
+                    </p:cTn>
+                  </p:par>
+                  <p:par>
+                    <p:cTn id="13" fill="hold">
+                      <p:stCondLst>
+                        <p:cond delay="indefinite"/>
+                      </p:stCondLst>
+                      <p:childTnLst>
+                        <p:par>
+                          <p:cTn id="14" fill="hold">
+                            <p:stCondLst>
+                              <p:cond delay="0"/>
+                            </p:stCondLst>
+                            <p:childTnLst>
+                              <p:par>
+                                <p:cTn id="15" presetID="26" presetClass="emph" presetSubtype="0" fill="hold" grpId="2" nodeType="clickEffect">
+                                  <p:stCondLst>
+                                    <p:cond delay="0"/>
+                                  </p:stCondLst>
+                                  <p:childTnLst>
+                                    <p:animEffect transition="out" filter="fade">
+                                      <p:cBhvr>
+                                        <p:cTn id="16" dur="50" tmFilter="0, 0; .2, .5; .8, .5; 1, 0"/>
+                                        <p:tgtEl>
+                                          <p:spTgt spid="6"/>
+                                        </p:tgtEl>
+                                      </p:cBhvr>
+                                    </p:animEffect>
+                                    <p:animScale>
+                                      <p:cBhvr>
+                                        <p:cTn id="17" dur="25" autoRev="1" fill="hold"/>
+                                        <p:tgtEl>
+                                          <p:spTgt spid="6"/>
+                                        </p:tgtEl>
+                                      </p:cBhvr>
+                                      <p:by x="105000" y="105000"/>
+                                    </p:animScale>
+                                  </p:childTnLst>
+                                </p:cTn>
+                              </p:par>
+                            </p:childTnLst>
+                          </p:cTn>
+                        </p:par>
+                      </p:childTnLst>
+                    </p:cTn>
+                  </p:par>
+                  <p:par>
+                    <p:cTn id="18" fill="hold">
+                      <p:stCondLst>
+                        <p:cond delay="indefinite"/>
+                      </p:stCondLst>
+                      <p:childTnLst>
+                        <p:par>
+                          <p:cTn id="19" fill="hold">
+                            <p:stCondLst>
+                              <p:cond delay="0"/>
+                            </p:stCondLst>
+                            <p:childTnLst>
+                              <p:par>
+                                <p:cTn id="20" presetID="26" presetClass="emph" presetSubtype="0" fill="hold" grpId="3" nodeType="clickEffect">
+                                  <p:stCondLst>
+                                    <p:cond delay="0"/>
+                                  </p:stCondLst>
+                                  <p:childTnLst>
+                                    <p:animEffect transition="out" filter="fade">
+                                      <p:cBhvr>
+                                        <p:cTn id="21" dur="50" tmFilter="0, 0; .2, .5; .8, .5; 1, 0"/>
+                                        <p:tgtEl>
+                                          <p:spTgt spid="6"/>
+                                        </p:tgtEl>
+                                      </p:cBhvr>
+                                    </p:animEffect>
+                                    <p:animScale>
+                                      <p:cBhvr>
+                                        <p:cTn id="22" dur="25" autoRev="1" fill="hold"/>
+                                        <p:tgtEl>
+                                          <p:spTgt spid="6"/>
+                                        </p:tgtEl>
+                                      </p:cBhvr>
+                                      <p:by x="105000" y="105000"/>
+                                    </p:animScale>
+                                  </p:childTnLst>
+                                </p:cTn>
+                              </p:par>
+                            </p:childTnLst>
+                          </p:cTn>
+                        </p:par>
+                      </p:childTnLst>
+                    </p:cTn>
+                  </p:par>
                 </p:childTnLst>
               </p:cTn>
               <p:prevCondLst>
@@ -7949,13 +7529,16 @@
     </p:tnLst>
     <p:bldLst>
       <p:bldP spid="6" grpId="0" animBg="1"/>
+      <p:bldP spid="6" grpId="1" animBg="1"/>
+      <p:bldP spid="6" grpId="2" animBg="1"/>
+      <p:bldP spid="6" grpId="3" animBg="1"/>
     </p:bldLst>
   </p:timing>
 </p:sld>
 </file>
 
-<file path=ppt/slides/slide29.xml><?xml version="1.0" encoding="utf-8"?>
-<p:sld xmlns:a="http://schemas.openxmlformats.org/drawingml/2006/main" xmlns:r="http://schemas.openxmlformats.org/officeDocument/2006/relationships" xmlns:p="http://schemas.openxmlformats.org/presentationml/2006/main" show="0">
+<file path=ppt/slides/slide23.xml><?xml version="1.0" encoding="utf-8"?>
+<p:sld xmlns:a="http://schemas.openxmlformats.org/drawingml/2006/main" xmlns:r="http://schemas.openxmlformats.org/officeDocument/2006/relationships" xmlns:p="http://schemas.openxmlformats.org/presentationml/2006/main">
   <p:cSld>
     <p:spTree>
       <p:nvGrpSpPr>
@@ -7973,10 +7556,10 @@
       </p:grpSpPr>
       <p:sp>
         <p:nvSpPr>
-          <p:cNvPr id="2" name="Title 1">
-            <a:extLst>
-              <a:ext uri="{FF2B5EF4-FFF2-40B4-BE49-F238E27FC236}">
-                <a16:creationId xmlns:a16="http://schemas.microsoft.com/office/drawing/2014/main" id="{7E8897DB-FE8C-D45C-942B-30FB698F7906}"/>
+          <p:cNvPr id="4" name="Title 3">
+            <a:extLst>
+              <a:ext uri="{FF2B5EF4-FFF2-40B4-BE49-F238E27FC236}">
+                <a16:creationId xmlns:a16="http://schemas.microsoft.com/office/drawing/2014/main" id="{5B1752B8-D8CD-52AA-13ED-740B2DA5B39E}"/>
               </a:ext>
             </a:extLst>
           </p:cNvPr>
@@ -7984,7 +7567,7 @@
             <a:spLocks noGrp="1"/>
           </p:cNvSpPr>
           <p:nvPr>
-            <p:ph type="title"/>
+            <p:ph type="ctrTitle"/>
           </p:nvPr>
         </p:nvSpPr>
         <p:spPr/>
@@ -7992,16 +7575,19 @@
           <a:bodyPr/>
           <a:lstStyle/>
           <a:p>
-            <a:endParaRPr lang="it-IT"/>
-          </a:p>
-        </p:txBody>
-      </p:sp>
-      <p:sp>
-        <p:nvSpPr>
-          <p:cNvPr id="3" name="Content Placeholder 2">
-            <a:extLst>
-              <a:ext uri="{FF2B5EF4-FFF2-40B4-BE49-F238E27FC236}">
-                <a16:creationId xmlns:a16="http://schemas.microsoft.com/office/drawing/2014/main" id="{C85D0552-55E4-D4DD-F937-1BE0762F6750}"/>
+            <a:r>
+              <a:rPr lang="it-IT" dirty="0"/>
+              <a:t>Shifting</a:t>
+            </a:r>
+          </a:p>
+        </p:txBody>
+      </p:sp>
+      <p:sp>
+        <p:nvSpPr>
+          <p:cNvPr id="5" name="Subtitle 4">
+            <a:extLst>
+              <a:ext uri="{FF2B5EF4-FFF2-40B4-BE49-F238E27FC236}">
+                <a16:creationId xmlns:a16="http://schemas.microsoft.com/office/drawing/2014/main" id="{523EE154-B051-6A25-F836-9139ACFFF0D9}"/>
               </a:ext>
             </a:extLst>
           </p:cNvPr>
@@ -8009,7 +7595,7 @@
             <a:spLocks noGrp="1"/>
           </p:cNvSpPr>
           <p:nvPr>
-            <p:ph idx="1"/>
+            <p:ph type="subTitle" idx="1"/>
           </p:nvPr>
         </p:nvSpPr>
         <p:spPr/>
@@ -8021,12 +7607,92 @@
           </a:p>
         </p:txBody>
       </p:sp>
+    </p:spTree>
+    <p:extLst>
+      <p:ext uri="{BB962C8B-B14F-4D97-AF65-F5344CB8AC3E}">
+        <p14:creationId xmlns:p14="http://schemas.microsoft.com/office/powerpoint/2010/main" val="1198024846"/>
+      </p:ext>
+    </p:extLst>
+  </p:cSld>
+  <p:clrMapOvr>
+    <a:masterClrMapping/>
+  </p:clrMapOvr>
+</p:sld>
+</file>
+
+<file path=ppt/slides/slide24.xml><?xml version="1.0" encoding="utf-8"?>
+<p:sld xmlns:a="http://schemas.openxmlformats.org/drawingml/2006/main" xmlns:r="http://schemas.openxmlformats.org/officeDocument/2006/relationships" xmlns:p="http://schemas.openxmlformats.org/presentationml/2006/main">
+  <p:cSld>
+    <p:spTree>
+      <p:nvGrpSpPr>
+        <p:cNvPr id="1" name=""/>
+        <p:cNvGrpSpPr/>
+        <p:nvPr/>
+      </p:nvGrpSpPr>
+      <p:grpSpPr>
+        <a:xfrm>
+          <a:off x="0" y="0"/>
+          <a:ext cx="0" cy="0"/>
+          <a:chOff x="0" y="0"/>
+          <a:chExt cx="0" cy="0"/>
+        </a:xfrm>
+      </p:grpSpPr>
+      <p:sp>
+        <p:nvSpPr>
+          <p:cNvPr id="2" name="Title 1">
+            <a:extLst>
+              <a:ext uri="{FF2B5EF4-FFF2-40B4-BE49-F238E27FC236}">
+                <a16:creationId xmlns:a16="http://schemas.microsoft.com/office/drawing/2014/main" id="{EF0E4333-CE95-BA56-E72F-76792F2C0578}"/>
+              </a:ext>
+            </a:extLst>
+          </p:cNvPr>
+          <p:cNvSpPr>
+            <a:spLocks noGrp="1"/>
+          </p:cNvSpPr>
+          <p:nvPr>
+            <p:ph type="title"/>
+          </p:nvPr>
+        </p:nvSpPr>
+        <p:spPr/>
+        <p:txBody>
+          <a:bodyPr/>
+          <a:lstStyle/>
+          <a:p>
+            <a:endParaRPr lang="it-IT" dirty="0"/>
+          </a:p>
+        </p:txBody>
+      </p:sp>
+      <p:sp>
+        <p:nvSpPr>
+          <p:cNvPr id="3" name="Content Placeholder 2">
+            <a:extLst>
+              <a:ext uri="{FF2B5EF4-FFF2-40B4-BE49-F238E27FC236}">
+                <a16:creationId xmlns:a16="http://schemas.microsoft.com/office/drawing/2014/main" id="{88121272-9654-6E50-AF03-81AEBA6D77B3}"/>
+              </a:ext>
+            </a:extLst>
+          </p:cNvPr>
+          <p:cNvSpPr>
+            <a:spLocks noGrp="1"/>
+          </p:cNvSpPr>
+          <p:nvPr>
+            <p:ph idx="1"/>
+          </p:nvPr>
+        </p:nvSpPr>
+        <p:spPr/>
+        <p:txBody>
+          <a:bodyPr/>
+          <a:lstStyle/>
+          <a:p>
+            <a:endParaRPr lang="it-IT"/>
+          </a:p>
+        </p:txBody>
+      </p:sp>
       <p:pic>
         <p:nvPicPr>
-          <p:cNvPr id="23554" name="Picture 2" descr="alt_text">
-            <a:extLst>
-              <a:ext uri="{FF2B5EF4-FFF2-40B4-BE49-F238E27FC236}">
-                <a16:creationId xmlns:a16="http://schemas.microsoft.com/office/drawing/2014/main" id="{FE0E9D8C-CEF3-E041-2089-A52E95849041}"/>
+          <p:cNvPr id="17410" name="Picture 2" descr="alt_text">
+            <a:extLst>
+              <a:ext uri="{FF2B5EF4-FFF2-40B4-BE49-F238E27FC236}">
+                <a16:creationId xmlns:a16="http://schemas.microsoft.com/office/drawing/2014/main" id="{3E6E5DAB-274D-8412-75F8-75286EC9D504}"/>
               </a:ext>
             </a:extLst>
           </p:cNvPr>
@@ -8071,7 +7737,995 @@
     </p:spTree>
     <p:extLst>
       <p:ext uri="{BB962C8B-B14F-4D97-AF65-F5344CB8AC3E}">
-        <p14:creationId xmlns:p14="http://schemas.microsoft.com/office/powerpoint/2010/main" val="3803927355"/>
+        <p14:creationId xmlns:p14="http://schemas.microsoft.com/office/powerpoint/2010/main" val="1012320727"/>
+      </p:ext>
+    </p:extLst>
+  </p:cSld>
+  <p:clrMapOvr>
+    <a:masterClrMapping/>
+  </p:clrMapOvr>
+</p:sld>
+</file>
+
+<file path=ppt/slides/slide25.xml><?xml version="1.0" encoding="utf-8"?>
+<p:sld xmlns:a="http://schemas.openxmlformats.org/drawingml/2006/main" xmlns:r="http://schemas.openxmlformats.org/officeDocument/2006/relationships" xmlns:p="http://schemas.openxmlformats.org/presentationml/2006/main">
+  <p:cSld>
+    <p:spTree>
+      <p:nvGrpSpPr>
+        <p:cNvPr id="1" name=""/>
+        <p:cNvGrpSpPr/>
+        <p:nvPr/>
+      </p:nvGrpSpPr>
+      <p:grpSpPr>
+        <a:xfrm>
+          <a:off x="0" y="0"/>
+          <a:ext cx="0" cy="0"/>
+          <a:chOff x="0" y="0"/>
+          <a:chExt cx="0" cy="0"/>
+        </a:xfrm>
+      </p:grpSpPr>
+      <p:sp>
+        <p:nvSpPr>
+          <p:cNvPr id="2" name="Title 1">
+            <a:extLst>
+              <a:ext uri="{FF2B5EF4-FFF2-40B4-BE49-F238E27FC236}">
+                <a16:creationId xmlns:a16="http://schemas.microsoft.com/office/drawing/2014/main" id="{905C8640-B2BF-CE3A-DA37-3CFA22769D65}"/>
+              </a:ext>
+            </a:extLst>
+          </p:cNvPr>
+          <p:cNvSpPr>
+            <a:spLocks noGrp="1"/>
+          </p:cNvSpPr>
+          <p:nvPr>
+            <p:ph type="title"/>
+          </p:nvPr>
+        </p:nvSpPr>
+        <p:spPr/>
+        <p:txBody>
+          <a:bodyPr/>
+          <a:lstStyle/>
+          <a:p>
+            <a:endParaRPr lang="it-IT"/>
+          </a:p>
+        </p:txBody>
+      </p:sp>
+      <p:sp>
+        <p:nvSpPr>
+          <p:cNvPr id="3" name="Content Placeholder 2">
+            <a:extLst>
+              <a:ext uri="{FF2B5EF4-FFF2-40B4-BE49-F238E27FC236}">
+                <a16:creationId xmlns:a16="http://schemas.microsoft.com/office/drawing/2014/main" id="{2A5072A7-C636-214C-88F2-2B9B0D9E0402}"/>
+              </a:ext>
+            </a:extLst>
+          </p:cNvPr>
+          <p:cNvSpPr>
+            <a:spLocks noGrp="1"/>
+          </p:cNvSpPr>
+          <p:nvPr>
+            <p:ph idx="1"/>
+          </p:nvPr>
+        </p:nvSpPr>
+        <p:spPr/>
+        <p:txBody>
+          <a:bodyPr/>
+          <a:lstStyle/>
+          <a:p>
+            <a:endParaRPr lang="it-IT"/>
+          </a:p>
+        </p:txBody>
+      </p:sp>
+      <p:pic>
+        <p:nvPicPr>
+          <p:cNvPr id="19458" name="Picture 2" descr="alt_text">
+            <a:extLst>
+              <a:ext uri="{FF2B5EF4-FFF2-40B4-BE49-F238E27FC236}">
+                <a16:creationId xmlns:a16="http://schemas.microsoft.com/office/drawing/2014/main" id="{4BB52B23-E87C-A3E4-92C0-733684B43FEC}"/>
+              </a:ext>
+            </a:extLst>
+          </p:cNvPr>
+          <p:cNvPicPr>
+            <a:picLocks noChangeAspect="1" noChangeArrowheads="1"/>
+          </p:cNvPicPr>
+          <p:nvPr/>
+        </p:nvPicPr>
+        <p:blipFill>
+          <a:blip r:embed="rId2">
+            <a:extLst>
+              <a:ext uri="{28A0092B-C50C-407E-A947-70E740481C1C}">
+                <a14:useLocalDpi xmlns:a14="http://schemas.microsoft.com/office/drawing/2010/main" val="0"/>
+              </a:ext>
+            </a:extLst>
+          </a:blip>
+          <a:srcRect/>
+          <a:stretch>
+            <a:fillRect/>
+          </a:stretch>
+        </p:blipFill>
+        <p:spPr bwMode="auto">
+          <a:xfrm>
+            <a:off x="6350" y="0"/>
+            <a:ext cx="12180888" cy="6858000"/>
+          </a:xfrm>
+          <a:prstGeom prst="rect">
+            <a:avLst/>
+          </a:prstGeom>
+          <a:noFill/>
+          <a:extLst>
+            <a:ext uri="{909E8E84-426E-40DD-AFC4-6F175D3DCCD1}">
+              <a14:hiddenFill xmlns:a14="http://schemas.microsoft.com/office/drawing/2010/main">
+                <a:solidFill>
+                  <a:srgbClr val="FFFFFF"/>
+                </a:solidFill>
+              </a14:hiddenFill>
+            </a:ext>
+          </a:extLst>
+        </p:spPr>
+      </p:pic>
+    </p:spTree>
+    <p:extLst>
+      <p:ext uri="{BB962C8B-B14F-4D97-AF65-F5344CB8AC3E}">
+        <p14:creationId xmlns:p14="http://schemas.microsoft.com/office/powerpoint/2010/main" val="167804783"/>
+      </p:ext>
+    </p:extLst>
+  </p:cSld>
+  <p:clrMapOvr>
+    <a:masterClrMapping/>
+  </p:clrMapOvr>
+</p:sld>
+</file>
+
+<file path=ppt/slides/slide26.xml><?xml version="1.0" encoding="utf-8"?>
+<p:sld xmlns:a="http://schemas.openxmlformats.org/drawingml/2006/main" xmlns:r="http://schemas.openxmlformats.org/officeDocument/2006/relationships" xmlns:p="http://schemas.openxmlformats.org/presentationml/2006/main">
+  <p:cSld>
+    <p:spTree>
+      <p:nvGrpSpPr>
+        <p:cNvPr id="1" name=""/>
+        <p:cNvGrpSpPr/>
+        <p:nvPr/>
+      </p:nvGrpSpPr>
+      <p:grpSpPr>
+        <a:xfrm>
+          <a:off x="0" y="0"/>
+          <a:ext cx="0" cy="0"/>
+          <a:chOff x="0" y="0"/>
+          <a:chExt cx="0" cy="0"/>
+        </a:xfrm>
+      </p:grpSpPr>
+      <p:sp>
+        <p:nvSpPr>
+          <p:cNvPr id="2" name="Title 1">
+            <a:extLst>
+              <a:ext uri="{FF2B5EF4-FFF2-40B4-BE49-F238E27FC236}">
+                <a16:creationId xmlns:a16="http://schemas.microsoft.com/office/drawing/2014/main" id="{3F48A228-57B1-A2C3-A781-AD89029505A5}"/>
+              </a:ext>
+            </a:extLst>
+          </p:cNvPr>
+          <p:cNvSpPr>
+            <a:spLocks noGrp="1"/>
+          </p:cNvSpPr>
+          <p:nvPr>
+            <p:ph type="title"/>
+          </p:nvPr>
+        </p:nvSpPr>
+        <p:spPr/>
+        <p:txBody>
+          <a:bodyPr/>
+          <a:lstStyle/>
+          <a:p>
+            <a:endParaRPr lang="it-IT"/>
+          </a:p>
+        </p:txBody>
+      </p:sp>
+      <p:sp>
+        <p:nvSpPr>
+          <p:cNvPr id="3" name="Content Placeholder 2">
+            <a:extLst>
+              <a:ext uri="{FF2B5EF4-FFF2-40B4-BE49-F238E27FC236}">
+                <a16:creationId xmlns:a16="http://schemas.microsoft.com/office/drawing/2014/main" id="{EB1AC47E-E965-FE5A-9152-3E1404BC280E}"/>
+              </a:ext>
+            </a:extLst>
+          </p:cNvPr>
+          <p:cNvSpPr>
+            <a:spLocks noGrp="1"/>
+          </p:cNvSpPr>
+          <p:nvPr>
+            <p:ph idx="1"/>
+          </p:nvPr>
+        </p:nvSpPr>
+        <p:spPr/>
+        <p:txBody>
+          <a:bodyPr/>
+          <a:lstStyle/>
+          <a:p>
+            <a:endParaRPr lang="it-IT"/>
+          </a:p>
+        </p:txBody>
+      </p:sp>
+      <p:pic>
+        <p:nvPicPr>
+          <p:cNvPr id="20482" name="Picture 2" descr="alt_text">
+            <a:extLst>
+              <a:ext uri="{FF2B5EF4-FFF2-40B4-BE49-F238E27FC236}">
+                <a16:creationId xmlns:a16="http://schemas.microsoft.com/office/drawing/2014/main" id="{6B317F94-22CD-1DFE-7CB0-9FEF39D8BF46}"/>
+              </a:ext>
+            </a:extLst>
+          </p:cNvPr>
+          <p:cNvPicPr>
+            <a:picLocks noChangeAspect="1" noChangeArrowheads="1"/>
+          </p:cNvPicPr>
+          <p:nvPr/>
+        </p:nvPicPr>
+        <p:blipFill>
+          <a:blip r:embed="rId2">
+            <a:extLst>
+              <a:ext uri="{28A0092B-C50C-407E-A947-70E740481C1C}">
+                <a14:useLocalDpi xmlns:a14="http://schemas.microsoft.com/office/drawing/2010/main" val="0"/>
+              </a:ext>
+            </a:extLst>
+          </a:blip>
+          <a:srcRect/>
+          <a:stretch>
+            <a:fillRect/>
+          </a:stretch>
+        </p:blipFill>
+        <p:spPr bwMode="auto">
+          <a:xfrm>
+            <a:off x="6350" y="0"/>
+            <a:ext cx="12180888" cy="6858000"/>
+          </a:xfrm>
+          <a:prstGeom prst="rect">
+            <a:avLst/>
+          </a:prstGeom>
+          <a:noFill/>
+          <a:extLst>
+            <a:ext uri="{909E8E84-426E-40DD-AFC4-6F175D3DCCD1}">
+              <a14:hiddenFill xmlns:a14="http://schemas.microsoft.com/office/drawing/2010/main">
+                <a:solidFill>
+                  <a:srgbClr val="FFFFFF"/>
+                </a:solidFill>
+              </a14:hiddenFill>
+            </a:ext>
+          </a:extLst>
+        </p:spPr>
+      </p:pic>
+    </p:spTree>
+    <p:extLst>
+      <p:ext uri="{BB962C8B-B14F-4D97-AF65-F5344CB8AC3E}">
+        <p14:creationId xmlns:p14="http://schemas.microsoft.com/office/powerpoint/2010/main" val="3141372857"/>
+      </p:ext>
+    </p:extLst>
+  </p:cSld>
+  <p:clrMapOvr>
+    <a:masterClrMapping/>
+  </p:clrMapOvr>
+</p:sld>
+</file>
+
+<file path=ppt/slides/slide27.xml><?xml version="1.0" encoding="utf-8"?>
+<p:sld xmlns:a="http://schemas.openxmlformats.org/drawingml/2006/main" xmlns:r="http://schemas.openxmlformats.org/officeDocument/2006/relationships" xmlns:p="http://schemas.openxmlformats.org/presentationml/2006/main" showMasterSp="0">
+  <p:cSld>
+    <p:bg>
+      <p:bgPr>
+        <a:solidFill>
+          <a:srgbClr val="FFFFFF"/>
+        </a:solidFill>
+        <a:effectLst/>
+      </p:bgPr>
+    </p:bg>
+    <p:spTree>
+      <p:nvGrpSpPr>
+        <p:cNvPr id="1" name=""/>
+        <p:cNvGrpSpPr/>
+        <p:nvPr/>
+      </p:nvGrpSpPr>
+      <p:grpSpPr>
+        <a:xfrm>
+          <a:off x="0" y="0"/>
+          <a:ext cx="0" cy="0"/>
+          <a:chOff x="0" y="0"/>
+          <a:chExt cx="0" cy="0"/>
+        </a:xfrm>
+      </p:grpSpPr>
+      <p:pic>
+        <p:nvPicPr>
+          <p:cNvPr id="3" name="Picture 2">
+            <a:extLst>
+              <a:ext uri="{FF2B5EF4-FFF2-40B4-BE49-F238E27FC236}">
+                <a16:creationId xmlns:a16="http://schemas.microsoft.com/office/drawing/2014/main" id="{1FBAF4C1-52A5-D05A-9AE2-8E88EF572F4B}"/>
+              </a:ext>
+            </a:extLst>
+          </p:cNvPr>
+          <p:cNvPicPr>
+            <a:picLocks/>
+          </p:cNvPicPr>
+          <p:nvPr>
+            <p:custDataLst>
+              <p:tags r:id="rId2"/>
+            </p:custDataLst>
+          </p:nvPr>
+        </p:nvPicPr>
+        <p:blipFill>
+          <a:blip r:embed="rId7">
+            <a:extLst>
+              <a:ext uri="{28A0092B-C50C-407E-A947-70E740481C1C}">
+                <a14:useLocalDpi xmlns:a14="http://schemas.microsoft.com/office/drawing/2010/main" val="0"/>
+              </a:ext>
+            </a:extLst>
+          </a:blip>
+          <a:stretch>
+            <a:fillRect/>
+          </a:stretch>
+        </p:blipFill>
+        <p:spPr>
+          <a:xfrm>
+            <a:off x="3201670" y="508000"/>
+            <a:ext cx="1219200" cy="510126"/>
+          </a:xfrm>
+          <a:prstGeom prst="rect">
+            <a:avLst/>
+          </a:prstGeom>
+        </p:spPr>
+      </p:pic>
+      <p:pic>
+        <p:nvPicPr>
+          <p:cNvPr id="5" name="Picture 4">
+            <a:extLst>
+              <a:ext uri="{FF2B5EF4-FFF2-40B4-BE49-F238E27FC236}">
+                <a16:creationId xmlns:a16="http://schemas.microsoft.com/office/drawing/2014/main" id="{8D5DC07C-6F1B-A3D7-1F10-AF6031877587}"/>
+              </a:ext>
+            </a:extLst>
+          </p:cNvPr>
+          <p:cNvPicPr>
+            <a:picLocks/>
+          </p:cNvPicPr>
+          <p:nvPr>
+            <p:custDataLst>
+              <p:tags r:id="rId3"/>
+            </p:custDataLst>
+          </p:nvPr>
+        </p:nvPicPr>
+        <p:blipFill>
+          <a:blip r:embed="rId8">
+            <a:extLst>
+              <a:ext uri="{28A0092B-C50C-407E-A947-70E740481C1C}">
+                <a14:useLocalDpi xmlns:a14="http://schemas.microsoft.com/office/drawing/2010/main" val="0"/>
+              </a:ext>
+            </a:extLst>
+          </a:blip>
+          <a:stretch>
+            <a:fillRect/>
+          </a:stretch>
+        </p:blipFill>
+        <p:spPr>
+          <a:xfrm>
+            <a:off x="508000" y="2209800"/>
+            <a:ext cx="2438400" cy="2438400"/>
+          </a:xfrm>
+          <a:prstGeom prst="rect">
+            <a:avLst/>
+          </a:prstGeom>
+        </p:spPr>
+      </p:pic>
+      <p:sp>
+        <p:nvSpPr>
+          <p:cNvPr id="6" name="Rectangle 5">
+            <a:extLst>
+              <a:ext uri="{FF2B5EF4-FFF2-40B4-BE49-F238E27FC236}">
+                <a16:creationId xmlns:a16="http://schemas.microsoft.com/office/drawing/2014/main" id="{865C7202-0AB6-8314-0ECA-3DD875854B71}"/>
+              </a:ext>
+            </a:extLst>
+          </p:cNvPr>
+          <p:cNvSpPr/>
+          <p:nvPr>
+            <p:custDataLst>
+              <p:tags r:id="rId4"/>
+            </p:custDataLst>
+          </p:nvPr>
+        </p:nvSpPr>
+        <p:spPr>
+          <a:xfrm>
+            <a:off x="3200400" y="2571750"/>
+            <a:ext cx="8483600" cy="1714500"/>
+          </a:xfrm>
+          <a:prstGeom prst="rect">
+            <a:avLst/>
+          </a:prstGeom>
+          <a:noFill/>
+          <a:ln w="12700" cap="flat" cmpd="sng" algn="ctr">
+            <a:solidFill>
+              <a:srgbClr val="FFFFFF"/>
+            </a:solidFill>
+            <a:prstDash val="solid"/>
+            <a:miter lim="800000"/>
+          </a:ln>
+          <a:effectLst/>
+          <a:extLst>
+            <a:ext uri="{909E8E84-426E-40DD-AFC4-6F175D3DCCD1}">
+              <a14:hiddenFill xmlns:a14="http://schemas.microsoft.com/office/drawing/2010/main">
+                <a:solidFill>
+                  <a:schemeClr val="accent1"/>
+                </a:solidFill>
+              </a14:hiddenFill>
+            </a:ext>
+          </a:extLst>
+        </p:spPr>
+        <p:style>
+          <a:lnRef idx="2">
+            <a:schemeClr val="accent1">
+              <a:shade val="15000"/>
+            </a:schemeClr>
+          </a:lnRef>
+          <a:fillRef idx="1">
+            <a:schemeClr val="accent1"/>
+          </a:fillRef>
+          <a:effectRef idx="0">
+            <a:schemeClr val="accent1"/>
+          </a:effectRef>
+          <a:fontRef idx="minor">
+            <a:schemeClr val="lt1"/>
+          </a:fontRef>
+        </p:style>
+        <p:txBody>
+          <a:bodyPr rtlCol="0" anchor="ctr"/>
+          <a:lstStyle/>
+          <a:p>
+            <a:r>
+              <a:rPr lang="en-US" sz="3600" b="1">
+                <a:solidFill>
+                  <a:srgbClr val="5B5B5B"/>
+                </a:solidFill>
+              </a:rPr>
+              <a:t>What are the two types of demand shifting?</a:t>
+            </a:r>
+            <a:endParaRPr lang="it-IT" sz="3600" b="1">
+              <a:solidFill>
+                <a:srgbClr val="5B5B5B"/>
+              </a:solidFill>
+            </a:endParaRPr>
+          </a:p>
+        </p:txBody>
+      </p:sp>
+      <p:sp>
+        <p:nvSpPr>
+          <p:cNvPr id="7" name="Rectangle 6">
+            <a:extLst>
+              <a:ext uri="{FF2B5EF4-FFF2-40B4-BE49-F238E27FC236}">
+                <a16:creationId xmlns:a16="http://schemas.microsoft.com/office/drawing/2014/main" id="{E0F7717D-CA0E-D814-E385-54A46649A511}"/>
+              </a:ext>
+            </a:extLst>
+          </p:cNvPr>
+          <p:cNvSpPr/>
+          <p:nvPr>
+            <p:custDataLst>
+              <p:tags r:id="rId5"/>
+            </p:custDataLst>
+          </p:nvPr>
+        </p:nvSpPr>
+        <p:spPr>
+          <a:xfrm>
+            <a:off x="3200400" y="6096000"/>
+            <a:ext cx="8737600" cy="510125"/>
+          </a:xfrm>
+          <a:prstGeom prst="rect">
+            <a:avLst/>
+          </a:prstGeom>
+          <a:noFill/>
+          <a:ln w="12700" cap="flat" cmpd="sng" algn="ctr">
+            <a:noFill/>
+            <a:prstDash val="solid"/>
+            <a:miter lim="800000"/>
+          </a:ln>
+          <a:effectLst/>
+          <a:extLst>
+            <a:ext uri="{909E8E84-426E-40DD-AFC4-6F175D3DCCD1}">
+              <a14:hiddenFill xmlns:a14="http://schemas.microsoft.com/office/drawing/2010/main">
+                <a:solidFill>
+                  <a:schemeClr val="accent1"/>
+                </a:solidFill>
+              </a14:hiddenFill>
+            </a:ext>
+            <a:ext uri="{91240B29-F687-4F45-9708-019B960494DF}">
+              <a14:hiddenLine xmlns:a14="http://schemas.microsoft.com/office/drawing/2010/main" w="12700" cap="flat" cmpd="sng" algn="ctr">
+                <a:solidFill>
+                  <a:schemeClr val="accent1">
+                    <a:shade val="15000"/>
+                  </a:schemeClr>
+                </a:solidFill>
+                <a:prstDash val="solid"/>
+                <a:miter lim="800000"/>
+              </a14:hiddenLine>
+            </a:ext>
+          </a:extLst>
+        </p:spPr>
+        <p:style>
+          <a:lnRef idx="2">
+            <a:schemeClr val="accent1">
+              <a:shade val="15000"/>
+            </a:schemeClr>
+          </a:lnRef>
+          <a:fillRef idx="1">
+            <a:schemeClr val="accent1"/>
+          </a:fillRef>
+          <a:effectRef idx="0">
+            <a:schemeClr val="accent1"/>
+          </a:effectRef>
+          <a:fontRef idx="minor">
+            <a:schemeClr val="lt1"/>
+          </a:fontRef>
+        </p:style>
+        <p:txBody>
+          <a:bodyPr rtlCol="0" anchor="ctr"/>
+          <a:lstStyle/>
+          <a:p>
+            <a:r>
+              <a:rPr lang="en-US" sz="1300" b="1">
+                <a:solidFill>
+                  <a:srgbClr val="5B5B5B"/>
+                </a:solidFill>
+              </a:rPr>
+              <a:t>ⓘ</a:t>
+            </a:r>
+            <a:r>
+              <a:rPr lang="en-US" sz="1400">
+                <a:solidFill>
+                  <a:srgbClr val="5B5B5B"/>
+                </a:solidFill>
+              </a:rPr>
+              <a:t> Start presenting to display the poll results on this slide.</a:t>
+            </a:r>
+            <a:endParaRPr lang="it-IT" sz="1400">
+              <a:solidFill>
+                <a:srgbClr val="5B5B5B"/>
+              </a:solidFill>
+            </a:endParaRPr>
+          </a:p>
+        </p:txBody>
+      </p:sp>
+    </p:spTree>
+    <p:custDataLst>
+      <p:tags r:id="rId1"/>
+    </p:custDataLst>
+    <p:extLst>
+      <p:ext uri="{BB962C8B-B14F-4D97-AF65-F5344CB8AC3E}">
+        <p14:creationId xmlns:p14="http://schemas.microsoft.com/office/powerpoint/2010/main" val="2238595160"/>
+      </p:ext>
+    </p:extLst>
+  </p:cSld>
+  <p:clrMapOvr>
+    <a:masterClrMapping/>
+  </p:clrMapOvr>
+  <p:timing>
+    <p:tnLst>
+      <p:par>
+        <p:cTn id="1" dur="indefinite" restart="never" nodeType="tmRoot">
+          <p:childTnLst>
+            <p:seq concurrent="1" nextAc="seek">
+              <p:cTn id="2" dur="indefinite" nodeType="mainSeq">
+                <p:childTnLst>
+                  <p:par>
+                    <p:cTn id="3" fill="hold">
+                      <p:stCondLst>
+                        <p:cond delay="indefinite"/>
+                      </p:stCondLst>
+                      <p:childTnLst>
+                        <p:par>
+                          <p:cTn id="4" fill="hold">
+                            <p:stCondLst>
+                              <p:cond delay="0"/>
+                            </p:stCondLst>
+                            <p:childTnLst>
+                              <p:par>
+                                <p:cTn id="5" presetID="26" presetClass="emph" presetSubtype="0" fill="hold" grpId="0" nodeType="clickEffect">
+                                  <p:stCondLst>
+                                    <p:cond delay="0"/>
+                                  </p:stCondLst>
+                                  <p:childTnLst>
+                                    <p:animEffect transition="out" filter="fade">
+                                      <p:cBhvr>
+                                        <p:cTn id="6" dur="50" tmFilter="0, 0; .2, .5; .8, .5; 1, 0"/>
+                                        <p:tgtEl>
+                                          <p:spTgt spid="6"/>
+                                        </p:tgtEl>
+                                      </p:cBhvr>
+                                    </p:animEffect>
+                                    <p:animScale>
+                                      <p:cBhvr>
+                                        <p:cTn id="7" dur="25" autoRev="1" fill="hold"/>
+                                        <p:tgtEl>
+                                          <p:spTgt spid="6"/>
+                                        </p:tgtEl>
+                                      </p:cBhvr>
+                                      <p:by x="105000" y="105000"/>
+                                    </p:animScale>
+                                  </p:childTnLst>
+                                </p:cTn>
+                              </p:par>
+                            </p:childTnLst>
+                          </p:cTn>
+                        </p:par>
+                      </p:childTnLst>
+                    </p:cTn>
+                  </p:par>
+                  <p:par>
+                    <p:cTn id="8" fill="hold">
+                      <p:stCondLst>
+                        <p:cond delay="indefinite"/>
+                      </p:stCondLst>
+                      <p:childTnLst>
+                        <p:par>
+                          <p:cTn id="9" fill="hold">
+                            <p:stCondLst>
+                              <p:cond delay="0"/>
+                            </p:stCondLst>
+                            <p:childTnLst>
+                              <p:par>
+                                <p:cTn id="10" presetID="26" presetClass="emph" presetSubtype="0" fill="hold" grpId="1" nodeType="clickEffect">
+                                  <p:stCondLst>
+                                    <p:cond delay="0"/>
+                                  </p:stCondLst>
+                                  <p:childTnLst>
+                                    <p:animEffect transition="out" filter="fade">
+                                      <p:cBhvr>
+                                        <p:cTn id="11" dur="50" tmFilter="0, 0; .2, .5; .8, .5; 1, 0"/>
+                                        <p:tgtEl>
+                                          <p:spTgt spid="6"/>
+                                        </p:tgtEl>
+                                      </p:cBhvr>
+                                    </p:animEffect>
+                                    <p:animScale>
+                                      <p:cBhvr>
+                                        <p:cTn id="12" dur="25" autoRev="1" fill="hold"/>
+                                        <p:tgtEl>
+                                          <p:spTgt spid="6"/>
+                                        </p:tgtEl>
+                                      </p:cBhvr>
+                                      <p:by x="105000" y="105000"/>
+                                    </p:animScale>
+                                  </p:childTnLst>
+                                </p:cTn>
+                              </p:par>
+                            </p:childTnLst>
+                          </p:cTn>
+                        </p:par>
+                      </p:childTnLst>
+                    </p:cTn>
+                  </p:par>
+                  <p:par>
+                    <p:cTn id="13" fill="hold">
+                      <p:stCondLst>
+                        <p:cond delay="indefinite"/>
+                      </p:stCondLst>
+                      <p:childTnLst>
+                        <p:par>
+                          <p:cTn id="14" fill="hold">
+                            <p:stCondLst>
+                              <p:cond delay="0"/>
+                            </p:stCondLst>
+                            <p:childTnLst>
+                              <p:par>
+                                <p:cTn id="15" presetID="26" presetClass="emph" presetSubtype="0" fill="hold" grpId="2" nodeType="clickEffect">
+                                  <p:stCondLst>
+                                    <p:cond delay="0"/>
+                                  </p:stCondLst>
+                                  <p:childTnLst>
+                                    <p:animEffect transition="out" filter="fade">
+                                      <p:cBhvr>
+                                        <p:cTn id="16" dur="50" tmFilter="0, 0; .2, .5; .8, .5; 1, 0"/>
+                                        <p:tgtEl>
+                                          <p:spTgt spid="6"/>
+                                        </p:tgtEl>
+                                      </p:cBhvr>
+                                    </p:animEffect>
+                                    <p:animScale>
+                                      <p:cBhvr>
+                                        <p:cTn id="17" dur="25" autoRev="1" fill="hold"/>
+                                        <p:tgtEl>
+                                          <p:spTgt spid="6"/>
+                                        </p:tgtEl>
+                                      </p:cBhvr>
+                                      <p:by x="105000" y="105000"/>
+                                    </p:animScale>
+                                  </p:childTnLst>
+                                </p:cTn>
+                              </p:par>
+                            </p:childTnLst>
+                          </p:cTn>
+                        </p:par>
+                      </p:childTnLst>
+                    </p:cTn>
+                  </p:par>
+                  <p:par>
+                    <p:cTn id="18" fill="hold">
+                      <p:stCondLst>
+                        <p:cond delay="indefinite"/>
+                      </p:stCondLst>
+                      <p:childTnLst>
+                        <p:par>
+                          <p:cTn id="19" fill="hold">
+                            <p:stCondLst>
+                              <p:cond delay="0"/>
+                            </p:stCondLst>
+                            <p:childTnLst>
+                              <p:par>
+                                <p:cTn id="20" presetID="26" presetClass="emph" presetSubtype="0" fill="hold" grpId="3" nodeType="clickEffect">
+                                  <p:stCondLst>
+                                    <p:cond delay="0"/>
+                                  </p:stCondLst>
+                                  <p:childTnLst>
+                                    <p:animEffect transition="out" filter="fade">
+                                      <p:cBhvr>
+                                        <p:cTn id="21" dur="50" tmFilter="0, 0; .2, .5; .8, .5; 1, 0"/>
+                                        <p:tgtEl>
+                                          <p:spTgt spid="6"/>
+                                        </p:tgtEl>
+                                      </p:cBhvr>
+                                    </p:animEffect>
+                                    <p:animScale>
+                                      <p:cBhvr>
+                                        <p:cTn id="22" dur="25" autoRev="1" fill="hold"/>
+                                        <p:tgtEl>
+                                          <p:spTgt spid="6"/>
+                                        </p:tgtEl>
+                                      </p:cBhvr>
+                                      <p:by x="105000" y="105000"/>
+                                    </p:animScale>
+                                  </p:childTnLst>
+                                </p:cTn>
+                              </p:par>
+                            </p:childTnLst>
+                          </p:cTn>
+                        </p:par>
+                      </p:childTnLst>
+                    </p:cTn>
+                  </p:par>
+                </p:childTnLst>
+              </p:cTn>
+              <p:prevCondLst>
+                <p:cond evt="onPrev" delay="0">
+                  <p:tgtEl>
+                    <p:sldTgt/>
+                  </p:tgtEl>
+                </p:cond>
+              </p:prevCondLst>
+              <p:nextCondLst>
+                <p:cond evt="onNext" delay="0">
+                  <p:tgtEl>
+                    <p:sldTgt/>
+                  </p:tgtEl>
+                </p:cond>
+              </p:nextCondLst>
+            </p:seq>
+          </p:childTnLst>
+        </p:cTn>
+      </p:par>
+    </p:tnLst>
+    <p:bldLst>
+      <p:bldP spid="6" grpId="0" animBg="1"/>
+      <p:bldP spid="6" grpId="1" animBg="1"/>
+      <p:bldP spid="6" grpId="2" animBg="1"/>
+      <p:bldP spid="6" grpId="3" animBg="1"/>
+    </p:bldLst>
+  </p:timing>
+</p:sld>
+</file>
+
+<file path=ppt/slides/slide28.xml><?xml version="1.0" encoding="utf-8"?>
+<p:sld xmlns:a="http://schemas.openxmlformats.org/drawingml/2006/main" xmlns:r="http://schemas.openxmlformats.org/officeDocument/2006/relationships" xmlns:p="http://schemas.openxmlformats.org/presentationml/2006/main">
+  <p:cSld>
+    <p:spTree>
+      <p:nvGrpSpPr>
+        <p:cNvPr id="1" name=""/>
+        <p:cNvGrpSpPr/>
+        <p:nvPr/>
+      </p:nvGrpSpPr>
+      <p:grpSpPr>
+        <a:xfrm>
+          <a:off x="0" y="0"/>
+          <a:ext cx="0" cy="0"/>
+          <a:chOff x="0" y="0"/>
+          <a:chExt cx="0" cy="0"/>
+        </a:xfrm>
+      </p:grpSpPr>
+      <p:sp>
+        <p:nvSpPr>
+          <p:cNvPr id="4" name="Title 3">
+            <a:extLst>
+              <a:ext uri="{FF2B5EF4-FFF2-40B4-BE49-F238E27FC236}">
+                <a16:creationId xmlns:a16="http://schemas.microsoft.com/office/drawing/2014/main" id="{5B1752B8-D8CD-52AA-13ED-740B2DA5B39E}"/>
+              </a:ext>
+            </a:extLst>
+          </p:cNvPr>
+          <p:cNvSpPr>
+            <a:spLocks noGrp="1"/>
+          </p:cNvSpPr>
+          <p:nvPr>
+            <p:ph type="ctrTitle"/>
+          </p:nvPr>
+        </p:nvSpPr>
+        <p:spPr/>
+        <p:txBody>
+          <a:bodyPr>
+            <a:normAutofit fontScale="90000"/>
+          </a:bodyPr>
+          <a:lstStyle/>
+          <a:p>
+            <a:r>
+              <a:rPr lang="it-IT" dirty="0"/>
+              <a:t>Carbon Neutral </a:t>
+            </a:r>
+            <a:br>
+              <a:rPr lang="it-IT" dirty="0"/>
+            </a:br>
+            <a:r>
+              <a:rPr lang="it-IT" dirty="0"/>
+              <a:t>vs </a:t>
+            </a:r>
+            <a:br>
+              <a:rPr lang="it-IT" dirty="0"/>
+            </a:br>
+            <a:r>
+              <a:rPr lang="it-IT" dirty="0"/>
+              <a:t>Net Zero</a:t>
+            </a:r>
+          </a:p>
+        </p:txBody>
+      </p:sp>
+      <p:sp>
+        <p:nvSpPr>
+          <p:cNvPr id="5" name="Subtitle 4">
+            <a:extLst>
+              <a:ext uri="{FF2B5EF4-FFF2-40B4-BE49-F238E27FC236}">
+                <a16:creationId xmlns:a16="http://schemas.microsoft.com/office/drawing/2014/main" id="{523EE154-B051-6A25-F836-9139ACFFF0D9}"/>
+              </a:ext>
+            </a:extLst>
+          </p:cNvPr>
+          <p:cNvSpPr>
+            <a:spLocks noGrp="1"/>
+          </p:cNvSpPr>
+          <p:nvPr>
+            <p:ph type="subTitle" idx="1"/>
+          </p:nvPr>
+        </p:nvSpPr>
+        <p:spPr/>
+        <p:txBody>
+          <a:bodyPr/>
+          <a:lstStyle/>
+          <a:p>
+            <a:endParaRPr lang="it-IT"/>
+          </a:p>
+        </p:txBody>
+      </p:sp>
+    </p:spTree>
+    <p:extLst>
+      <p:ext uri="{BB962C8B-B14F-4D97-AF65-F5344CB8AC3E}">
+        <p14:creationId xmlns:p14="http://schemas.microsoft.com/office/powerpoint/2010/main" val="1131556314"/>
+      </p:ext>
+    </p:extLst>
+  </p:cSld>
+  <p:clrMapOvr>
+    <a:masterClrMapping/>
+  </p:clrMapOvr>
+</p:sld>
+</file>
+
+<file path=ppt/slides/slide29.xml><?xml version="1.0" encoding="utf-8"?>
+<p:sld xmlns:a="http://schemas.openxmlformats.org/drawingml/2006/main" xmlns:r="http://schemas.openxmlformats.org/officeDocument/2006/relationships" xmlns:p="http://schemas.openxmlformats.org/presentationml/2006/main">
+  <p:cSld>
+    <p:spTree>
+      <p:nvGrpSpPr>
+        <p:cNvPr id="1" name=""/>
+        <p:cNvGrpSpPr/>
+        <p:nvPr/>
+      </p:nvGrpSpPr>
+      <p:grpSpPr>
+        <a:xfrm>
+          <a:off x="0" y="0"/>
+          <a:ext cx="0" cy="0"/>
+          <a:chOff x="0" y="0"/>
+          <a:chExt cx="0" cy="0"/>
+        </a:xfrm>
+      </p:grpSpPr>
+      <p:sp>
+        <p:nvSpPr>
+          <p:cNvPr id="2" name="Title 1">
+            <a:extLst>
+              <a:ext uri="{FF2B5EF4-FFF2-40B4-BE49-F238E27FC236}">
+                <a16:creationId xmlns:a16="http://schemas.microsoft.com/office/drawing/2014/main" id="{8DAA0844-AD25-E40A-ED44-CCC39119FE7E}"/>
+              </a:ext>
+            </a:extLst>
+          </p:cNvPr>
+          <p:cNvSpPr>
+            <a:spLocks noGrp="1"/>
+          </p:cNvSpPr>
+          <p:nvPr>
+            <p:ph type="title"/>
+          </p:nvPr>
+        </p:nvSpPr>
+        <p:spPr/>
+        <p:txBody>
+          <a:bodyPr/>
+          <a:lstStyle/>
+          <a:p>
+            <a:endParaRPr lang="it-IT"/>
+          </a:p>
+        </p:txBody>
+      </p:sp>
+      <p:sp>
+        <p:nvSpPr>
+          <p:cNvPr id="3" name="Content Placeholder 2">
+            <a:extLst>
+              <a:ext uri="{FF2B5EF4-FFF2-40B4-BE49-F238E27FC236}">
+                <a16:creationId xmlns:a16="http://schemas.microsoft.com/office/drawing/2014/main" id="{3FC63AF6-1CA8-71DE-C8F2-8A91F0E0BD28}"/>
+              </a:ext>
+            </a:extLst>
+          </p:cNvPr>
+          <p:cNvSpPr>
+            <a:spLocks noGrp="1"/>
+          </p:cNvSpPr>
+          <p:nvPr>
+            <p:ph idx="1"/>
+          </p:nvPr>
+        </p:nvSpPr>
+        <p:spPr/>
+        <p:txBody>
+          <a:bodyPr/>
+          <a:lstStyle/>
+          <a:p>
+            <a:endParaRPr lang="it-IT"/>
+          </a:p>
+        </p:txBody>
+      </p:sp>
+      <p:pic>
+        <p:nvPicPr>
+          <p:cNvPr id="22530" name="Picture 2" descr="alt_text">
+            <a:extLst>
+              <a:ext uri="{FF2B5EF4-FFF2-40B4-BE49-F238E27FC236}">
+                <a16:creationId xmlns:a16="http://schemas.microsoft.com/office/drawing/2014/main" id="{0C37B87D-D20D-AA6C-9EDB-9CD3EB3E0FF0}"/>
+              </a:ext>
+            </a:extLst>
+          </p:cNvPr>
+          <p:cNvPicPr>
+            <a:picLocks noChangeAspect="1" noChangeArrowheads="1"/>
+          </p:cNvPicPr>
+          <p:nvPr/>
+        </p:nvPicPr>
+        <p:blipFill>
+          <a:blip r:embed="rId2">
+            <a:extLst>
+              <a:ext uri="{28A0092B-C50C-407E-A947-70E740481C1C}">
+                <a14:useLocalDpi xmlns:a14="http://schemas.microsoft.com/office/drawing/2010/main" val="0"/>
+              </a:ext>
+            </a:extLst>
+          </a:blip>
+          <a:srcRect/>
+          <a:stretch>
+            <a:fillRect/>
+          </a:stretch>
+        </p:blipFill>
+        <p:spPr bwMode="auto">
+          <a:xfrm>
+            <a:off x="6350" y="0"/>
+            <a:ext cx="12180888" cy="6858000"/>
+          </a:xfrm>
+          <a:prstGeom prst="rect">
+            <a:avLst/>
+          </a:prstGeom>
+          <a:noFill/>
+          <a:extLst>
+            <a:ext uri="{909E8E84-426E-40DD-AFC4-6F175D3DCCD1}">
+              <a14:hiddenFill xmlns:a14="http://schemas.microsoft.com/office/drawing/2010/main">
+                <a:solidFill>
+                  <a:srgbClr val="FFFFFF"/>
+                </a:solidFill>
+              </a14:hiddenFill>
+            </a:ext>
+          </a:extLst>
+        </p:spPr>
+      </p:pic>
+    </p:spTree>
+    <p:extLst>
+      <p:ext uri="{BB962C8B-B14F-4D97-AF65-F5344CB8AC3E}">
+        <p14:creationId xmlns:p14="http://schemas.microsoft.com/office/powerpoint/2010/main" val="2029077596"/>
       </p:ext>
     </p:extLst>
   </p:cSld>
@@ -8340,10 +8994,10 @@
       </p:grpSpPr>
       <p:sp>
         <p:nvSpPr>
-          <p:cNvPr id="4" name="Title 3">
-            <a:extLst>
-              <a:ext uri="{FF2B5EF4-FFF2-40B4-BE49-F238E27FC236}">
-                <a16:creationId xmlns:a16="http://schemas.microsoft.com/office/drawing/2014/main" id="{5B1752B8-D8CD-52AA-13ED-740B2DA5B39E}"/>
+          <p:cNvPr id="2" name="Title 1">
+            <a:extLst>
+              <a:ext uri="{FF2B5EF4-FFF2-40B4-BE49-F238E27FC236}">
+                <a16:creationId xmlns:a16="http://schemas.microsoft.com/office/drawing/2014/main" id="{7E8897DB-FE8C-D45C-942B-30FB698F7906}"/>
               </a:ext>
             </a:extLst>
           </p:cNvPr>
@@ -8351,7 +9005,7 @@
             <a:spLocks noGrp="1"/>
           </p:cNvSpPr>
           <p:nvPr>
-            <p:ph type="ctrTitle"/>
+            <p:ph type="title"/>
           </p:nvPr>
         </p:nvSpPr>
         <p:spPr/>
@@ -8359,19 +9013,16 @@
           <a:bodyPr/>
           <a:lstStyle/>
           <a:p>
-            <a:r>
-              <a:rPr lang="it-IT" dirty="0"/>
-              <a:t>Matching</a:t>
-            </a:r>
-          </a:p>
-        </p:txBody>
-      </p:sp>
-      <p:sp>
-        <p:nvSpPr>
-          <p:cNvPr id="5" name="Subtitle 4">
-            <a:extLst>
-              <a:ext uri="{FF2B5EF4-FFF2-40B4-BE49-F238E27FC236}">
-                <a16:creationId xmlns:a16="http://schemas.microsoft.com/office/drawing/2014/main" id="{523EE154-B051-6A25-F836-9139ACFFF0D9}"/>
+            <a:endParaRPr lang="it-IT"/>
+          </a:p>
+        </p:txBody>
+      </p:sp>
+      <p:sp>
+        <p:nvSpPr>
+          <p:cNvPr id="3" name="Content Placeholder 2">
+            <a:extLst>
+              <a:ext uri="{FF2B5EF4-FFF2-40B4-BE49-F238E27FC236}">
+                <a16:creationId xmlns:a16="http://schemas.microsoft.com/office/drawing/2014/main" id="{C85D0552-55E4-D4DD-F937-1BE0762F6750}"/>
               </a:ext>
             </a:extLst>
           </p:cNvPr>
@@ -8379,7 +9030,7 @@
             <a:spLocks noGrp="1"/>
           </p:cNvSpPr>
           <p:nvPr>
-            <p:ph type="subTitle" idx="1"/>
+            <p:ph idx="1"/>
           </p:nvPr>
         </p:nvSpPr>
         <p:spPr/>
@@ -8391,92 +9042,12 @@
           </a:p>
         </p:txBody>
       </p:sp>
-    </p:spTree>
-    <p:extLst>
-      <p:ext uri="{BB962C8B-B14F-4D97-AF65-F5344CB8AC3E}">
-        <p14:creationId xmlns:p14="http://schemas.microsoft.com/office/powerpoint/2010/main" val="1857325482"/>
-      </p:ext>
-    </p:extLst>
-  </p:cSld>
-  <p:clrMapOvr>
-    <a:masterClrMapping/>
-  </p:clrMapOvr>
-</p:sld>
-</file>
-
-<file path=ppt/slides/slide31.xml><?xml version="1.0" encoding="utf-8"?>
-<p:sld xmlns:a="http://schemas.openxmlformats.org/drawingml/2006/main" xmlns:r="http://schemas.openxmlformats.org/officeDocument/2006/relationships" xmlns:p="http://schemas.openxmlformats.org/presentationml/2006/main" show="0">
-  <p:cSld>
-    <p:spTree>
-      <p:nvGrpSpPr>
-        <p:cNvPr id="1" name=""/>
-        <p:cNvGrpSpPr/>
-        <p:nvPr/>
-      </p:nvGrpSpPr>
-      <p:grpSpPr>
-        <a:xfrm>
-          <a:off x="0" y="0"/>
-          <a:ext cx="0" cy="0"/>
-          <a:chOff x="0" y="0"/>
-          <a:chExt cx="0" cy="0"/>
-        </a:xfrm>
-      </p:grpSpPr>
-      <p:sp>
-        <p:nvSpPr>
-          <p:cNvPr id="2" name="Title 1">
-            <a:extLst>
-              <a:ext uri="{FF2B5EF4-FFF2-40B4-BE49-F238E27FC236}">
-                <a16:creationId xmlns:a16="http://schemas.microsoft.com/office/drawing/2014/main" id="{CED068B6-9DAD-A293-A884-2E48326FC8B4}"/>
-              </a:ext>
-            </a:extLst>
-          </p:cNvPr>
-          <p:cNvSpPr>
-            <a:spLocks noGrp="1"/>
-          </p:cNvSpPr>
-          <p:nvPr>
-            <p:ph type="title"/>
-          </p:nvPr>
-        </p:nvSpPr>
-        <p:spPr/>
-        <p:txBody>
-          <a:bodyPr/>
-          <a:lstStyle/>
-          <a:p>
-            <a:endParaRPr lang="it-IT"/>
-          </a:p>
-        </p:txBody>
-      </p:sp>
-      <p:sp>
-        <p:nvSpPr>
-          <p:cNvPr id="3" name="Content Placeholder 2">
-            <a:extLst>
-              <a:ext uri="{FF2B5EF4-FFF2-40B4-BE49-F238E27FC236}">
-                <a16:creationId xmlns:a16="http://schemas.microsoft.com/office/drawing/2014/main" id="{5B029B30-A1BE-49DC-D65A-FE770D7B1384}"/>
-              </a:ext>
-            </a:extLst>
-          </p:cNvPr>
-          <p:cNvSpPr>
-            <a:spLocks noGrp="1"/>
-          </p:cNvSpPr>
-          <p:nvPr>
-            <p:ph idx="1"/>
-          </p:nvPr>
-        </p:nvSpPr>
-        <p:spPr/>
-        <p:txBody>
-          <a:bodyPr/>
-          <a:lstStyle/>
-          <a:p>
-            <a:endParaRPr lang="it-IT"/>
-          </a:p>
-        </p:txBody>
-      </p:sp>
       <p:pic>
         <p:nvPicPr>
-          <p:cNvPr id="25602" name="Picture 2" descr="alt_text">
-            <a:extLst>
-              <a:ext uri="{FF2B5EF4-FFF2-40B4-BE49-F238E27FC236}">
-                <a16:creationId xmlns:a16="http://schemas.microsoft.com/office/drawing/2014/main" id="{B3080E53-4862-D083-DA68-C63ED14AB51B}"/>
+          <p:cNvPr id="23554" name="Picture 2" descr="alt_text">
+            <a:extLst>
+              <a:ext uri="{FF2B5EF4-FFF2-40B4-BE49-F238E27FC236}">
+                <a16:creationId xmlns:a16="http://schemas.microsoft.com/office/drawing/2014/main" id="{FE0E9D8C-CEF3-E041-2089-A52E95849041}"/>
               </a:ext>
             </a:extLst>
           </p:cNvPr>
@@ -8521,7 +9092,7 @@
     </p:spTree>
     <p:extLst>
       <p:ext uri="{BB962C8B-B14F-4D97-AF65-F5344CB8AC3E}">
-        <p14:creationId xmlns:p14="http://schemas.microsoft.com/office/powerpoint/2010/main" val="1607783788"/>
+        <p14:creationId xmlns:p14="http://schemas.microsoft.com/office/powerpoint/2010/main" val="3803927355"/>
       </p:ext>
     </p:extLst>
   </p:cSld>
@@ -8531,1072 +9102,7 @@
 </p:sld>
 </file>
 
-<file path=ppt/slides/slide32.xml><?xml version="1.0" encoding="utf-8"?>
-<p:sld xmlns:a="http://schemas.openxmlformats.org/drawingml/2006/main" xmlns:r="http://schemas.openxmlformats.org/officeDocument/2006/relationships" xmlns:p="http://schemas.openxmlformats.org/presentationml/2006/main" show="0">
-  <p:cSld>
-    <p:spTree>
-      <p:nvGrpSpPr>
-        <p:cNvPr id="1" name=""/>
-        <p:cNvGrpSpPr/>
-        <p:nvPr/>
-      </p:nvGrpSpPr>
-      <p:grpSpPr>
-        <a:xfrm>
-          <a:off x="0" y="0"/>
-          <a:ext cx="0" cy="0"/>
-          <a:chOff x="0" y="0"/>
-          <a:chExt cx="0" cy="0"/>
-        </a:xfrm>
-      </p:grpSpPr>
-      <p:sp>
-        <p:nvSpPr>
-          <p:cNvPr id="2" name="Title 1">
-            <a:extLst>
-              <a:ext uri="{FF2B5EF4-FFF2-40B4-BE49-F238E27FC236}">
-                <a16:creationId xmlns:a16="http://schemas.microsoft.com/office/drawing/2014/main" id="{1C0C28AB-F764-6303-60C2-96C32A2F97F6}"/>
-              </a:ext>
-            </a:extLst>
-          </p:cNvPr>
-          <p:cNvSpPr>
-            <a:spLocks noGrp="1"/>
-          </p:cNvSpPr>
-          <p:nvPr>
-            <p:ph type="title"/>
-          </p:nvPr>
-        </p:nvSpPr>
-        <p:spPr/>
-        <p:txBody>
-          <a:bodyPr/>
-          <a:lstStyle/>
-          <a:p>
-            <a:endParaRPr lang="it-IT"/>
-          </a:p>
-        </p:txBody>
-      </p:sp>
-      <p:sp>
-        <p:nvSpPr>
-          <p:cNvPr id="3" name="Content Placeholder 2">
-            <a:extLst>
-              <a:ext uri="{FF2B5EF4-FFF2-40B4-BE49-F238E27FC236}">
-                <a16:creationId xmlns:a16="http://schemas.microsoft.com/office/drawing/2014/main" id="{14AA0C83-25C2-75ED-9EA8-5531317D24E4}"/>
-              </a:ext>
-            </a:extLst>
-          </p:cNvPr>
-          <p:cNvSpPr>
-            <a:spLocks noGrp="1"/>
-          </p:cNvSpPr>
-          <p:nvPr>
-            <p:ph idx="1"/>
-          </p:nvPr>
-        </p:nvSpPr>
-        <p:spPr/>
-        <p:txBody>
-          <a:bodyPr/>
-          <a:lstStyle/>
-          <a:p>
-            <a:endParaRPr lang="it-IT"/>
-          </a:p>
-        </p:txBody>
-      </p:sp>
-      <p:pic>
-        <p:nvPicPr>
-          <p:cNvPr id="24578" name="Picture 2" descr="alt_text">
-            <a:extLst>
-              <a:ext uri="{FF2B5EF4-FFF2-40B4-BE49-F238E27FC236}">
-                <a16:creationId xmlns:a16="http://schemas.microsoft.com/office/drawing/2014/main" id="{F2DD3054-877A-3728-FBA8-D35A405B071A}"/>
-              </a:ext>
-            </a:extLst>
-          </p:cNvPr>
-          <p:cNvPicPr>
-            <a:picLocks noChangeAspect="1" noChangeArrowheads="1"/>
-          </p:cNvPicPr>
-          <p:nvPr/>
-        </p:nvPicPr>
-        <p:blipFill>
-          <a:blip r:embed="rId2">
-            <a:extLst>
-              <a:ext uri="{28A0092B-C50C-407E-A947-70E740481C1C}">
-                <a14:useLocalDpi xmlns:a14="http://schemas.microsoft.com/office/drawing/2010/main" val="0"/>
-              </a:ext>
-            </a:extLst>
-          </a:blip>
-          <a:srcRect/>
-          <a:stretch>
-            <a:fillRect/>
-          </a:stretch>
-        </p:blipFill>
-        <p:spPr bwMode="auto">
-          <a:xfrm>
-            <a:off x="6350" y="0"/>
-            <a:ext cx="12180888" cy="6858000"/>
-          </a:xfrm>
-          <a:prstGeom prst="rect">
-            <a:avLst/>
-          </a:prstGeom>
-          <a:noFill/>
-          <a:extLst>
-            <a:ext uri="{909E8E84-426E-40DD-AFC4-6F175D3DCCD1}">
-              <a14:hiddenFill xmlns:a14="http://schemas.microsoft.com/office/drawing/2010/main">
-                <a:solidFill>
-                  <a:srgbClr val="FFFFFF"/>
-                </a:solidFill>
-              </a14:hiddenFill>
-            </a:ext>
-          </a:extLst>
-        </p:spPr>
-      </p:pic>
-    </p:spTree>
-    <p:extLst>
-      <p:ext uri="{BB962C8B-B14F-4D97-AF65-F5344CB8AC3E}">
-        <p14:creationId xmlns:p14="http://schemas.microsoft.com/office/powerpoint/2010/main" val="743652309"/>
-      </p:ext>
-    </p:extLst>
-  </p:cSld>
-  <p:clrMapOvr>
-    <a:masterClrMapping/>
-  </p:clrMapOvr>
-</p:sld>
-</file>
-
-<file path=ppt/slides/slide33.xml><?xml version="1.0" encoding="utf-8"?>
-<p:sld xmlns:a="http://schemas.openxmlformats.org/drawingml/2006/main" xmlns:r="http://schemas.openxmlformats.org/officeDocument/2006/relationships" xmlns:p="http://schemas.openxmlformats.org/presentationml/2006/main" show="0">
-  <p:cSld>
-    <p:spTree>
-      <p:nvGrpSpPr>
-        <p:cNvPr id="1" name=""/>
-        <p:cNvGrpSpPr/>
-        <p:nvPr/>
-      </p:nvGrpSpPr>
-      <p:grpSpPr>
-        <a:xfrm>
-          <a:off x="0" y="0"/>
-          <a:ext cx="0" cy="0"/>
-          <a:chOff x="0" y="0"/>
-          <a:chExt cx="0" cy="0"/>
-        </a:xfrm>
-      </p:grpSpPr>
-      <p:sp>
-        <p:nvSpPr>
-          <p:cNvPr id="2" name="Title 1">
-            <a:extLst>
-              <a:ext uri="{FF2B5EF4-FFF2-40B4-BE49-F238E27FC236}">
-                <a16:creationId xmlns:a16="http://schemas.microsoft.com/office/drawing/2014/main" id="{014AB79C-7614-E76F-6550-0B0649747AE3}"/>
-              </a:ext>
-            </a:extLst>
-          </p:cNvPr>
-          <p:cNvSpPr>
-            <a:spLocks noGrp="1"/>
-          </p:cNvSpPr>
-          <p:nvPr>
-            <p:ph type="title"/>
-          </p:nvPr>
-        </p:nvSpPr>
-        <p:spPr/>
-        <p:txBody>
-          <a:bodyPr/>
-          <a:lstStyle/>
-          <a:p>
-            <a:endParaRPr lang="it-IT"/>
-          </a:p>
-        </p:txBody>
-      </p:sp>
-      <p:sp>
-        <p:nvSpPr>
-          <p:cNvPr id="3" name="Content Placeholder 2">
-            <a:extLst>
-              <a:ext uri="{FF2B5EF4-FFF2-40B4-BE49-F238E27FC236}">
-                <a16:creationId xmlns:a16="http://schemas.microsoft.com/office/drawing/2014/main" id="{3EDD99F8-FEA0-2CB3-99C2-6F222358B47E}"/>
-              </a:ext>
-            </a:extLst>
-          </p:cNvPr>
-          <p:cNvSpPr>
-            <a:spLocks noGrp="1"/>
-          </p:cNvSpPr>
-          <p:nvPr>
-            <p:ph idx="1"/>
-          </p:nvPr>
-        </p:nvSpPr>
-        <p:spPr/>
-        <p:txBody>
-          <a:bodyPr/>
-          <a:lstStyle/>
-          <a:p>
-            <a:endParaRPr lang="it-IT"/>
-          </a:p>
-        </p:txBody>
-      </p:sp>
-      <p:pic>
-        <p:nvPicPr>
-          <p:cNvPr id="26626" name="Picture 2" descr="alt_text">
-            <a:extLst>
-              <a:ext uri="{FF2B5EF4-FFF2-40B4-BE49-F238E27FC236}">
-                <a16:creationId xmlns:a16="http://schemas.microsoft.com/office/drawing/2014/main" id="{7E653234-D79B-4F4B-DCD0-12F6E81AD950}"/>
-              </a:ext>
-            </a:extLst>
-          </p:cNvPr>
-          <p:cNvPicPr>
-            <a:picLocks noChangeAspect="1" noChangeArrowheads="1"/>
-          </p:cNvPicPr>
-          <p:nvPr/>
-        </p:nvPicPr>
-        <p:blipFill>
-          <a:blip r:embed="rId2">
-            <a:extLst>
-              <a:ext uri="{28A0092B-C50C-407E-A947-70E740481C1C}">
-                <a14:useLocalDpi xmlns:a14="http://schemas.microsoft.com/office/drawing/2010/main" val="0"/>
-              </a:ext>
-            </a:extLst>
-          </a:blip>
-          <a:srcRect/>
-          <a:stretch>
-            <a:fillRect/>
-          </a:stretch>
-        </p:blipFill>
-        <p:spPr bwMode="auto">
-          <a:xfrm>
-            <a:off x="0" y="0"/>
-            <a:ext cx="12192000" cy="6858000"/>
-          </a:xfrm>
-          <a:prstGeom prst="rect">
-            <a:avLst/>
-          </a:prstGeom>
-          <a:noFill/>
-          <a:extLst>
-            <a:ext uri="{909E8E84-426E-40DD-AFC4-6F175D3DCCD1}">
-              <a14:hiddenFill xmlns:a14="http://schemas.microsoft.com/office/drawing/2010/main">
-                <a:solidFill>
-                  <a:srgbClr val="FFFFFF"/>
-                </a:solidFill>
-              </a14:hiddenFill>
-            </a:ext>
-          </a:extLst>
-        </p:spPr>
-      </p:pic>
-    </p:spTree>
-    <p:extLst>
-      <p:ext uri="{BB962C8B-B14F-4D97-AF65-F5344CB8AC3E}">
-        <p14:creationId xmlns:p14="http://schemas.microsoft.com/office/powerpoint/2010/main" val="3658612971"/>
-      </p:ext>
-    </p:extLst>
-  </p:cSld>
-  <p:clrMapOvr>
-    <a:masterClrMapping/>
-  </p:clrMapOvr>
-</p:sld>
-</file>
-
-<file path=ppt/slides/slide34.xml><?xml version="1.0" encoding="utf-8"?>
-<p:sld xmlns:a="http://schemas.openxmlformats.org/drawingml/2006/main" xmlns:r="http://schemas.openxmlformats.org/officeDocument/2006/relationships" xmlns:p="http://schemas.openxmlformats.org/presentationml/2006/main" show="0">
-  <p:cSld>
-    <p:spTree>
-      <p:nvGrpSpPr>
-        <p:cNvPr id="1" name=""/>
-        <p:cNvGrpSpPr/>
-        <p:nvPr/>
-      </p:nvGrpSpPr>
-      <p:grpSpPr>
-        <a:xfrm>
-          <a:off x="0" y="0"/>
-          <a:ext cx="0" cy="0"/>
-          <a:chOff x="0" y="0"/>
-          <a:chExt cx="0" cy="0"/>
-        </a:xfrm>
-      </p:grpSpPr>
-      <p:sp>
-        <p:nvSpPr>
-          <p:cNvPr id="2" name="Title 1">
-            <a:extLst>
-              <a:ext uri="{FF2B5EF4-FFF2-40B4-BE49-F238E27FC236}">
-                <a16:creationId xmlns:a16="http://schemas.microsoft.com/office/drawing/2014/main" id="{05A5BF00-2638-AF61-B8A7-A8380EB850F7}"/>
-              </a:ext>
-            </a:extLst>
-          </p:cNvPr>
-          <p:cNvSpPr>
-            <a:spLocks noGrp="1"/>
-          </p:cNvSpPr>
-          <p:nvPr>
-            <p:ph type="title"/>
-          </p:nvPr>
-        </p:nvSpPr>
-        <p:spPr/>
-        <p:txBody>
-          <a:bodyPr/>
-          <a:lstStyle/>
-          <a:p>
-            <a:endParaRPr lang="it-IT"/>
-          </a:p>
-        </p:txBody>
-      </p:sp>
-      <p:sp>
-        <p:nvSpPr>
-          <p:cNvPr id="3" name="Content Placeholder 2">
-            <a:extLst>
-              <a:ext uri="{FF2B5EF4-FFF2-40B4-BE49-F238E27FC236}">
-                <a16:creationId xmlns:a16="http://schemas.microsoft.com/office/drawing/2014/main" id="{6271DD0A-C336-CC0B-B2B9-B952EA632441}"/>
-              </a:ext>
-            </a:extLst>
-          </p:cNvPr>
-          <p:cNvSpPr>
-            <a:spLocks noGrp="1"/>
-          </p:cNvSpPr>
-          <p:nvPr>
-            <p:ph idx="1"/>
-          </p:nvPr>
-        </p:nvSpPr>
-        <p:spPr/>
-        <p:txBody>
-          <a:bodyPr/>
-          <a:lstStyle/>
-          <a:p>
-            <a:endParaRPr lang="it-IT"/>
-          </a:p>
-        </p:txBody>
-      </p:sp>
-      <p:pic>
-        <p:nvPicPr>
-          <p:cNvPr id="27650" name="Picture 2" descr="alt_text">
-            <a:extLst>
-              <a:ext uri="{FF2B5EF4-FFF2-40B4-BE49-F238E27FC236}">
-                <a16:creationId xmlns:a16="http://schemas.microsoft.com/office/drawing/2014/main" id="{A4873F14-45D0-2F3A-9907-E4A958C0687B}"/>
-              </a:ext>
-            </a:extLst>
-          </p:cNvPr>
-          <p:cNvPicPr>
-            <a:picLocks noChangeAspect="1" noChangeArrowheads="1"/>
-          </p:cNvPicPr>
-          <p:nvPr/>
-        </p:nvPicPr>
-        <p:blipFill>
-          <a:blip r:embed="rId2">
-            <a:extLst>
-              <a:ext uri="{28A0092B-C50C-407E-A947-70E740481C1C}">
-                <a14:useLocalDpi xmlns:a14="http://schemas.microsoft.com/office/drawing/2010/main" val="0"/>
-              </a:ext>
-            </a:extLst>
-          </a:blip>
-          <a:srcRect/>
-          <a:stretch>
-            <a:fillRect/>
-          </a:stretch>
-        </p:blipFill>
-        <p:spPr bwMode="auto">
-          <a:xfrm>
-            <a:off x="0" y="0"/>
-            <a:ext cx="12192000" cy="6858000"/>
-          </a:xfrm>
-          <a:prstGeom prst="rect">
-            <a:avLst/>
-          </a:prstGeom>
-          <a:noFill/>
-          <a:extLst>
-            <a:ext uri="{909E8E84-426E-40DD-AFC4-6F175D3DCCD1}">
-              <a14:hiddenFill xmlns:a14="http://schemas.microsoft.com/office/drawing/2010/main">
-                <a:solidFill>
-                  <a:srgbClr val="FFFFFF"/>
-                </a:solidFill>
-              </a14:hiddenFill>
-            </a:ext>
-          </a:extLst>
-        </p:spPr>
-      </p:pic>
-    </p:spTree>
-    <p:extLst>
-      <p:ext uri="{BB962C8B-B14F-4D97-AF65-F5344CB8AC3E}">
-        <p14:creationId xmlns:p14="http://schemas.microsoft.com/office/powerpoint/2010/main" val="1204069159"/>
-      </p:ext>
-    </p:extLst>
-  </p:cSld>
-  <p:clrMapOvr>
-    <a:masterClrMapping/>
-  </p:clrMapOvr>
-</p:sld>
-</file>
-
-<file path=ppt/slides/slide35.xml><?xml version="1.0" encoding="utf-8"?>
-<p:sld xmlns:a="http://schemas.openxmlformats.org/drawingml/2006/main" xmlns:r="http://schemas.openxmlformats.org/officeDocument/2006/relationships" xmlns:p="http://schemas.openxmlformats.org/presentationml/2006/main" show="0">
-  <p:cSld>
-    <p:spTree>
-      <p:nvGrpSpPr>
-        <p:cNvPr id="1" name=""/>
-        <p:cNvGrpSpPr/>
-        <p:nvPr/>
-      </p:nvGrpSpPr>
-      <p:grpSpPr>
-        <a:xfrm>
-          <a:off x="0" y="0"/>
-          <a:ext cx="0" cy="0"/>
-          <a:chOff x="0" y="0"/>
-          <a:chExt cx="0" cy="0"/>
-        </a:xfrm>
-      </p:grpSpPr>
-      <p:sp>
-        <p:nvSpPr>
-          <p:cNvPr id="2" name="Title 1">
-            <a:extLst>
-              <a:ext uri="{FF2B5EF4-FFF2-40B4-BE49-F238E27FC236}">
-                <a16:creationId xmlns:a16="http://schemas.microsoft.com/office/drawing/2014/main" id="{9681BEA9-6B33-1835-D1EA-0F5024D11055}"/>
-              </a:ext>
-            </a:extLst>
-          </p:cNvPr>
-          <p:cNvSpPr>
-            <a:spLocks noGrp="1"/>
-          </p:cNvSpPr>
-          <p:nvPr>
-            <p:ph type="title"/>
-          </p:nvPr>
-        </p:nvSpPr>
-        <p:spPr/>
-        <p:txBody>
-          <a:bodyPr/>
-          <a:lstStyle/>
-          <a:p>
-            <a:endParaRPr lang="it-IT"/>
-          </a:p>
-        </p:txBody>
-      </p:sp>
-      <p:sp>
-        <p:nvSpPr>
-          <p:cNvPr id="3" name="Content Placeholder 2">
-            <a:extLst>
-              <a:ext uri="{FF2B5EF4-FFF2-40B4-BE49-F238E27FC236}">
-                <a16:creationId xmlns:a16="http://schemas.microsoft.com/office/drawing/2014/main" id="{61C0B009-FC84-5097-3732-5A42AE3179C2}"/>
-              </a:ext>
-            </a:extLst>
-          </p:cNvPr>
-          <p:cNvSpPr>
-            <a:spLocks noGrp="1"/>
-          </p:cNvSpPr>
-          <p:nvPr>
-            <p:ph idx="1"/>
-          </p:nvPr>
-        </p:nvSpPr>
-        <p:spPr/>
-        <p:txBody>
-          <a:bodyPr/>
-          <a:lstStyle/>
-          <a:p>
-            <a:endParaRPr lang="it-IT"/>
-          </a:p>
-        </p:txBody>
-      </p:sp>
-      <p:pic>
-        <p:nvPicPr>
-          <p:cNvPr id="28674" name="Picture 2" descr="alt_text">
-            <a:extLst>
-              <a:ext uri="{FF2B5EF4-FFF2-40B4-BE49-F238E27FC236}">
-                <a16:creationId xmlns:a16="http://schemas.microsoft.com/office/drawing/2014/main" id="{6F4D024F-AED1-F079-FB46-19CB9E885528}"/>
-              </a:ext>
-            </a:extLst>
-          </p:cNvPr>
-          <p:cNvPicPr>
-            <a:picLocks noChangeAspect="1" noChangeArrowheads="1"/>
-          </p:cNvPicPr>
-          <p:nvPr/>
-        </p:nvPicPr>
-        <p:blipFill>
-          <a:blip r:embed="rId2">
-            <a:extLst>
-              <a:ext uri="{28A0092B-C50C-407E-A947-70E740481C1C}">
-                <a14:useLocalDpi xmlns:a14="http://schemas.microsoft.com/office/drawing/2010/main" val="0"/>
-              </a:ext>
-            </a:extLst>
-          </a:blip>
-          <a:srcRect/>
-          <a:stretch>
-            <a:fillRect/>
-          </a:stretch>
-        </p:blipFill>
-        <p:spPr bwMode="auto">
-          <a:xfrm>
-            <a:off x="6350" y="0"/>
-            <a:ext cx="12180888" cy="6858000"/>
-          </a:xfrm>
-          <a:prstGeom prst="rect">
-            <a:avLst/>
-          </a:prstGeom>
-          <a:noFill/>
-          <a:extLst>
-            <a:ext uri="{909E8E84-426E-40DD-AFC4-6F175D3DCCD1}">
-              <a14:hiddenFill xmlns:a14="http://schemas.microsoft.com/office/drawing/2010/main">
-                <a:solidFill>
-                  <a:srgbClr val="FFFFFF"/>
-                </a:solidFill>
-              </a14:hiddenFill>
-            </a:ext>
-          </a:extLst>
-        </p:spPr>
-      </p:pic>
-    </p:spTree>
-    <p:extLst>
-      <p:ext uri="{BB962C8B-B14F-4D97-AF65-F5344CB8AC3E}">
-        <p14:creationId xmlns:p14="http://schemas.microsoft.com/office/powerpoint/2010/main" val="2158379173"/>
-      </p:ext>
-    </p:extLst>
-  </p:cSld>
-  <p:clrMapOvr>
-    <a:masterClrMapping/>
-  </p:clrMapOvr>
-</p:sld>
-</file>
-
-<file path=ppt/slides/slide36.xml><?xml version="1.0" encoding="utf-8"?>
-<p:sld xmlns:a="http://schemas.openxmlformats.org/drawingml/2006/main" xmlns:r="http://schemas.openxmlformats.org/officeDocument/2006/relationships" xmlns:p="http://schemas.openxmlformats.org/presentationml/2006/main">
-  <p:cSld>
-    <p:spTree>
-      <p:nvGrpSpPr>
-        <p:cNvPr id="1" name=""/>
-        <p:cNvGrpSpPr/>
-        <p:nvPr/>
-      </p:nvGrpSpPr>
-      <p:grpSpPr>
-        <a:xfrm>
-          <a:off x="0" y="0"/>
-          <a:ext cx="0" cy="0"/>
-          <a:chOff x="0" y="0"/>
-          <a:chExt cx="0" cy="0"/>
-        </a:xfrm>
-      </p:grpSpPr>
-      <p:sp>
-        <p:nvSpPr>
-          <p:cNvPr id="4" name="Title 3">
-            <a:extLst>
-              <a:ext uri="{FF2B5EF4-FFF2-40B4-BE49-F238E27FC236}">
-                <a16:creationId xmlns:a16="http://schemas.microsoft.com/office/drawing/2014/main" id="{5B1752B8-D8CD-52AA-13ED-740B2DA5B39E}"/>
-              </a:ext>
-            </a:extLst>
-          </p:cNvPr>
-          <p:cNvSpPr>
-            <a:spLocks noGrp="1"/>
-          </p:cNvSpPr>
-          <p:nvPr>
-            <p:ph type="ctrTitle"/>
-          </p:nvPr>
-        </p:nvSpPr>
-        <p:spPr/>
-        <p:txBody>
-          <a:bodyPr/>
-          <a:lstStyle/>
-          <a:p>
-            <a:r>
-              <a:rPr lang="it-IT" dirty="0"/>
-              <a:t>Measurment</a:t>
-            </a:r>
-          </a:p>
-        </p:txBody>
-      </p:sp>
-      <p:sp>
-        <p:nvSpPr>
-          <p:cNvPr id="5" name="Subtitle 4">
-            <a:extLst>
-              <a:ext uri="{FF2B5EF4-FFF2-40B4-BE49-F238E27FC236}">
-                <a16:creationId xmlns:a16="http://schemas.microsoft.com/office/drawing/2014/main" id="{523EE154-B051-6A25-F836-9139ACFFF0D9}"/>
-              </a:ext>
-            </a:extLst>
-          </p:cNvPr>
-          <p:cNvSpPr>
-            <a:spLocks noGrp="1"/>
-          </p:cNvSpPr>
-          <p:nvPr>
-            <p:ph type="subTitle" idx="1"/>
-          </p:nvPr>
-        </p:nvSpPr>
-        <p:spPr/>
-        <p:txBody>
-          <a:bodyPr/>
-          <a:lstStyle/>
-          <a:p>
-            <a:endParaRPr lang="it-IT"/>
-          </a:p>
-        </p:txBody>
-      </p:sp>
-    </p:spTree>
-    <p:extLst>
-      <p:ext uri="{BB962C8B-B14F-4D97-AF65-F5344CB8AC3E}">
-        <p14:creationId xmlns:p14="http://schemas.microsoft.com/office/powerpoint/2010/main" val="2420538101"/>
-      </p:ext>
-    </p:extLst>
-  </p:cSld>
-  <p:clrMapOvr>
-    <a:masterClrMapping/>
-  </p:clrMapOvr>
-</p:sld>
-</file>
-
-<file path=ppt/slides/slide37.xml><?xml version="1.0" encoding="utf-8"?>
-<p:sld xmlns:a="http://schemas.openxmlformats.org/drawingml/2006/main" xmlns:r="http://schemas.openxmlformats.org/officeDocument/2006/relationships" xmlns:p="http://schemas.openxmlformats.org/presentationml/2006/main">
-  <p:cSld>
-    <p:spTree>
-      <p:nvGrpSpPr>
-        <p:cNvPr id="1" name=""/>
-        <p:cNvGrpSpPr/>
-        <p:nvPr/>
-      </p:nvGrpSpPr>
-      <p:grpSpPr>
-        <a:xfrm>
-          <a:off x="0" y="0"/>
-          <a:ext cx="0" cy="0"/>
-          <a:chOff x="0" y="0"/>
-          <a:chExt cx="0" cy="0"/>
-        </a:xfrm>
-      </p:grpSpPr>
-      <p:sp>
-        <p:nvSpPr>
-          <p:cNvPr id="2" name="Title 1">
-            <a:extLst>
-              <a:ext uri="{FF2B5EF4-FFF2-40B4-BE49-F238E27FC236}">
-                <a16:creationId xmlns:a16="http://schemas.microsoft.com/office/drawing/2014/main" id="{3A063515-A689-FB2D-517A-1B1C21DCE994}"/>
-              </a:ext>
-            </a:extLst>
-          </p:cNvPr>
-          <p:cNvSpPr>
-            <a:spLocks noGrp="1"/>
-          </p:cNvSpPr>
-          <p:nvPr>
-            <p:ph type="title"/>
-          </p:nvPr>
-        </p:nvSpPr>
-        <p:spPr/>
-        <p:txBody>
-          <a:bodyPr/>
-          <a:lstStyle/>
-          <a:p>
-            <a:endParaRPr lang="it-IT"/>
-          </a:p>
-        </p:txBody>
-      </p:sp>
-      <p:sp>
-        <p:nvSpPr>
-          <p:cNvPr id="3" name="Content Placeholder 2">
-            <a:extLst>
-              <a:ext uri="{FF2B5EF4-FFF2-40B4-BE49-F238E27FC236}">
-                <a16:creationId xmlns:a16="http://schemas.microsoft.com/office/drawing/2014/main" id="{33A91AB2-DCFC-E83A-732E-B1C94DD7A2E6}"/>
-              </a:ext>
-            </a:extLst>
-          </p:cNvPr>
-          <p:cNvSpPr>
-            <a:spLocks noGrp="1"/>
-          </p:cNvSpPr>
-          <p:nvPr>
-            <p:ph idx="1"/>
-          </p:nvPr>
-        </p:nvSpPr>
-        <p:spPr/>
-        <p:txBody>
-          <a:bodyPr/>
-          <a:lstStyle/>
-          <a:p>
-            <a:endParaRPr lang="it-IT"/>
-          </a:p>
-        </p:txBody>
-      </p:sp>
-      <p:pic>
-        <p:nvPicPr>
-          <p:cNvPr id="21506" name="Picture 2" descr="alt_text">
-            <a:extLst>
-              <a:ext uri="{FF2B5EF4-FFF2-40B4-BE49-F238E27FC236}">
-                <a16:creationId xmlns:a16="http://schemas.microsoft.com/office/drawing/2014/main" id="{60D868BC-73A0-AC12-4313-51BCB98EC740}"/>
-              </a:ext>
-            </a:extLst>
-          </p:cNvPr>
-          <p:cNvPicPr>
-            <a:picLocks noChangeAspect="1" noChangeArrowheads="1"/>
-          </p:cNvPicPr>
-          <p:nvPr/>
-        </p:nvPicPr>
-        <p:blipFill>
-          <a:blip r:embed="rId2">
-            <a:extLst>
-              <a:ext uri="{28A0092B-C50C-407E-A947-70E740481C1C}">
-                <a14:useLocalDpi xmlns:a14="http://schemas.microsoft.com/office/drawing/2010/main" val="0"/>
-              </a:ext>
-            </a:extLst>
-          </a:blip>
-          <a:srcRect/>
-          <a:stretch>
-            <a:fillRect/>
-          </a:stretch>
-        </p:blipFill>
-        <p:spPr bwMode="auto">
-          <a:xfrm>
-            <a:off x="0" y="0"/>
-            <a:ext cx="12192000" cy="6858000"/>
-          </a:xfrm>
-          <a:prstGeom prst="rect">
-            <a:avLst/>
-          </a:prstGeom>
-          <a:noFill/>
-          <a:extLst>
-            <a:ext uri="{909E8E84-426E-40DD-AFC4-6F175D3DCCD1}">
-              <a14:hiddenFill xmlns:a14="http://schemas.microsoft.com/office/drawing/2010/main">
-                <a:solidFill>
-                  <a:srgbClr val="FFFFFF"/>
-                </a:solidFill>
-              </a14:hiddenFill>
-            </a:ext>
-          </a:extLst>
-        </p:spPr>
-      </p:pic>
-    </p:spTree>
-    <p:extLst>
-      <p:ext uri="{BB962C8B-B14F-4D97-AF65-F5344CB8AC3E}">
-        <p14:creationId xmlns:p14="http://schemas.microsoft.com/office/powerpoint/2010/main" val="2315341107"/>
-      </p:ext>
-    </p:extLst>
-  </p:cSld>
-  <p:clrMapOvr>
-    <a:masterClrMapping/>
-  </p:clrMapOvr>
-</p:sld>
-</file>
-
-<file path=ppt/slides/slide38.xml><?xml version="1.0" encoding="utf-8"?>
-<p:sld xmlns:a="http://schemas.openxmlformats.org/drawingml/2006/main" xmlns:r="http://schemas.openxmlformats.org/officeDocument/2006/relationships" xmlns:p="http://schemas.openxmlformats.org/presentationml/2006/main">
-  <p:cSld>
-    <p:spTree>
-      <p:nvGrpSpPr>
-        <p:cNvPr id="1" name=""/>
-        <p:cNvGrpSpPr/>
-        <p:nvPr/>
-      </p:nvGrpSpPr>
-      <p:grpSpPr>
-        <a:xfrm>
-          <a:off x="0" y="0"/>
-          <a:ext cx="0" cy="0"/>
-          <a:chOff x="0" y="0"/>
-          <a:chExt cx="0" cy="0"/>
-        </a:xfrm>
-      </p:grpSpPr>
-      <p:pic>
-        <p:nvPicPr>
-          <p:cNvPr id="1026" name="Picture 2" descr="alt_text">
-            <a:extLst>
-              <a:ext uri="{FF2B5EF4-FFF2-40B4-BE49-F238E27FC236}">
-                <a16:creationId xmlns:a16="http://schemas.microsoft.com/office/drawing/2014/main" id="{31E09092-503A-6CFD-AA7F-DA59150E2625}"/>
-              </a:ext>
-            </a:extLst>
-          </p:cNvPr>
-          <p:cNvPicPr>
-            <a:picLocks noGrp="1" noChangeAspect="1" noChangeArrowheads="1"/>
-          </p:cNvPicPr>
-          <p:nvPr>
-            <p:ph idx="1"/>
-          </p:nvPr>
-        </p:nvPicPr>
-        <p:blipFill rotWithShape="1">
-          <a:blip r:embed="rId2">
-            <a:extLst>
-              <a:ext uri="{28A0092B-C50C-407E-A947-70E740481C1C}">
-                <a14:useLocalDpi xmlns:a14="http://schemas.microsoft.com/office/drawing/2010/main" val="0"/>
-              </a:ext>
-            </a:extLst>
-          </a:blip>
-          <a:srcRect b="19"/>
-          <a:stretch/>
-        </p:blipFill>
-        <p:spPr bwMode="auto">
-          <a:xfrm>
-            <a:off x="20" y="1282"/>
-            <a:ext cx="12191980" cy="6856718"/>
-          </a:xfrm>
-          <a:prstGeom prst="rect">
-            <a:avLst/>
-          </a:prstGeom>
-          <a:noFill/>
-          <a:extLst>
-            <a:ext uri="{909E8E84-426E-40DD-AFC4-6F175D3DCCD1}">
-              <a14:hiddenFill xmlns:a14="http://schemas.microsoft.com/office/drawing/2010/main">
-                <a:solidFill>
-                  <a:srgbClr val="FFFFFF"/>
-                </a:solidFill>
-              </a14:hiddenFill>
-            </a:ext>
-          </a:extLst>
-        </p:spPr>
-      </p:pic>
-    </p:spTree>
-    <p:extLst>
-      <p:ext uri="{BB962C8B-B14F-4D97-AF65-F5344CB8AC3E}">
-        <p14:creationId xmlns:p14="http://schemas.microsoft.com/office/powerpoint/2010/main" val="2971917372"/>
-      </p:ext>
-    </p:extLst>
-  </p:cSld>
-  <p:clrMapOvr>
-    <a:masterClrMapping/>
-  </p:clrMapOvr>
-</p:sld>
-</file>
-
-<file path=ppt/slides/slide39.xml><?xml version="1.0" encoding="utf-8"?>
-<p:sld xmlns:a="http://schemas.openxmlformats.org/drawingml/2006/main" xmlns:r="http://schemas.openxmlformats.org/officeDocument/2006/relationships" xmlns:p="http://schemas.openxmlformats.org/presentationml/2006/main">
-  <p:cSld>
-    <p:spTree>
-      <p:nvGrpSpPr>
-        <p:cNvPr id="1" name=""/>
-        <p:cNvGrpSpPr/>
-        <p:nvPr/>
-      </p:nvGrpSpPr>
-      <p:grpSpPr>
-        <a:xfrm>
-          <a:off x="0" y="0"/>
-          <a:ext cx="0" cy="0"/>
-          <a:chOff x="0" y="0"/>
-          <a:chExt cx="0" cy="0"/>
-        </a:xfrm>
-      </p:grpSpPr>
-      <p:sp>
-        <p:nvSpPr>
-          <p:cNvPr id="4" name="Title 3">
-            <a:extLst>
-              <a:ext uri="{FF2B5EF4-FFF2-40B4-BE49-F238E27FC236}">
-                <a16:creationId xmlns:a16="http://schemas.microsoft.com/office/drawing/2014/main" id="{905BB4C4-9BC5-6F66-20C1-660B0F5924DB}"/>
-              </a:ext>
-            </a:extLst>
-          </p:cNvPr>
-          <p:cNvSpPr>
-            <a:spLocks noGrp="1"/>
-          </p:cNvSpPr>
-          <p:nvPr>
-            <p:ph type="ctrTitle"/>
-          </p:nvPr>
-        </p:nvSpPr>
-        <p:spPr/>
-        <p:txBody>
-          <a:bodyPr/>
-          <a:lstStyle/>
-          <a:p>
-            <a:r>
-              <a:rPr lang="it-IT" dirty="0"/>
-              <a:t>What’s Next</a:t>
-            </a:r>
-          </a:p>
-        </p:txBody>
-      </p:sp>
-      <p:sp>
-        <p:nvSpPr>
-          <p:cNvPr id="5" name="Subtitle 4">
-            <a:extLst>
-              <a:ext uri="{FF2B5EF4-FFF2-40B4-BE49-F238E27FC236}">
-                <a16:creationId xmlns:a16="http://schemas.microsoft.com/office/drawing/2014/main" id="{67A3A844-BDE8-FBBE-E901-4CA1988E71F8}"/>
-              </a:ext>
-            </a:extLst>
-          </p:cNvPr>
-          <p:cNvSpPr>
-            <a:spLocks noGrp="1"/>
-          </p:cNvSpPr>
-          <p:nvPr>
-            <p:ph type="subTitle" idx="1"/>
-          </p:nvPr>
-        </p:nvSpPr>
-        <p:spPr/>
-        <p:txBody>
-          <a:bodyPr/>
-          <a:lstStyle/>
-          <a:p>
-            <a:endParaRPr lang="it-IT"/>
-          </a:p>
-        </p:txBody>
-      </p:sp>
-    </p:spTree>
-    <p:extLst>
-      <p:ext uri="{BB962C8B-B14F-4D97-AF65-F5344CB8AC3E}">
-        <p14:creationId xmlns:p14="http://schemas.microsoft.com/office/powerpoint/2010/main" val="829832613"/>
-      </p:ext>
-    </p:extLst>
-  </p:cSld>
-  <p:clrMapOvr>
-    <a:masterClrMapping/>
-  </p:clrMapOvr>
-</p:sld>
-</file>
-
-<file path=ppt/slides/slide4.xml><?xml version="1.0" encoding="utf-8"?>
-<p:sld xmlns:a="http://schemas.openxmlformats.org/drawingml/2006/main" xmlns:r="http://schemas.openxmlformats.org/officeDocument/2006/relationships" xmlns:p="http://schemas.openxmlformats.org/presentationml/2006/main">
-  <p:cSld>
-    <p:bg>
-      <p:bgPr>
-        <a:solidFill>
-          <a:srgbClr val="000000"/>
-        </a:solidFill>
-        <a:effectLst/>
-      </p:bgPr>
-    </p:bg>
-    <p:spTree>
-      <p:nvGrpSpPr>
-        <p:cNvPr id="1" name=""/>
-        <p:cNvGrpSpPr/>
-        <p:nvPr/>
-      </p:nvGrpSpPr>
-      <p:grpSpPr>
-        <a:xfrm>
-          <a:off x="0" y="0"/>
-          <a:ext cx="0" cy="0"/>
-          <a:chOff x="0" y="0"/>
-          <a:chExt cx="0" cy="0"/>
-        </a:xfrm>
-      </p:grpSpPr>
-      <p:sp>
-        <p:nvSpPr>
-          <p:cNvPr id="3092" name="Rectangle 3083">
-            <a:extLst>
-              <a:ext uri="{FF2B5EF4-FFF2-40B4-BE49-F238E27FC236}">
-                <a16:creationId xmlns:a16="http://schemas.microsoft.com/office/drawing/2014/main" id="{71B2258F-86CA-4D4D-8270-BC05FCDEBFB3}"/>
-              </a:ext>
-              <a:ext uri="{C183D7F6-B498-43B3-948B-1728B52AA6E4}">
-                <adec:decorative xmlns:adec="http://schemas.microsoft.com/office/drawing/2017/decorative" val="1"/>
-              </a:ext>
-            </a:extLst>
-          </p:cNvPr>
-          <p:cNvSpPr>
-            <a:spLocks noGrp="1" noRot="1" noChangeAspect="1" noMove="1" noResize="1" noEditPoints="1" noAdjustHandles="1" noChangeArrowheads="1" noChangeShapeType="1" noTextEdit="1"/>
-          </p:cNvSpPr>
-          <p:nvPr>
-            <p:extLst>
-              <p:ext uri="{386F3935-93C4-4BCD-93E2-E3B085C9AB24}">
-                <p16:designElem xmlns:p16="http://schemas.microsoft.com/office/powerpoint/2015/main" val="1"/>
-              </p:ext>
-            </p:extLst>
-          </p:nvPr>
-        </p:nvSpPr>
-        <p:spPr>
-          <a:xfrm>
-            <a:off x="0" y="0"/>
-            <a:ext cx="12192000" cy="6857999"/>
-          </a:xfrm>
-          <a:prstGeom prst="rect">
-            <a:avLst/>
-          </a:prstGeom>
-          <a:solidFill>
-            <a:srgbClr val="000000"/>
-          </a:solidFill>
-          <a:ln>
-            <a:noFill/>
-          </a:ln>
-        </p:spPr>
-        <p:style>
-          <a:lnRef idx="2">
-            <a:schemeClr val="accent1">
-              <a:shade val="50000"/>
-            </a:schemeClr>
-          </a:lnRef>
-          <a:fillRef idx="1">
-            <a:schemeClr val="accent1"/>
-          </a:fillRef>
-          <a:effectRef idx="0">
-            <a:schemeClr val="accent1"/>
-          </a:effectRef>
-          <a:fontRef idx="minor">
-            <a:schemeClr val="lt1"/>
-          </a:fontRef>
-        </p:style>
-        <p:txBody>
-          <a:bodyPr rtlCol="0" anchor="ctr"/>
-          <a:lstStyle/>
-          <a:p>
-            <a:pPr algn="ctr"/>
-            <a:endParaRPr lang="en-US"/>
-          </a:p>
-        </p:txBody>
-      </p:sp>
-      <p:pic>
-        <p:nvPicPr>
-          <p:cNvPr id="3074" name="Picture 2" descr="alt_text">
-            <a:extLst>
-              <a:ext uri="{FF2B5EF4-FFF2-40B4-BE49-F238E27FC236}">
-                <a16:creationId xmlns:a16="http://schemas.microsoft.com/office/drawing/2014/main" id="{A95B3F70-D98F-A114-6682-04B884E467A9}"/>
-              </a:ext>
-            </a:extLst>
-          </p:cNvPr>
-          <p:cNvPicPr>
-            <a:picLocks noChangeAspect="1" noChangeArrowheads="1"/>
-          </p:cNvPicPr>
-          <p:nvPr/>
-        </p:nvPicPr>
-        <p:blipFill rotWithShape="1">
-          <a:blip r:embed="rId2">
-            <a:alphaModFix amt="50000"/>
-            <a:extLst>
-              <a:ext uri="{28A0092B-C50C-407E-A947-70E740481C1C}">
-                <a14:useLocalDpi xmlns:a14="http://schemas.microsoft.com/office/drawing/2010/main" val="0"/>
-              </a:ext>
-            </a:extLst>
-          </a:blip>
-          <a:srcRect/>
-          <a:stretch/>
-        </p:blipFill>
-        <p:spPr bwMode="auto">
-          <a:xfrm>
-            <a:off x="20" y="1"/>
-            <a:ext cx="12191980" cy="6857999"/>
-          </a:xfrm>
-          <a:prstGeom prst="rect">
-            <a:avLst/>
-          </a:prstGeom>
-          <a:noFill/>
-          <a:extLst>
-            <a:ext uri="{909E8E84-426E-40DD-AFC4-6F175D3DCCD1}">
-              <a14:hiddenFill xmlns:a14="http://schemas.microsoft.com/office/drawing/2010/main">
-                <a:solidFill>
-                  <a:srgbClr val="FFFFFF"/>
-                </a:solidFill>
-              </a14:hiddenFill>
-            </a:ext>
-          </a:extLst>
-        </p:spPr>
-      </p:pic>
-      <p:sp>
-        <p:nvSpPr>
-          <p:cNvPr id="2" name="Title 1">
-            <a:extLst>
-              <a:ext uri="{FF2B5EF4-FFF2-40B4-BE49-F238E27FC236}">
-                <a16:creationId xmlns:a16="http://schemas.microsoft.com/office/drawing/2014/main" id="{352A6970-2899-FEC1-FB5D-F055F61911E8}"/>
-              </a:ext>
-            </a:extLst>
-          </p:cNvPr>
-          <p:cNvSpPr>
-            <a:spLocks noGrp="1"/>
-          </p:cNvSpPr>
-          <p:nvPr>
-            <p:ph type="title"/>
-          </p:nvPr>
-        </p:nvSpPr>
-        <p:spPr>
-          <a:xfrm>
-            <a:off x="1524000" y="1122362"/>
-            <a:ext cx="9144000" cy="2900518"/>
-          </a:xfrm>
-        </p:spPr>
-        <p:txBody>
-          <a:bodyPr vert="horz" lIns="91440" tIns="45720" rIns="91440" bIns="45720" rtlCol="0" anchor="b">
-            <a:normAutofit/>
-          </a:bodyPr>
-          <a:lstStyle/>
-          <a:p>
-            <a:pPr algn="ctr"/>
-            <a:r>
-              <a:rPr lang="en-US" sz="6000">
-                <a:solidFill>
-                  <a:srgbClr val="FFFFFF"/>
-                </a:solidFill>
-              </a:rPr>
-              <a:t>Carbon and CO2eq</a:t>
-            </a:r>
-          </a:p>
-        </p:txBody>
-      </p:sp>
-    </p:spTree>
-    <p:extLst>
-      <p:ext uri="{BB962C8B-B14F-4D97-AF65-F5344CB8AC3E}">
-        <p14:creationId xmlns:p14="http://schemas.microsoft.com/office/powerpoint/2010/main" val="1418510385"/>
-      </p:ext>
-    </p:extLst>
-  </p:cSld>
-  <p:clrMapOvr>
-    <a:overrideClrMapping bg1="dk1" tx1="lt1" bg2="dk2" tx2="lt2" accent1="accent1" accent2="accent2" accent3="accent3" accent4="accent4" accent5="accent5" accent6="accent6" hlink="hlink" folHlink="folHlink"/>
-  </p:clrMapOvr>
-</p:sld>
-</file>
-
-<file path=ppt/slides/slide40.xml><?xml version="1.0" encoding="utf-8"?>
+<file path=ppt/slides/slide31.xml><?xml version="1.0" encoding="utf-8"?>
 <p:sld xmlns:a="http://schemas.openxmlformats.org/drawingml/2006/main" xmlns:r="http://schemas.openxmlformats.org/officeDocument/2006/relationships" xmlns:p="http://schemas.openxmlformats.org/presentationml/2006/main" showMasterSp="0">
   <p:cSld>
     <p:bg>
@@ -9626,7 +9132,7 @@
           <p:cNvPr id="3" name="Picture 2">
             <a:extLst>
               <a:ext uri="{FF2B5EF4-FFF2-40B4-BE49-F238E27FC236}">
-                <a16:creationId xmlns:a16="http://schemas.microsoft.com/office/drawing/2014/main" id="{69ADCD3F-F2DF-E378-3C8C-A65EA62F6FE6}"/>
+                <a16:creationId xmlns:a16="http://schemas.microsoft.com/office/drawing/2014/main" id="{BFE8F6A1-0010-9AAB-9051-011307723748}"/>
               </a:ext>
             </a:extLst>
           </p:cNvPr>
@@ -9666,7 +9172,7 @@
           <p:cNvPr id="5" name="Picture 4">
             <a:extLst>
               <a:ext uri="{FF2B5EF4-FFF2-40B4-BE49-F238E27FC236}">
-                <a16:creationId xmlns:a16="http://schemas.microsoft.com/office/drawing/2014/main" id="{D66AAB7E-B930-B3D7-E9C2-80CA6F554B06}"/>
+                <a16:creationId xmlns:a16="http://schemas.microsoft.com/office/drawing/2014/main" id="{1F195D54-D191-8FF6-837C-2C88FAC2C90F}"/>
               </a:ext>
             </a:extLst>
           </p:cNvPr>
@@ -9706,7 +9212,7 @@
           <p:cNvPr id="6" name="Rectangle 5">
             <a:extLst>
               <a:ext uri="{FF2B5EF4-FFF2-40B4-BE49-F238E27FC236}">
-                <a16:creationId xmlns:a16="http://schemas.microsoft.com/office/drawing/2014/main" id="{DDE4A6EA-ACFF-E64A-03C7-B4C42A2032D2}"/>
+                <a16:creationId xmlns:a16="http://schemas.microsoft.com/office/drawing/2014/main" id="{A8C6D1F4-36C7-36D8-671B-BB858D9D9DE5}"/>
               </a:ext>
             </a:extLst>
           </p:cNvPr>
@@ -9765,13 +9271,18 @@
           <a:lstStyle/>
           <a:p>
             <a:r>
-              <a:rPr lang="it-IT" sz="3600" b="1">
+              <a:rPr lang="en-US" sz="3600" b="1" dirty="0">
                 <a:solidFill>
                   <a:srgbClr val="5B5B5B"/>
                 </a:solidFill>
               </a:rPr>
-              <a:t>Audience Q&amp;A Session</a:t>
+              <a:t>What is the primary goal with abatement/elimination?</a:t>
             </a:r>
+            <a:endParaRPr lang="it-IT" sz="3600" b="1" dirty="0">
+              <a:solidFill>
+                <a:srgbClr val="5B5B5B"/>
+              </a:solidFill>
+            </a:endParaRPr>
           </a:p>
         </p:txBody>
       </p:sp>
@@ -9780,7 +9291,7 @@
           <p:cNvPr id="7" name="Rectangle 6">
             <a:extLst>
               <a:ext uri="{FF2B5EF4-FFF2-40B4-BE49-F238E27FC236}">
-                <a16:creationId xmlns:a16="http://schemas.microsoft.com/office/drawing/2014/main" id="{CC397A71-41DC-89A7-AE49-6465FFBA219C}"/>
+                <a16:creationId xmlns:a16="http://schemas.microsoft.com/office/drawing/2014/main" id="{A28E178A-DBEE-184D-E90D-E9AACEF417E7}"/>
               </a:ext>
             </a:extLst>
           </p:cNvPr>
@@ -9861,7 +9372,7 @@
                   <a:srgbClr val="5B5B5B"/>
                 </a:solidFill>
               </a:rPr>
-              <a:t> Start presenting to display the audience questions on this slide.</a:t>
+              <a:t> Start presenting to display the poll results on this slide.</a:t>
             </a:r>
             <a:endParaRPr lang="it-IT" sz="1400">
               <a:solidFill>
@@ -9877,7 +9388,302 @@
     </p:custDataLst>
     <p:extLst>
       <p:ext uri="{BB962C8B-B14F-4D97-AF65-F5344CB8AC3E}">
-        <p14:creationId xmlns:p14="http://schemas.microsoft.com/office/powerpoint/2010/main" val="478045140"/>
+        <p14:creationId xmlns:p14="http://schemas.microsoft.com/office/powerpoint/2010/main" val="71859165"/>
+      </p:ext>
+    </p:extLst>
+  </p:cSld>
+  <p:clrMapOvr>
+    <a:masterClrMapping/>
+  </p:clrMapOvr>
+  <p:timing>
+    <p:tnLst>
+      <p:par>
+        <p:cTn id="1" dur="indefinite" restart="never" nodeType="tmRoot">
+          <p:childTnLst>
+            <p:seq concurrent="1" nextAc="seek">
+              <p:cTn id="2" dur="indefinite" nodeType="mainSeq">
+                <p:childTnLst>
+                  <p:par>
+                    <p:cTn id="3" fill="hold">
+                      <p:stCondLst>
+                        <p:cond delay="indefinite"/>
+                      </p:stCondLst>
+                      <p:childTnLst>
+                        <p:par>
+                          <p:cTn id="4" fill="hold">
+                            <p:stCondLst>
+                              <p:cond delay="0"/>
+                            </p:stCondLst>
+                            <p:childTnLst>
+                              <p:par>
+                                <p:cTn id="5" presetID="26" presetClass="emph" presetSubtype="0" fill="hold" grpId="0" nodeType="clickEffect">
+                                  <p:stCondLst>
+                                    <p:cond delay="0"/>
+                                  </p:stCondLst>
+                                  <p:childTnLst>
+                                    <p:animEffect transition="out" filter="fade">
+                                      <p:cBhvr>
+                                        <p:cTn id="6" dur="50" tmFilter="0, 0; .2, .5; .8, .5; 1, 0"/>
+                                        <p:tgtEl>
+                                          <p:spTgt spid="6"/>
+                                        </p:tgtEl>
+                                      </p:cBhvr>
+                                    </p:animEffect>
+                                    <p:animScale>
+                                      <p:cBhvr>
+                                        <p:cTn id="7" dur="25" autoRev="1" fill="hold"/>
+                                        <p:tgtEl>
+                                          <p:spTgt spid="6"/>
+                                        </p:tgtEl>
+                                      </p:cBhvr>
+                                      <p:by x="105000" y="105000"/>
+                                    </p:animScale>
+                                  </p:childTnLst>
+                                </p:cTn>
+                              </p:par>
+                            </p:childTnLst>
+                          </p:cTn>
+                        </p:par>
+                      </p:childTnLst>
+                    </p:cTn>
+                  </p:par>
+                  <p:par>
+                    <p:cTn id="8" fill="hold">
+                      <p:stCondLst>
+                        <p:cond delay="indefinite"/>
+                      </p:stCondLst>
+                      <p:childTnLst>
+                        <p:par>
+                          <p:cTn id="9" fill="hold">
+                            <p:stCondLst>
+                              <p:cond delay="0"/>
+                            </p:stCondLst>
+                            <p:childTnLst>
+                              <p:par>
+                                <p:cTn id="10" presetID="26" presetClass="emph" presetSubtype="0" fill="hold" grpId="1" nodeType="clickEffect">
+                                  <p:stCondLst>
+                                    <p:cond delay="0"/>
+                                  </p:stCondLst>
+                                  <p:childTnLst>
+                                    <p:animEffect transition="out" filter="fade">
+                                      <p:cBhvr>
+                                        <p:cTn id="11" dur="50" tmFilter="0, 0; .2, .5; .8, .5; 1, 0"/>
+                                        <p:tgtEl>
+                                          <p:spTgt spid="6"/>
+                                        </p:tgtEl>
+                                      </p:cBhvr>
+                                    </p:animEffect>
+                                    <p:animScale>
+                                      <p:cBhvr>
+                                        <p:cTn id="12" dur="25" autoRev="1" fill="hold"/>
+                                        <p:tgtEl>
+                                          <p:spTgt spid="6"/>
+                                        </p:tgtEl>
+                                      </p:cBhvr>
+                                      <p:by x="105000" y="105000"/>
+                                    </p:animScale>
+                                  </p:childTnLst>
+                                </p:cTn>
+                              </p:par>
+                            </p:childTnLst>
+                          </p:cTn>
+                        </p:par>
+                      </p:childTnLst>
+                    </p:cTn>
+                  </p:par>
+                  <p:par>
+                    <p:cTn id="13" fill="hold">
+                      <p:stCondLst>
+                        <p:cond delay="indefinite"/>
+                      </p:stCondLst>
+                      <p:childTnLst>
+                        <p:par>
+                          <p:cTn id="14" fill="hold">
+                            <p:stCondLst>
+                              <p:cond delay="0"/>
+                            </p:stCondLst>
+                            <p:childTnLst>
+                              <p:par>
+                                <p:cTn id="15" presetID="26" presetClass="emph" presetSubtype="0" fill="hold" grpId="2" nodeType="clickEffect">
+                                  <p:stCondLst>
+                                    <p:cond delay="0"/>
+                                  </p:stCondLst>
+                                  <p:childTnLst>
+                                    <p:animEffect transition="out" filter="fade">
+                                      <p:cBhvr>
+                                        <p:cTn id="16" dur="50" tmFilter="0, 0; .2, .5; .8, .5; 1, 0"/>
+                                        <p:tgtEl>
+                                          <p:spTgt spid="6"/>
+                                        </p:tgtEl>
+                                      </p:cBhvr>
+                                    </p:animEffect>
+                                    <p:animScale>
+                                      <p:cBhvr>
+                                        <p:cTn id="17" dur="25" autoRev="1" fill="hold"/>
+                                        <p:tgtEl>
+                                          <p:spTgt spid="6"/>
+                                        </p:tgtEl>
+                                      </p:cBhvr>
+                                      <p:by x="105000" y="105000"/>
+                                    </p:animScale>
+                                  </p:childTnLst>
+                                </p:cTn>
+                              </p:par>
+                            </p:childTnLst>
+                          </p:cTn>
+                        </p:par>
+                      </p:childTnLst>
+                    </p:cTn>
+                  </p:par>
+                  <p:par>
+                    <p:cTn id="18" fill="hold">
+                      <p:stCondLst>
+                        <p:cond delay="indefinite"/>
+                      </p:stCondLst>
+                      <p:childTnLst>
+                        <p:par>
+                          <p:cTn id="19" fill="hold">
+                            <p:stCondLst>
+                              <p:cond delay="0"/>
+                            </p:stCondLst>
+                            <p:childTnLst>
+                              <p:par>
+                                <p:cTn id="20" presetID="26" presetClass="emph" presetSubtype="0" fill="hold" grpId="3" nodeType="clickEffect">
+                                  <p:stCondLst>
+                                    <p:cond delay="0"/>
+                                  </p:stCondLst>
+                                  <p:childTnLst>
+                                    <p:animEffect transition="out" filter="fade">
+                                      <p:cBhvr>
+                                        <p:cTn id="21" dur="50" tmFilter="0, 0; .2, .5; .8, .5; 1, 0"/>
+                                        <p:tgtEl>
+                                          <p:spTgt spid="6"/>
+                                        </p:tgtEl>
+                                      </p:cBhvr>
+                                    </p:animEffect>
+                                    <p:animScale>
+                                      <p:cBhvr>
+                                        <p:cTn id="22" dur="25" autoRev="1" fill="hold"/>
+                                        <p:tgtEl>
+                                          <p:spTgt spid="6"/>
+                                        </p:tgtEl>
+                                      </p:cBhvr>
+                                      <p:by x="105000" y="105000"/>
+                                    </p:animScale>
+                                  </p:childTnLst>
+                                </p:cTn>
+                              </p:par>
+                            </p:childTnLst>
+                          </p:cTn>
+                        </p:par>
+                      </p:childTnLst>
+                    </p:cTn>
+                  </p:par>
+                </p:childTnLst>
+              </p:cTn>
+              <p:prevCondLst>
+                <p:cond evt="onPrev" delay="0">
+                  <p:tgtEl>
+                    <p:sldTgt/>
+                  </p:tgtEl>
+                </p:cond>
+              </p:prevCondLst>
+              <p:nextCondLst>
+                <p:cond evt="onNext" delay="0">
+                  <p:tgtEl>
+                    <p:sldTgt/>
+                  </p:tgtEl>
+                </p:cond>
+              </p:nextCondLst>
+            </p:seq>
+          </p:childTnLst>
+        </p:cTn>
+      </p:par>
+    </p:tnLst>
+    <p:bldLst>
+      <p:bldP spid="6" grpId="0" animBg="1"/>
+      <p:bldP spid="6" grpId="1" animBg="1"/>
+      <p:bldP spid="6" grpId="2" animBg="1"/>
+      <p:bldP spid="6" grpId="3" animBg="1"/>
+    </p:bldLst>
+  </p:timing>
+</p:sld>
+</file>
+
+<file path=ppt/slides/slide32.xml><?xml version="1.0" encoding="utf-8"?>
+<p:sld xmlns:a="http://schemas.openxmlformats.org/drawingml/2006/main" xmlns:r="http://schemas.openxmlformats.org/officeDocument/2006/relationships" xmlns:p="http://schemas.openxmlformats.org/presentationml/2006/main" show="0">
+  <p:cSld>
+    <p:spTree>
+      <p:nvGrpSpPr>
+        <p:cNvPr id="1" name=""/>
+        <p:cNvGrpSpPr/>
+        <p:nvPr/>
+      </p:nvGrpSpPr>
+      <p:grpSpPr>
+        <a:xfrm>
+          <a:off x="0" y="0"/>
+          <a:ext cx="0" cy="0"/>
+          <a:chOff x="0" y="0"/>
+          <a:chExt cx="0" cy="0"/>
+        </a:xfrm>
+      </p:grpSpPr>
+      <p:sp>
+        <p:nvSpPr>
+          <p:cNvPr id="4" name="Title 3">
+            <a:extLst>
+              <a:ext uri="{FF2B5EF4-FFF2-40B4-BE49-F238E27FC236}">
+                <a16:creationId xmlns:a16="http://schemas.microsoft.com/office/drawing/2014/main" id="{5B1752B8-D8CD-52AA-13ED-740B2DA5B39E}"/>
+              </a:ext>
+            </a:extLst>
+          </p:cNvPr>
+          <p:cNvSpPr>
+            <a:spLocks noGrp="1"/>
+          </p:cNvSpPr>
+          <p:nvPr>
+            <p:ph type="ctrTitle"/>
+          </p:nvPr>
+        </p:nvSpPr>
+        <p:spPr/>
+        <p:txBody>
+          <a:bodyPr/>
+          <a:lstStyle/>
+          <a:p>
+            <a:r>
+              <a:rPr lang="it-IT" dirty="0"/>
+              <a:t>Matching</a:t>
+            </a:r>
+          </a:p>
+        </p:txBody>
+      </p:sp>
+      <p:sp>
+        <p:nvSpPr>
+          <p:cNvPr id="5" name="Subtitle 4">
+            <a:extLst>
+              <a:ext uri="{FF2B5EF4-FFF2-40B4-BE49-F238E27FC236}">
+                <a16:creationId xmlns:a16="http://schemas.microsoft.com/office/drawing/2014/main" id="{523EE154-B051-6A25-F836-9139ACFFF0D9}"/>
+              </a:ext>
+            </a:extLst>
+          </p:cNvPr>
+          <p:cNvSpPr>
+            <a:spLocks noGrp="1"/>
+          </p:cNvSpPr>
+          <p:nvPr>
+            <p:ph type="subTitle" idx="1"/>
+          </p:nvPr>
+        </p:nvSpPr>
+        <p:spPr/>
+        <p:txBody>
+          <a:bodyPr/>
+          <a:lstStyle/>
+          <a:p>
+            <a:endParaRPr lang="it-IT"/>
+          </a:p>
+        </p:txBody>
+      </p:sp>
+    </p:spTree>
+    <p:extLst>
+      <p:ext uri="{BB962C8B-B14F-4D97-AF65-F5344CB8AC3E}">
+        <p14:creationId xmlns:p14="http://schemas.microsoft.com/office/powerpoint/2010/main" val="1857325482"/>
       </p:ext>
     </p:extLst>
   </p:cSld>
@@ -9887,7 +9693,1707 @@
 </p:sld>
 </file>
 
+<file path=ppt/slides/slide33.xml><?xml version="1.0" encoding="utf-8"?>
+<p:sld xmlns:a="http://schemas.openxmlformats.org/drawingml/2006/main" xmlns:r="http://schemas.openxmlformats.org/officeDocument/2006/relationships" xmlns:p="http://schemas.openxmlformats.org/presentationml/2006/main" show="0">
+  <p:cSld>
+    <p:spTree>
+      <p:nvGrpSpPr>
+        <p:cNvPr id="1" name=""/>
+        <p:cNvGrpSpPr/>
+        <p:nvPr/>
+      </p:nvGrpSpPr>
+      <p:grpSpPr>
+        <a:xfrm>
+          <a:off x="0" y="0"/>
+          <a:ext cx="0" cy="0"/>
+          <a:chOff x="0" y="0"/>
+          <a:chExt cx="0" cy="0"/>
+        </a:xfrm>
+      </p:grpSpPr>
+      <p:sp>
+        <p:nvSpPr>
+          <p:cNvPr id="2" name="Title 1">
+            <a:extLst>
+              <a:ext uri="{FF2B5EF4-FFF2-40B4-BE49-F238E27FC236}">
+                <a16:creationId xmlns:a16="http://schemas.microsoft.com/office/drawing/2014/main" id="{CED068B6-9DAD-A293-A884-2E48326FC8B4}"/>
+              </a:ext>
+            </a:extLst>
+          </p:cNvPr>
+          <p:cNvSpPr>
+            <a:spLocks noGrp="1"/>
+          </p:cNvSpPr>
+          <p:nvPr>
+            <p:ph type="title"/>
+          </p:nvPr>
+        </p:nvSpPr>
+        <p:spPr/>
+        <p:txBody>
+          <a:bodyPr/>
+          <a:lstStyle/>
+          <a:p>
+            <a:endParaRPr lang="it-IT"/>
+          </a:p>
+        </p:txBody>
+      </p:sp>
+      <p:sp>
+        <p:nvSpPr>
+          <p:cNvPr id="3" name="Content Placeholder 2">
+            <a:extLst>
+              <a:ext uri="{FF2B5EF4-FFF2-40B4-BE49-F238E27FC236}">
+                <a16:creationId xmlns:a16="http://schemas.microsoft.com/office/drawing/2014/main" id="{5B029B30-A1BE-49DC-D65A-FE770D7B1384}"/>
+              </a:ext>
+            </a:extLst>
+          </p:cNvPr>
+          <p:cNvSpPr>
+            <a:spLocks noGrp="1"/>
+          </p:cNvSpPr>
+          <p:nvPr>
+            <p:ph idx="1"/>
+          </p:nvPr>
+        </p:nvSpPr>
+        <p:spPr/>
+        <p:txBody>
+          <a:bodyPr/>
+          <a:lstStyle/>
+          <a:p>
+            <a:endParaRPr lang="it-IT"/>
+          </a:p>
+        </p:txBody>
+      </p:sp>
+      <p:pic>
+        <p:nvPicPr>
+          <p:cNvPr id="25602" name="Picture 2" descr="alt_text">
+            <a:extLst>
+              <a:ext uri="{FF2B5EF4-FFF2-40B4-BE49-F238E27FC236}">
+                <a16:creationId xmlns:a16="http://schemas.microsoft.com/office/drawing/2014/main" id="{B3080E53-4862-D083-DA68-C63ED14AB51B}"/>
+              </a:ext>
+            </a:extLst>
+          </p:cNvPr>
+          <p:cNvPicPr>
+            <a:picLocks noChangeAspect="1" noChangeArrowheads="1"/>
+          </p:cNvPicPr>
+          <p:nvPr/>
+        </p:nvPicPr>
+        <p:blipFill>
+          <a:blip r:embed="rId2">
+            <a:extLst>
+              <a:ext uri="{28A0092B-C50C-407E-A947-70E740481C1C}">
+                <a14:useLocalDpi xmlns:a14="http://schemas.microsoft.com/office/drawing/2010/main" val="0"/>
+              </a:ext>
+            </a:extLst>
+          </a:blip>
+          <a:srcRect/>
+          <a:stretch>
+            <a:fillRect/>
+          </a:stretch>
+        </p:blipFill>
+        <p:spPr bwMode="auto">
+          <a:xfrm>
+            <a:off x="6350" y="0"/>
+            <a:ext cx="12180888" cy="6858000"/>
+          </a:xfrm>
+          <a:prstGeom prst="rect">
+            <a:avLst/>
+          </a:prstGeom>
+          <a:noFill/>
+          <a:extLst>
+            <a:ext uri="{909E8E84-426E-40DD-AFC4-6F175D3DCCD1}">
+              <a14:hiddenFill xmlns:a14="http://schemas.microsoft.com/office/drawing/2010/main">
+                <a:solidFill>
+                  <a:srgbClr val="FFFFFF"/>
+                </a:solidFill>
+              </a14:hiddenFill>
+            </a:ext>
+          </a:extLst>
+        </p:spPr>
+      </p:pic>
+    </p:spTree>
+    <p:extLst>
+      <p:ext uri="{BB962C8B-B14F-4D97-AF65-F5344CB8AC3E}">
+        <p14:creationId xmlns:p14="http://schemas.microsoft.com/office/powerpoint/2010/main" val="1607783788"/>
+      </p:ext>
+    </p:extLst>
+  </p:cSld>
+  <p:clrMapOvr>
+    <a:masterClrMapping/>
+  </p:clrMapOvr>
+</p:sld>
+</file>
+
+<file path=ppt/slides/slide34.xml><?xml version="1.0" encoding="utf-8"?>
+<p:sld xmlns:a="http://schemas.openxmlformats.org/drawingml/2006/main" xmlns:r="http://schemas.openxmlformats.org/officeDocument/2006/relationships" xmlns:p="http://schemas.openxmlformats.org/presentationml/2006/main" show="0">
+  <p:cSld>
+    <p:spTree>
+      <p:nvGrpSpPr>
+        <p:cNvPr id="1" name=""/>
+        <p:cNvGrpSpPr/>
+        <p:nvPr/>
+      </p:nvGrpSpPr>
+      <p:grpSpPr>
+        <a:xfrm>
+          <a:off x="0" y="0"/>
+          <a:ext cx="0" cy="0"/>
+          <a:chOff x="0" y="0"/>
+          <a:chExt cx="0" cy="0"/>
+        </a:xfrm>
+      </p:grpSpPr>
+      <p:sp>
+        <p:nvSpPr>
+          <p:cNvPr id="2" name="Title 1">
+            <a:extLst>
+              <a:ext uri="{FF2B5EF4-FFF2-40B4-BE49-F238E27FC236}">
+                <a16:creationId xmlns:a16="http://schemas.microsoft.com/office/drawing/2014/main" id="{1C0C28AB-F764-6303-60C2-96C32A2F97F6}"/>
+              </a:ext>
+            </a:extLst>
+          </p:cNvPr>
+          <p:cNvSpPr>
+            <a:spLocks noGrp="1"/>
+          </p:cNvSpPr>
+          <p:nvPr>
+            <p:ph type="title"/>
+          </p:nvPr>
+        </p:nvSpPr>
+        <p:spPr/>
+        <p:txBody>
+          <a:bodyPr/>
+          <a:lstStyle/>
+          <a:p>
+            <a:endParaRPr lang="it-IT"/>
+          </a:p>
+        </p:txBody>
+      </p:sp>
+      <p:sp>
+        <p:nvSpPr>
+          <p:cNvPr id="3" name="Content Placeholder 2">
+            <a:extLst>
+              <a:ext uri="{FF2B5EF4-FFF2-40B4-BE49-F238E27FC236}">
+                <a16:creationId xmlns:a16="http://schemas.microsoft.com/office/drawing/2014/main" id="{14AA0C83-25C2-75ED-9EA8-5531317D24E4}"/>
+              </a:ext>
+            </a:extLst>
+          </p:cNvPr>
+          <p:cNvSpPr>
+            <a:spLocks noGrp="1"/>
+          </p:cNvSpPr>
+          <p:nvPr>
+            <p:ph idx="1"/>
+          </p:nvPr>
+        </p:nvSpPr>
+        <p:spPr/>
+        <p:txBody>
+          <a:bodyPr/>
+          <a:lstStyle/>
+          <a:p>
+            <a:endParaRPr lang="it-IT"/>
+          </a:p>
+        </p:txBody>
+      </p:sp>
+      <p:pic>
+        <p:nvPicPr>
+          <p:cNvPr id="24578" name="Picture 2" descr="alt_text">
+            <a:extLst>
+              <a:ext uri="{FF2B5EF4-FFF2-40B4-BE49-F238E27FC236}">
+                <a16:creationId xmlns:a16="http://schemas.microsoft.com/office/drawing/2014/main" id="{F2DD3054-877A-3728-FBA8-D35A405B071A}"/>
+              </a:ext>
+            </a:extLst>
+          </p:cNvPr>
+          <p:cNvPicPr>
+            <a:picLocks noChangeAspect="1" noChangeArrowheads="1"/>
+          </p:cNvPicPr>
+          <p:nvPr/>
+        </p:nvPicPr>
+        <p:blipFill>
+          <a:blip r:embed="rId2">
+            <a:extLst>
+              <a:ext uri="{28A0092B-C50C-407E-A947-70E740481C1C}">
+                <a14:useLocalDpi xmlns:a14="http://schemas.microsoft.com/office/drawing/2010/main" val="0"/>
+              </a:ext>
+            </a:extLst>
+          </a:blip>
+          <a:srcRect/>
+          <a:stretch>
+            <a:fillRect/>
+          </a:stretch>
+        </p:blipFill>
+        <p:spPr bwMode="auto">
+          <a:xfrm>
+            <a:off x="6350" y="0"/>
+            <a:ext cx="12180888" cy="6858000"/>
+          </a:xfrm>
+          <a:prstGeom prst="rect">
+            <a:avLst/>
+          </a:prstGeom>
+          <a:noFill/>
+          <a:extLst>
+            <a:ext uri="{909E8E84-426E-40DD-AFC4-6F175D3DCCD1}">
+              <a14:hiddenFill xmlns:a14="http://schemas.microsoft.com/office/drawing/2010/main">
+                <a:solidFill>
+                  <a:srgbClr val="FFFFFF"/>
+                </a:solidFill>
+              </a14:hiddenFill>
+            </a:ext>
+          </a:extLst>
+        </p:spPr>
+      </p:pic>
+    </p:spTree>
+    <p:extLst>
+      <p:ext uri="{BB962C8B-B14F-4D97-AF65-F5344CB8AC3E}">
+        <p14:creationId xmlns:p14="http://schemas.microsoft.com/office/powerpoint/2010/main" val="743652309"/>
+      </p:ext>
+    </p:extLst>
+  </p:cSld>
+  <p:clrMapOvr>
+    <a:masterClrMapping/>
+  </p:clrMapOvr>
+</p:sld>
+</file>
+
+<file path=ppt/slides/slide35.xml><?xml version="1.0" encoding="utf-8"?>
+<p:sld xmlns:a="http://schemas.openxmlformats.org/drawingml/2006/main" xmlns:r="http://schemas.openxmlformats.org/officeDocument/2006/relationships" xmlns:p="http://schemas.openxmlformats.org/presentationml/2006/main" show="0">
+  <p:cSld>
+    <p:spTree>
+      <p:nvGrpSpPr>
+        <p:cNvPr id="1" name=""/>
+        <p:cNvGrpSpPr/>
+        <p:nvPr/>
+      </p:nvGrpSpPr>
+      <p:grpSpPr>
+        <a:xfrm>
+          <a:off x="0" y="0"/>
+          <a:ext cx="0" cy="0"/>
+          <a:chOff x="0" y="0"/>
+          <a:chExt cx="0" cy="0"/>
+        </a:xfrm>
+      </p:grpSpPr>
+      <p:sp>
+        <p:nvSpPr>
+          <p:cNvPr id="2" name="Title 1">
+            <a:extLst>
+              <a:ext uri="{FF2B5EF4-FFF2-40B4-BE49-F238E27FC236}">
+                <a16:creationId xmlns:a16="http://schemas.microsoft.com/office/drawing/2014/main" id="{014AB79C-7614-E76F-6550-0B0649747AE3}"/>
+              </a:ext>
+            </a:extLst>
+          </p:cNvPr>
+          <p:cNvSpPr>
+            <a:spLocks noGrp="1"/>
+          </p:cNvSpPr>
+          <p:nvPr>
+            <p:ph type="title"/>
+          </p:nvPr>
+        </p:nvSpPr>
+        <p:spPr/>
+        <p:txBody>
+          <a:bodyPr/>
+          <a:lstStyle/>
+          <a:p>
+            <a:endParaRPr lang="it-IT"/>
+          </a:p>
+        </p:txBody>
+      </p:sp>
+      <p:sp>
+        <p:nvSpPr>
+          <p:cNvPr id="3" name="Content Placeholder 2">
+            <a:extLst>
+              <a:ext uri="{FF2B5EF4-FFF2-40B4-BE49-F238E27FC236}">
+                <a16:creationId xmlns:a16="http://schemas.microsoft.com/office/drawing/2014/main" id="{3EDD99F8-FEA0-2CB3-99C2-6F222358B47E}"/>
+              </a:ext>
+            </a:extLst>
+          </p:cNvPr>
+          <p:cNvSpPr>
+            <a:spLocks noGrp="1"/>
+          </p:cNvSpPr>
+          <p:nvPr>
+            <p:ph idx="1"/>
+          </p:nvPr>
+        </p:nvSpPr>
+        <p:spPr/>
+        <p:txBody>
+          <a:bodyPr/>
+          <a:lstStyle/>
+          <a:p>
+            <a:endParaRPr lang="it-IT"/>
+          </a:p>
+        </p:txBody>
+      </p:sp>
+      <p:pic>
+        <p:nvPicPr>
+          <p:cNvPr id="26626" name="Picture 2" descr="alt_text">
+            <a:extLst>
+              <a:ext uri="{FF2B5EF4-FFF2-40B4-BE49-F238E27FC236}">
+                <a16:creationId xmlns:a16="http://schemas.microsoft.com/office/drawing/2014/main" id="{7E653234-D79B-4F4B-DCD0-12F6E81AD950}"/>
+              </a:ext>
+            </a:extLst>
+          </p:cNvPr>
+          <p:cNvPicPr>
+            <a:picLocks noChangeAspect="1" noChangeArrowheads="1"/>
+          </p:cNvPicPr>
+          <p:nvPr/>
+        </p:nvPicPr>
+        <p:blipFill>
+          <a:blip r:embed="rId2">
+            <a:extLst>
+              <a:ext uri="{28A0092B-C50C-407E-A947-70E740481C1C}">
+                <a14:useLocalDpi xmlns:a14="http://schemas.microsoft.com/office/drawing/2010/main" val="0"/>
+              </a:ext>
+            </a:extLst>
+          </a:blip>
+          <a:srcRect/>
+          <a:stretch>
+            <a:fillRect/>
+          </a:stretch>
+        </p:blipFill>
+        <p:spPr bwMode="auto">
+          <a:xfrm>
+            <a:off x="0" y="0"/>
+            <a:ext cx="12192000" cy="6858000"/>
+          </a:xfrm>
+          <a:prstGeom prst="rect">
+            <a:avLst/>
+          </a:prstGeom>
+          <a:noFill/>
+          <a:extLst>
+            <a:ext uri="{909E8E84-426E-40DD-AFC4-6F175D3DCCD1}">
+              <a14:hiddenFill xmlns:a14="http://schemas.microsoft.com/office/drawing/2010/main">
+                <a:solidFill>
+                  <a:srgbClr val="FFFFFF"/>
+                </a:solidFill>
+              </a14:hiddenFill>
+            </a:ext>
+          </a:extLst>
+        </p:spPr>
+      </p:pic>
+    </p:spTree>
+    <p:extLst>
+      <p:ext uri="{BB962C8B-B14F-4D97-AF65-F5344CB8AC3E}">
+        <p14:creationId xmlns:p14="http://schemas.microsoft.com/office/powerpoint/2010/main" val="3658612971"/>
+      </p:ext>
+    </p:extLst>
+  </p:cSld>
+  <p:clrMapOvr>
+    <a:masterClrMapping/>
+  </p:clrMapOvr>
+</p:sld>
+</file>
+
+<file path=ppt/slides/slide36.xml><?xml version="1.0" encoding="utf-8"?>
+<p:sld xmlns:a="http://schemas.openxmlformats.org/drawingml/2006/main" xmlns:r="http://schemas.openxmlformats.org/officeDocument/2006/relationships" xmlns:p="http://schemas.openxmlformats.org/presentationml/2006/main" show="0">
+  <p:cSld>
+    <p:spTree>
+      <p:nvGrpSpPr>
+        <p:cNvPr id="1" name=""/>
+        <p:cNvGrpSpPr/>
+        <p:nvPr/>
+      </p:nvGrpSpPr>
+      <p:grpSpPr>
+        <a:xfrm>
+          <a:off x="0" y="0"/>
+          <a:ext cx="0" cy="0"/>
+          <a:chOff x="0" y="0"/>
+          <a:chExt cx="0" cy="0"/>
+        </a:xfrm>
+      </p:grpSpPr>
+      <p:sp>
+        <p:nvSpPr>
+          <p:cNvPr id="2" name="Title 1">
+            <a:extLst>
+              <a:ext uri="{FF2B5EF4-FFF2-40B4-BE49-F238E27FC236}">
+                <a16:creationId xmlns:a16="http://schemas.microsoft.com/office/drawing/2014/main" id="{05A5BF00-2638-AF61-B8A7-A8380EB850F7}"/>
+              </a:ext>
+            </a:extLst>
+          </p:cNvPr>
+          <p:cNvSpPr>
+            <a:spLocks noGrp="1"/>
+          </p:cNvSpPr>
+          <p:nvPr>
+            <p:ph type="title"/>
+          </p:nvPr>
+        </p:nvSpPr>
+        <p:spPr/>
+        <p:txBody>
+          <a:bodyPr/>
+          <a:lstStyle/>
+          <a:p>
+            <a:endParaRPr lang="it-IT"/>
+          </a:p>
+        </p:txBody>
+      </p:sp>
+      <p:sp>
+        <p:nvSpPr>
+          <p:cNvPr id="3" name="Content Placeholder 2">
+            <a:extLst>
+              <a:ext uri="{FF2B5EF4-FFF2-40B4-BE49-F238E27FC236}">
+                <a16:creationId xmlns:a16="http://schemas.microsoft.com/office/drawing/2014/main" id="{6271DD0A-C336-CC0B-B2B9-B952EA632441}"/>
+              </a:ext>
+            </a:extLst>
+          </p:cNvPr>
+          <p:cNvSpPr>
+            <a:spLocks noGrp="1"/>
+          </p:cNvSpPr>
+          <p:nvPr>
+            <p:ph idx="1"/>
+          </p:nvPr>
+        </p:nvSpPr>
+        <p:spPr/>
+        <p:txBody>
+          <a:bodyPr/>
+          <a:lstStyle/>
+          <a:p>
+            <a:endParaRPr lang="it-IT"/>
+          </a:p>
+        </p:txBody>
+      </p:sp>
+      <p:pic>
+        <p:nvPicPr>
+          <p:cNvPr id="27650" name="Picture 2" descr="alt_text">
+            <a:extLst>
+              <a:ext uri="{FF2B5EF4-FFF2-40B4-BE49-F238E27FC236}">
+                <a16:creationId xmlns:a16="http://schemas.microsoft.com/office/drawing/2014/main" id="{A4873F14-45D0-2F3A-9907-E4A958C0687B}"/>
+              </a:ext>
+            </a:extLst>
+          </p:cNvPr>
+          <p:cNvPicPr>
+            <a:picLocks noChangeAspect="1" noChangeArrowheads="1"/>
+          </p:cNvPicPr>
+          <p:nvPr/>
+        </p:nvPicPr>
+        <p:blipFill>
+          <a:blip r:embed="rId2">
+            <a:extLst>
+              <a:ext uri="{28A0092B-C50C-407E-A947-70E740481C1C}">
+                <a14:useLocalDpi xmlns:a14="http://schemas.microsoft.com/office/drawing/2010/main" val="0"/>
+              </a:ext>
+            </a:extLst>
+          </a:blip>
+          <a:srcRect/>
+          <a:stretch>
+            <a:fillRect/>
+          </a:stretch>
+        </p:blipFill>
+        <p:spPr bwMode="auto">
+          <a:xfrm>
+            <a:off x="0" y="0"/>
+            <a:ext cx="12192000" cy="6858000"/>
+          </a:xfrm>
+          <a:prstGeom prst="rect">
+            <a:avLst/>
+          </a:prstGeom>
+          <a:noFill/>
+          <a:extLst>
+            <a:ext uri="{909E8E84-426E-40DD-AFC4-6F175D3DCCD1}">
+              <a14:hiddenFill xmlns:a14="http://schemas.microsoft.com/office/drawing/2010/main">
+                <a:solidFill>
+                  <a:srgbClr val="FFFFFF"/>
+                </a:solidFill>
+              </a14:hiddenFill>
+            </a:ext>
+          </a:extLst>
+        </p:spPr>
+      </p:pic>
+    </p:spTree>
+    <p:extLst>
+      <p:ext uri="{BB962C8B-B14F-4D97-AF65-F5344CB8AC3E}">
+        <p14:creationId xmlns:p14="http://schemas.microsoft.com/office/powerpoint/2010/main" val="1204069159"/>
+      </p:ext>
+    </p:extLst>
+  </p:cSld>
+  <p:clrMapOvr>
+    <a:masterClrMapping/>
+  </p:clrMapOvr>
+</p:sld>
+</file>
+
+<file path=ppt/slides/slide37.xml><?xml version="1.0" encoding="utf-8"?>
+<p:sld xmlns:a="http://schemas.openxmlformats.org/drawingml/2006/main" xmlns:r="http://schemas.openxmlformats.org/officeDocument/2006/relationships" xmlns:p="http://schemas.openxmlformats.org/presentationml/2006/main" show="0">
+  <p:cSld>
+    <p:spTree>
+      <p:nvGrpSpPr>
+        <p:cNvPr id="1" name=""/>
+        <p:cNvGrpSpPr/>
+        <p:nvPr/>
+      </p:nvGrpSpPr>
+      <p:grpSpPr>
+        <a:xfrm>
+          <a:off x="0" y="0"/>
+          <a:ext cx="0" cy="0"/>
+          <a:chOff x="0" y="0"/>
+          <a:chExt cx="0" cy="0"/>
+        </a:xfrm>
+      </p:grpSpPr>
+      <p:sp>
+        <p:nvSpPr>
+          <p:cNvPr id="2" name="Title 1">
+            <a:extLst>
+              <a:ext uri="{FF2B5EF4-FFF2-40B4-BE49-F238E27FC236}">
+                <a16:creationId xmlns:a16="http://schemas.microsoft.com/office/drawing/2014/main" id="{9681BEA9-6B33-1835-D1EA-0F5024D11055}"/>
+              </a:ext>
+            </a:extLst>
+          </p:cNvPr>
+          <p:cNvSpPr>
+            <a:spLocks noGrp="1"/>
+          </p:cNvSpPr>
+          <p:nvPr>
+            <p:ph type="title"/>
+          </p:nvPr>
+        </p:nvSpPr>
+        <p:spPr/>
+        <p:txBody>
+          <a:bodyPr/>
+          <a:lstStyle/>
+          <a:p>
+            <a:endParaRPr lang="it-IT"/>
+          </a:p>
+        </p:txBody>
+      </p:sp>
+      <p:sp>
+        <p:nvSpPr>
+          <p:cNvPr id="3" name="Content Placeholder 2">
+            <a:extLst>
+              <a:ext uri="{FF2B5EF4-FFF2-40B4-BE49-F238E27FC236}">
+                <a16:creationId xmlns:a16="http://schemas.microsoft.com/office/drawing/2014/main" id="{61C0B009-FC84-5097-3732-5A42AE3179C2}"/>
+              </a:ext>
+            </a:extLst>
+          </p:cNvPr>
+          <p:cNvSpPr>
+            <a:spLocks noGrp="1"/>
+          </p:cNvSpPr>
+          <p:nvPr>
+            <p:ph idx="1"/>
+          </p:nvPr>
+        </p:nvSpPr>
+        <p:spPr/>
+        <p:txBody>
+          <a:bodyPr/>
+          <a:lstStyle/>
+          <a:p>
+            <a:endParaRPr lang="it-IT"/>
+          </a:p>
+        </p:txBody>
+      </p:sp>
+      <p:pic>
+        <p:nvPicPr>
+          <p:cNvPr id="28674" name="Picture 2" descr="alt_text">
+            <a:extLst>
+              <a:ext uri="{FF2B5EF4-FFF2-40B4-BE49-F238E27FC236}">
+                <a16:creationId xmlns:a16="http://schemas.microsoft.com/office/drawing/2014/main" id="{6F4D024F-AED1-F079-FB46-19CB9E885528}"/>
+              </a:ext>
+            </a:extLst>
+          </p:cNvPr>
+          <p:cNvPicPr>
+            <a:picLocks noChangeAspect="1" noChangeArrowheads="1"/>
+          </p:cNvPicPr>
+          <p:nvPr/>
+        </p:nvPicPr>
+        <p:blipFill>
+          <a:blip r:embed="rId2">
+            <a:extLst>
+              <a:ext uri="{28A0092B-C50C-407E-A947-70E740481C1C}">
+                <a14:useLocalDpi xmlns:a14="http://schemas.microsoft.com/office/drawing/2010/main" val="0"/>
+              </a:ext>
+            </a:extLst>
+          </a:blip>
+          <a:srcRect/>
+          <a:stretch>
+            <a:fillRect/>
+          </a:stretch>
+        </p:blipFill>
+        <p:spPr bwMode="auto">
+          <a:xfrm>
+            <a:off x="6350" y="0"/>
+            <a:ext cx="12180888" cy="6858000"/>
+          </a:xfrm>
+          <a:prstGeom prst="rect">
+            <a:avLst/>
+          </a:prstGeom>
+          <a:noFill/>
+          <a:extLst>
+            <a:ext uri="{909E8E84-426E-40DD-AFC4-6F175D3DCCD1}">
+              <a14:hiddenFill xmlns:a14="http://schemas.microsoft.com/office/drawing/2010/main">
+                <a:solidFill>
+                  <a:srgbClr val="FFFFFF"/>
+                </a:solidFill>
+              </a14:hiddenFill>
+            </a:ext>
+          </a:extLst>
+        </p:spPr>
+      </p:pic>
+    </p:spTree>
+    <p:extLst>
+      <p:ext uri="{BB962C8B-B14F-4D97-AF65-F5344CB8AC3E}">
+        <p14:creationId xmlns:p14="http://schemas.microsoft.com/office/powerpoint/2010/main" val="2158379173"/>
+      </p:ext>
+    </p:extLst>
+  </p:cSld>
+  <p:clrMapOvr>
+    <a:masterClrMapping/>
+  </p:clrMapOvr>
+</p:sld>
+</file>
+
+<file path=ppt/slides/slide38.xml><?xml version="1.0" encoding="utf-8"?>
+<p:sld xmlns:a="http://schemas.openxmlformats.org/drawingml/2006/main" xmlns:r="http://schemas.openxmlformats.org/officeDocument/2006/relationships" xmlns:p="http://schemas.openxmlformats.org/presentationml/2006/main">
+  <p:cSld>
+    <p:spTree>
+      <p:nvGrpSpPr>
+        <p:cNvPr id="1" name=""/>
+        <p:cNvGrpSpPr/>
+        <p:nvPr/>
+      </p:nvGrpSpPr>
+      <p:grpSpPr>
+        <a:xfrm>
+          <a:off x="0" y="0"/>
+          <a:ext cx="0" cy="0"/>
+          <a:chOff x="0" y="0"/>
+          <a:chExt cx="0" cy="0"/>
+        </a:xfrm>
+      </p:grpSpPr>
+      <p:sp>
+        <p:nvSpPr>
+          <p:cNvPr id="4" name="Title 3">
+            <a:extLst>
+              <a:ext uri="{FF2B5EF4-FFF2-40B4-BE49-F238E27FC236}">
+                <a16:creationId xmlns:a16="http://schemas.microsoft.com/office/drawing/2014/main" id="{5B1752B8-D8CD-52AA-13ED-740B2DA5B39E}"/>
+              </a:ext>
+            </a:extLst>
+          </p:cNvPr>
+          <p:cNvSpPr>
+            <a:spLocks noGrp="1"/>
+          </p:cNvSpPr>
+          <p:nvPr>
+            <p:ph type="ctrTitle"/>
+          </p:nvPr>
+        </p:nvSpPr>
+        <p:spPr/>
+        <p:txBody>
+          <a:bodyPr/>
+          <a:lstStyle/>
+          <a:p>
+            <a:r>
+              <a:rPr lang="it-IT" dirty="0"/>
+              <a:t>Measurment</a:t>
+            </a:r>
+          </a:p>
+        </p:txBody>
+      </p:sp>
+      <p:sp>
+        <p:nvSpPr>
+          <p:cNvPr id="5" name="Subtitle 4">
+            <a:extLst>
+              <a:ext uri="{FF2B5EF4-FFF2-40B4-BE49-F238E27FC236}">
+                <a16:creationId xmlns:a16="http://schemas.microsoft.com/office/drawing/2014/main" id="{523EE154-B051-6A25-F836-9139ACFFF0D9}"/>
+              </a:ext>
+            </a:extLst>
+          </p:cNvPr>
+          <p:cNvSpPr>
+            <a:spLocks noGrp="1"/>
+          </p:cNvSpPr>
+          <p:nvPr>
+            <p:ph type="subTitle" idx="1"/>
+          </p:nvPr>
+        </p:nvSpPr>
+        <p:spPr/>
+        <p:txBody>
+          <a:bodyPr/>
+          <a:lstStyle/>
+          <a:p>
+            <a:endParaRPr lang="it-IT"/>
+          </a:p>
+        </p:txBody>
+      </p:sp>
+    </p:spTree>
+    <p:extLst>
+      <p:ext uri="{BB962C8B-B14F-4D97-AF65-F5344CB8AC3E}">
+        <p14:creationId xmlns:p14="http://schemas.microsoft.com/office/powerpoint/2010/main" val="2420538101"/>
+      </p:ext>
+    </p:extLst>
+  </p:cSld>
+  <p:clrMapOvr>
+    <a:masterClrMapping/>
+  </p:clrMapOvr>
+</p:sld>
+</file>
+
+<file path=ppt/slides/slide39.xml><?xml version="1.0" encoding="utf-8"?>
+<p:sld xmlns:a="http://schemas.openxmlformats.org/drawingml/2006/main" xmlns:r="http://schemas.openxmlformats.org/officeDocument/2006/relationships" xmlns:p="http://schemas.openxmlformats.org/presentationml/2006/main">
+  <p:cSld>
+    <p:spTree>
+      <p:nvGrpSpPr>
+        <p:cNvPr id="1" name=""/>
+        <p:cNvGrpSpPr/>
+        <p:nvPr/>
+      </p:nvGrpSpPr>
+      <p:grpSpPr>
+        <a:xfrm>
+          <a:off x="0" y="0"/>
+          <a:ext cx="0" cy="0"/>
+          <a:chOff x="0" y="0"/>
+          <a:chExt cx="0" cy="0"/>
+        </a:xfrm>
+      </p:grpSpPr>
+      <p:sp>
+        <p:nvSpPr>
+          <p:cNvPr id="2" name="Title 1">
+            <a:extLst>
+              <a:ext uri="{FF2B5EF4-FFF2-40B4-BE49-F238E27FC236}">
+                <a16:creationId xmlns:a16="http://schemas.microsoft.com/office/drawing/2014/main" id="{3A063515-A689-FB2D-517A-1B1C21DCE994}"/>
+              </a:ext>
+            </a:extLst>
+          </p:cNvPr>
+          <p:cNvSpPr>
+            <a:spLocks noGrp="1"/>
+          </p:cNvSpPr>
+          <p:nvPr>
+            <p:ph type="title"/>
+          </p:nvPr>
+        </p:nvSpPr>
+        <p:spPr/>
+        <p:txBody>
+          <a:bodyPr/>
+          <a:lstStyle/>
+          <a:p>
+            <a:endParaRPr lang="it-IT"/>
+          </a:p>
+        </p:txBody>
+      </p:sp>
+      <p:sp>
+        <p:nvSpPr>
+          <p:cNvPr id="3" name="Content Placeholder 2">
+            <a:extLst>
+              <a:ext uri="{FF2B5EF4-FFF2-40B4-BE49-F238E27FC236}">
+                <a16:creationId xmlns:a16="http://schemas.microsoft.com/office/drawing/2014/main" id="{33A91AB2-DCFC-E83A-732E-B1C94DD7A2E6}"/>
+              </a:ext>
+            </a:extLst>
+          </p:cNvPr>
+          <p:cNvSpPr>
+            <a:spLocks noGrp="1"/>
+          </p:cNvSpPr>
+          <p:nvPr>
+            <p:ph idx="1"/>
+          </p:nvPr>
+        </p:nvSpPr>
+        <p:spPr/>
+        <p:txBody>
+          <a:bodyPr/>
+          <a:lstStyle/>
+          <a:p>
+            <a:endParaRPr lang="it-IT"/>
+          </a:p>
+        </p:txBody>
+      </p:sp>
+      <p:pic>
+        <p:nvPicPr>
+          <p:cNvPr id="21506" name="Picture 2" descr="alt_text">
+            <a:extLst>
+              <a:ext uri="{FF2B5EF4-FFF2-40B4-BE49-F238E27FC236}">
+                <a16:creationId xmlns:a16="http://schemas.microsoft.com/office/drawing/2014/main" id="{60D868BC-73A0-AC12-4313-51BCB98EC740}"/>
+              </a:ext>
+            </a:extLst>
+          </p:cNvPr>
+          <p:cNvPicPr>
+            <a:picLocks noChangeAspect="1" noChangeArrowheads="1"/>
+          </p:cNvPicPr>
+          <p:nvPr/>
+        </p:nvPicPr>
+        <p:blipFill>
+          <a:blip r:embed="rId2">
+            <a:extLst>
+              <a:ext uri="{28A0092B-C50C-407E-A947-70E740481C1C}">
+                <a14:useLocalDpi xmlns:a14="http://schemas.microsoft.com/office/drawing/2010/main" val="0"/>
+              </a:ext>
+            </a:extLst>
+          </a:blip>
+          <a:srcRect/>
+          <a:stretch>
+            <a:fillRect/>
+          </a:stretch>
+        </p:blipFill>
+        <p:spPr bwMode="auto">
+          <a:xfrm>
+            <a:off x="0" y="0"/>
+            <a:ext cx="12192000" cy="6858000"/>
+          </a:xfrm>
+          <a:prstGeom prst="rect">
+            <a:avLst/>
+          </a:prstGeom>
+          <a:noFill/>
+          <a:extLst>
+            <a:ext uri="{909E8E84-426E-40DD-AFC4-6F175D3DCCD1}">
+              <a14:hiddenFill xmlns:a14="http://schemas.microsoft.com/office/drawing/2010/main">
+                <a:solidFill>
+                  <a:srgbClr val="FFFFFF"/>
+                </a:solidFill>
+              </a14:hiddenFill>
+            </a:ext>
+          </a:extLst>
+        </p:spPr>
+      </p:pic>
+    </p:spTree>
+    <p:extLst>
+      <p:ext uri="{BB962C8B-B14F-4D97-AF65-F5344CB8AC3E}">
+        <p14:creationId xmlns:p14="http://schemas.microsoft.com/office/powerpoint/2010/main" val="2315341107"/>
+      </p:ext>
+    </p:extLst>
+  </p:cSld>
+  <p:clrMapOvr>
+    <a:masterClrMapping/>
+  </p:clrMapOvr>
+</p:sld>
+</file>
+
+<file path=ppt/slides/slide4.xml><?xml version="1.0" encoding="utf-8"?>
+<p:sld xmlns:a="http://schemas.openxmlformats.org/drawingml/2006/main" xmlns:r="http://schemas.openxmlformats.org/officeDocument/2006/relationships" xmlns:p="http://schemas.openxmlformats.org/presentationml/2006/main">
+  <p:cSld>
+    <p:bg>
+      <p:bgPr>
+        <a:solidFill>
+          <a:srgbClr val="000000"/>
+        </a:solidFill>
+        <a:effectLst/>
+      </p:bgPr>
+    </p:bg>
+    <p:spTree>
+      <p:nvGrpSpPr>
+        <p:cNvPr id="1" name=""/>
+        <p:cNvGrpSpPr/>
+        <p:nvPr/>
+      </p:nvGrpSpPr>
+      <p:grpSpPr>
+        <a:xfrm>
+          <a:off x="0" y="0"/>
+          <a:ext cx="0" cy="0"/>
+          <a:chOff x="0" y="0"/>
+          <a:chExt cx="0" cy="0"/>
+        </a:xfrm>
+      </p:grpSpPr>
+      <p:sp>
+        <p:nvSpPr>
+          <p:cNvPr id="3092" name="Rectangle 3083">
+            <a:extLst>
+              <a:ext uri="{FF2B5EF4-FFF2-40B4-BE49-F238E27FC236}">
+                <a16:creationId xmlns:a16="http://schemas.microsoft.com/office/drawing/2014/main" id="{71B2258F-86CA-4D4D-8270-BC05FCDEBFB3}"/>
+              </a:ext>
+              <a:ext uri="{C183D7F6-B498-43B3-948B-1728B52AA6E4}">
+                <adec:decorative xmlns:adec="http://schemas.microsoft.com/office/drawing/2017/decorative" val="1"/>
+              </a:ext>
+            </a:extLst>
+          </p:cNvPr>
+          <p:cNvSpPr>
+            <a:spLocks noGrp="1" noRot="1" noChangeAspect="1" noMove="1" noResize="1" noEditPoints="1" noAdjustHandles="1" noChangeArrowheads="1" noChangeShapeType="1" noTextEdit="1"/>
+          </p:cNvSpPr>
+          <p:nvPr>
+            <p:extLst>
+              <p:ext uri="{386F3935-93C4-4BCD-93E2-E3B085C9AB24}">
+                <p16:designElem xmlns:p16="http://schemas.microsoft.com/office/powerpoint/2015/main" val="1"/>
+              </p:ext>
+            </p:extLst>
+          </p:nvPr>
+        </p:nvSpPr>
+        <p:spPr>
+          <a:xfrm>
+            <a:off x="0" y="0"/>
+            <a:ext cx="12192000" cy="6857999"/>
+          </a:xfrm>
+          <a:prstGeom prst="rect">
+            <a:avLst/>
+          </a:prstGeom>
+          <a:solidFill>
+            <a:srgbClr val="000000"/>
+          </a:solidFill>
+          <a:ln>
+            <a:noFill/>
+          </a:ln>
+        </p:spPr>
+        <p:style>
+          <a:lnRef idx="2">
+            <a:schemeClr val="accent1">
+              <a:shade val="50000"/>
+            </a:schemeClr>
+          </a:lnRef>
+          <a:fillRef idx="1">
+            <a:schemeClr val="accent1"/>
+          </a:fillRef>
+          <a:effectRef idx="0">
+            <a:schemeClr val="accent1"/>
+          </a:effectRef>
+          <a:fontRef idx="minor">
+            <a:schemeClr val="lt1"/>
+          </a:fontRef>
+        </p:style>
+        <p:txBody>
+          <a:bodyPr rtlCol="0" anchor="ctr"/>
+          <a:lstStyle/>
+          <a:p>
+            <a:pPr algn="ctr"/>
+            <a:endParaRPr lang="en-US"/>
+          </a:p>
+        </p:txBody>
+      </p:sp>
+      <p:pic>
+        <p:nvPicPr>
+          <p:cNvPr id="3074" name="Picture 2" descr="alt_text">
+            <a:extLst>
+              <a:ext uri="{FF2B5EF4-FFF2-40B4-BE49-F238E27FC236}">
+                <a16:creationId xmlns:a16="http://schemas.microsoft.com/office/drawing/2014/main" id="{A95B3F70-D98F-A114-6682-04B884E467A9}"/>
+              </a:ext>
+            </a:extLst>
+          </p:cNvPr>
+          <p:cNvPicPr>
+            <a:picLocks noChangeAspect="1" noChangeArrowheads="1"/>
+          </p:cNvPicPr>
+          <p:nvPr/>
+        </p:nvPicPr>
+        <p:blipFill rotWithShape="1">
+          <a:blip r:embed="rId2">
+            <a:alphaModFix amt="50000"/>
+            <a:extLst>
+              <a:ext uri="{28A0092B-C50C-407E-A947-70E740481C1C}">
+                <a14:useLocalDpi xmlns:a14="http://schemas.microsoft.com/office/drawing/2010/main" val="0"/>
+              </a:ext>
+            </a:extLst>
+          </a:blip>
+          <a:srcRect/>
+          <a:stretch/>
+        </p:blipFill>
+        <p:spPr bwMode="auto">
+          <a:xfrm>
+            <a:off x="20" y="1"/>
+            <a:ext cx="12191980" cy="6857999"/>
+          </a:xfrm>
+          <a:prstGeom prst="rect">
+            <a:avLst/>
+          </a:prstGeom>
+          <a:noFill/>
+          <a:extLst>
+            <a:ext uri="{909E8E84-426E-40DD-AFC4-6F175D3DCCD1}">
+              <a14:hiddenFill xmlns:a14="http://schemas.microsoft.com/office/drawing/2010/main">
+                <a:solidFill>
+                  <a:srgbClr val="FFFFFF"/>
+                </a:solidFill>
+              </a14:hiddenFill>
+            </a:ext>
+          </a:extLst>
+        </p:spPr>
+      </p:pic>
+      <p:sp>
+        <p:nvSpPr>
+          <p:cNvPr id="2" name="Title 1">
+            <a:extLst>
+              <a:ext uri="{FF2B5EF4-FFF2-40B4-BE49-F238E27FC236}">
+                <a16:creationId xmlns:a16="http://schemas.microsoft.com/office/drawing/2014/main" id="{352A6970-2899-FEC1-FB5D-F055F61911E8}"/>
+              </a:ext>
+            </a:extLst>
+          </p:cNvPr>
+          <p:cNvSpPr>
+            <a:spLocks noGrp="1"/>
+          </p:cNvSpPr>
+          <p:nvPr>
+            <p:ph type="title"/>
+          </p:nvPr>
+        </p:nvSpPr>
+        <p:spPr>
+          <a:xfrm>
+            <a:off x="1524000" y="1122362"/>
+            <a:ext cx="9144000" cy="2900518"/>
+          </a:xfrm>
+        </p:spPr>
+        <p:txBody>
+          <a:bodyPr vert="horz" lIns="91440" tIns="45720" rIns="91440" bIns="45720" rtlCol="0" anchor="b">
+            <a:normAutofit/>
+          </a:bodyPr>
+          <a:lstStyle/>
+          <a:p>
+            <a:pPr algn="ctr"/>
+            <a:r>
+              <a:rPr lang="en-US" sz="6000">
+                <a:solidFill>
+                  <a:srgbClr val="FFFFFF"/>
+                </a:solidFill>
+              </a:rPr>
+              <a:t>Carbon and CO2eq</a:t>
+            </a:r>
+          </a:p>
+        </p:txBody>
+      </p:sp>
+    </p:spTree>
+    <p:extLst>
+      <p:ext uri="{BB962C8B-B14F-4D97-AF65-F5344CB8AC3E}">
+        <p14:creationId xmlns:p14="http://schemas.microsoft.com/office/powerpoint/2010/main" val="1418510385"/>
+      </p:ext>
+    </p:extLst>
+  </p:cSld>
+  <p:clrMapOvr>
+    <a:overrideClrMapping bg1="dk1" tx1="lt1" bg2="dk2" tx2="lt2" accent1="accent1" accent2="accent2" accent3="accent3" accent4="accent4" accent5="accent5" accent6="accent6" hlink="hlink" folHlink="folHlink"/>
+  </p:clrMapOvr>
+</p:sld>
+</file>
+
+<file path=ppt/slides/slide40.xml><?xml version="1.0" encoding="utf-8"?>
+<p:sld xmlns:a="http://schemas.openxmlformats.org/drawingml/2006/main" xmlns:r="http://schemas.openxmlformats.org/officeDocument/2006/relationships" xmlns:p="http://schemas.openxmlformats.org/presentationml/2006/main" showMasterSp="0">
+  <p:cSld>
+    <p:bg>
+      <p:bgPr>
+        <a:solidFill>
+          <a:srgbClr val="FFFFFF"/>
+        </a:solidFill>
+        <a:effectLst/>
+      </p:bgPr>
+    </p:bg>
+    <p:spTree>
+      <p:nvGrpSpPr>
+        <p:cNvPr id="1" name=""/>
+        <p:cNvGrpSpPr/>
+        <p:nvPr/>
+      </p:nvGrpSpPr>
+      <p:grpSpPr>
+        <a:xfrm>
+          <a:off x="0" y="0"/>
+          <a:ext cx="0" cy="0"/>
+          <a:chOff x="0" y="0"/>
+          <a:chExt cx="0" cy="0"/>
+        </a:xfrm>
+      </p:grpSpPr>
+      <p:pic>
+        <p:nvPicPr>
+          <p:cNvPr id="3" name="Picture 2">
+            <a:extLst>
+              <a:ext uri="{FF2B5EF4-FFF2-40B4-BE49-F238E27FC236}">
+                <a16:creationId xmlns:a16="http://schemas.microsoft.com/office/drawing/2014/main" id="{791DD90E-5C53-4C48-0B66-70314C7F9E7D}"/>
+              </a:ext>
+            </a:extLst>
+          </p:cNvPr>
+          <p:cNvPicPr>
+            <a:picLocks/>
+          </p:cNvPicPr>
+          <p:nvPr>
+            <p:custDataLst>
+              <p:tags r:id="rId2"/>
+            </p:custDataLst>
+          </p:nvPr>
+        </p:nvPicPr>
+        <p:blipFill>
+          <a:blip r:embed="rId7">
+            <a:extLst>
+              <a:ext uri="{28A0092B-C50C-407E-A947-70E740481C1C}">
+                <a14:useLocalDpi xmlns:a14="http://schemas.microsoft.com/office/drawing/2010/main" val="0"/>
+              </a:ext>
+            </a:extLst>
+          </a:blip>
+          <a:stretch>
+            <a:fillRect/>
+          </a:stretch>
+        </p:blipFill>
+        <p:spPr>
+          <a:xfrm>
+            <a:off x="3201670" y="508000"/>
+            <a:ext cx="1219200" cy="510126"/>
+          </a:xfrm>
+          <a:prstGeom prst="rect">
+            <a:avLst/>
+          </a:prstGeom>
+        </p:spPr>
+      </p:pic>
+      <p:pic>
+        <p:nvPicPr>
+          <p:cNvPr id="5" name="Picture 4">
+            <a:extLst>
+              <a:ext uri="{FF2B5EF4-FFF2-40B4-BE49-F238E27FC236}">
+                <a16:creationId xmlns:a16="http://schemas.microsoft.com/office/drawing/2014/main" id="{44EB4B40-C471-1228-2305-F4AEF23B14CF}"/>
+              </a:ext>
+            </a:extLst>
+          </p:cNvPr>
+          <p:cNvPicPr>
+            <a:picLocks/>
+          </p:cNvPicPr>
+          <p:nvPr>
+            <p:custDataLst>
+              <p:tags r:id="rId3"/>
+            </p:custDataLst>
+          </p:nvPr>
+        </p:nvPicPr>
+        <p:blipFill>
+          <a:blip r:embed="rId8">
+            <a:extLst>
+              <a:ext uri="{28A0092B-C50C-407E-A947-70E740481C1C}">
+                <a14:useLocalDpi xmlns:a14="http://schemas.microsoft.com/office/drawing/2010/main" val="0"/>
+              </a:ext>
+            </a:extLst>
+          </a:blip>
+          <a:stretch>
+            <a:fillRect/>
+          </a:stretch>
+        </p:blipFill>
+        <p:spPr>
+          <a:xfrm>
+            <a:off x="508000" y="2209800"/>
+            <a:ext cx="2438400" cy="2438400"/>
+          </a:xfrm>
+          <a:prstGeom prst="rect">
+            <a:avLst/>
+          </a:prstGeom>
+        </p:spPr>
+      </p:pic>
+      <p:sp>
+        <p:nvSpPr>
+          <p:cNvPr id="6" name="Rectangle 5">
+            <a:extLst>
+              <a:ext uri="{FF2B5EF4-FFF2-40B4-BE49-F238E27FC236}">
+                <a16:creationId xmlns:a16="http://schemas.microsoft.com/office/drawing/2014/main" id="{B53D3378-61D0-1091-B208-8F837440C63E}"/>
+              </a:ext>
+            </a:extLst>
+          </p:cNvPr>
+          <p:cNvSpPr/>
+          <p:nvPr>
+            <p:custDataLst>
+              <p:tags r:id="rId4"/>
+            </p:custDataLst>
+          </p:nvPr>
+        </p:nvSpPr>
+        <p:spPr>
+          <a:xfrm>
+            <a:off x="3200400" y="2571750"/>
+            <a:ext cx="8483600" cy="1714500"/>
+          </a:xfrm>
+          <a:prstGeom prst="rect">
+            <a:avLst/>
+          </a:prstGeom>
+          <a:noFill/>
+          <a:ln w="12700" cap="flat" cmpd="sng" algn="ctr">
+            <a:solidFill>
+              <a:srgbClr val="FFFFFF"/>
+            </a:solidFill>
+            <a:prstDash val="solid"/>
+            <a:miter lim="800000"/>
+          </a:ln>
+          <a:effectLst/>
+          <a:extLst>
+            <a:ext uri="{909E8E84-426E-40DD-AFC4-6F175D3DCCD1}">
+              <a14:hiddenFill xmlns:a14="http://schemas.microsoft.com/office/drawing/2010/main">
+                <a:solidFill>
+                  <a:schemeClr val="accent1"/>
+                </a:solidFill>
+              </a14:hiddenFill>
+            </a:ext>
+          </a:extLst>
+        </p:spPr>
+        <p:style>
+          <a:lnRef idx="2">
+            <a:schemeClr val="accent1">
+              <a:shade val="15000"/>
+            </a:schemeClr>
+          </a:lnRef>
+          <a:fillRef idx="1">
+            <a:schemeClr val="accent1"/>
+          </a:fillRef>
+          <a:effectRef idx="0">
+            <a:schemeClr val="accent1"/>
+          </a:effectRef>
+          <a:fontRef idx="minor">
+            <a:schemeClr val="lt1"/>
+          </a:fontRef>
+        </p:style>
+        <p:txBody>
+          <a:bodyPr rtlCol="0" anchor="ctr"/>
+          <a:lstStyle/>
+          <a:p>
+            <a:r>
+              <a:rPr lang="en-US" sz="3600" b="1">
+                <a:solidFill>
+                  <a:srgbClr val="5B5B5B"/>
+                </a:solidFill>
+              </a:rPr>
+              <a:t>What does ((E*I) + M) represent in the SCI equation?</a:t>
+            </a:r>
+            <a:endParaRPr lang="it-IT" sz="3600" b="1">
+              <a:solidFill>
+                <a:srgbClr val="5B5B5B"/>
+              </a:solidFill>
+            </a:endParaRPr>
+          </a:p>
+        </p:txBody>
+      </p:sp>
+      <p:sp>
+        <p:nvSpPr>
+          <p:cNvPr id="7" name="Rectangle 6">
+            <a:extLst>
+              <a:ext uri="{FF2B5EF4-FFF2-40B4-BE49-F238E27FC236}">
+                <a16:creationId xmlns:a16="http://schemas.microsoft.com/office/drawing/2014/main" id="{C07B7108-671C-D5CF-3437-5018423AA7D6}"/>
+              </a:ext>
+            </a:extLst>
+          </p:cNvPr>
+          <p:cNvSpPr/>
+          <p:nvPr>
+            <p:custDataLst>
+              <p:tags r:id="rId5"/>
+            </p:custDataLst>
+          </p:nvPr>
+        </p:nvSpPr>
+        <p:spPr>
+          <a:xfrm>
+            <a:off x="3200400" y="6096000"/>
+            <a:ext cx="8737600" cy="510125"/>
+          </a:xfrm>
+          <a:prstGeom prst="rect">
+            <a:avLst/>
+          </a:prstGeom>
+          <a:noFill/>
+          <a:ln w="12700" cap="flat" cmpd="sng" algn="ctr">
+            <a:noFill/>
+            <a:prstDash val="solid"/>
+            <a:miter lim="800000"/>
+          </a:ln>
+          <a:effectLst/>
+          <a:extLst>
+            <a:ext uri="{909E8E84-426E-40DD-AFC4-6F175D3DCCD1}">
+              <a14:hiddenFill xmlns:a14="http://schemas.microsoft.com/office/drawing/2010/main">
+                <a:solidFill>
+                  <a:schemeClr val="accent1"/>
+                </a:solidFill>
+              </a14:hiddenFill>
+            </a:ext>
+            <a:ext uri="{91240B29-F687-4F45-9708-019B960494DF}">
+              <a14:hiddenLine xmlns:a14="http://schemas.microsoft.com/office/drawing/2010/main" w="12700" cap="flat" cmpd="sng" algn="ctr">
+                <a:solidFill>
+                  <a:schemeClr val="accent1">
+                    <a:shade val="15000"/>
+                  </a:schemeClr>
+                </a:solidFill>
+                <a:prstDash val="solid"/>
+                <a:miter lim="800000"/>
+              </a14:hiddenLine>
+            </a:ext>
+          </a:extLst>
+        </p:spPr>
+        <p:style>
+          <a:lnRef idx="2">
+            <a:schemeClr val="accent1">
+              <a:shade val="15000"/>
+            </a:schemeClr>
+          </a:lnRef>
+          <a:fillRef idx="1">
+            <a:schemeClr val="accent1"/>
+          </a:fillRef>
+          <a:effectRef idx="0">
+            <a:schemeClr val="accent1"/>
+          </a:effectRef>
+          <a:fontRef idx="minor">
+            <a:schemeClr val="lt1"/>
+          </a:fontRef>
+        </p:style>
+        <p:txBody>
+          <a:bodyPr rtlCol="0" anchor="ctr"/>
+          <a:lstStyle/>
+          <a:p>
+            <a:r>
+              <a:rPr lang="en-US" sz="1300" b="1">
+                <a:solidFill>
+                  <a:srgbClr val="5B5B5B"/>
+                </a:solidFill>
+              </a:rPr>
+              <a:t>ⓘ</a:t>
+            </a:r>
+            <a:r>
+              <a:rPr lang="en-US" sz="1400">
+                <a:solidFill>
+                  <a:srgbClr val="5B5B5B"/>
+                </a:solidFill>
+              </a:rPr>
+              <a:t> Start presenting to display the poll results on this slide.</a:t>
+            </a:r>
+            <a:endParaRPr lang="it-IT" sz="1400">
+              <a:solidFill>
+                <a:srgbClr val="5B5B5B"/>
+              </a:solidFill>
+            </a:endParaRPr>
+          </a:p>
+        </p:txBody>
+      </p:sp>
+    </p:spTree>
+    <p:custDataLst>
+      <p:tags r:id="rId1"/>
+    </p:custDataLst>
+    <p:extLst>
+      <p:ext uri="{BB962C8B-B14F-4D97-AF65-F5344CB8AC3E}">
+        <p14:creationId xmlns:p14="http://schemas.microsoft.com/office/powerpoint/2010/main" val="2002803714"/>
+      </p:ext>
+    </p:extLst>
+  </p:cSld>
+  <p:clrMapOvr>
+    <a:masterClrMapping/>
+  </p:clrMapOvr>
+  <p:timing>
+    <p:tnLst>
+      <p:par>
+        <p:cTn id="1" dur="indefinite" restart="never" nodeType="tmRoot">
+          <p:childTnLst>
+            <p:seq concurrent="1" nextAc="seek">
+              <p:cTn id="2" dur="indefinite" nodeType="mainSeq">
+                <p:childTnLst>
+                  <p:par>
+                    <p:cTn id="3" fill="hold">
+                      <p:stCondLst>
+                        <p:cond delay="indefinite"/>
+                      </p:stCondLst>
+                      <p:childTnLst>
+                        <p:par>
+                          <p:cTn id="4" fill="hold">
+                            <p:stCondLst>
+                              <p:cond delay="0"/>
+                            </p:stCondLst>
+                            <p:childTnLst>
+                              <p:par>
+                                <p:cTn id="5" presetID="26" presetClass="emph" presetSubtype="0" fill="hold" grpId="0" nodeType="clickEffect">
+                                  <p:stCondLst>
+                                    <p:cond delay="0"/>
+                                  </p:stCondLst>
+                                  <p:childTnLst>
+                                    <p:animEffect transition="out" filter="fade">
+                                      <p:cBhvr>
+                                        <p:cTn id="6" dur="50" tmFilter="0, 0; .2, .5; .8, .5; 1, 0"/>
+                                        <p:tgtEl>
+                                          <p:spTgt spid="6"/>
+                                        </p:tgtEl>
+                                      </p:cBhvr>
+                                    </p:animEffect>
+                                    <p:animScale>
+                                      <p:cBhvr>
+                                        <p:cTn id="7" dur="25" autoRev="1" fill="hold"/>
+                                        <p:tgtEl>
+                                          <p:spTgt spid="6"/>
+                                        </p:tgtEl>
+                                      </p:cBhvr>
+                                      <p:by x="105000" y="105000"/>
+                                    </p:animScale>
+                                  </p:childTnLst>
+                                </p:cTn>
+                              </p:par>
+                            </p:childTnLst>
+                          </p:cTn>
+                        </p:par>
+                      </p:childTnLst>
+                    </p:cTn>
+                  </p:par>
+                  <p:par>
+                    <p:cTn id="8" fill="hold">
+                      <p:stCondLst>
+                        <p:cond delay="indefinite"/>
+                      </p:stCondLst>
+                      <p:childTnLst>
+                        <p:par>
+                          <p:cTn id="9" fill="hold">
+                            <p:stCondLst>
+                              <p:cond delay="0"/>
+                            </p:stCondLst>
+                            <p:childTnLst>
+                              <p:par>
+                                <p:cTn id="10" presetID="26" presetClass="emph" presetSubtype="0" fill="hold" grpId="1" nodeType="clickEffect">
+                                  <p:stCondLst>
+                                    <p:cond delay="0"/>
+                                  </p:stCondLst>
+                                  <p:childTnLst>
+                                    <p:animEffect transition="out" filter="fade">
+                                      <p:cBhvr>
+                                        <p:cTn id="11" dur="50" tmFilter="0, 0; .2, .5; .8, .5; 1, 0"/>
+                                        <p:tgtEl>
+                                          <p:spTgt spid="6"/>
+                                        </p:tgtEl>
+                                      </p:cBhvr>
+                                    </p:animEffect>
+                                    <p:animScale>
+                                      <p:cBhvr>
+                                        <p:cTn id="12" dur="25" autoRev="1" fill="hold"/>
+                                        <p:tgtEl>
+                                          <p:spTgt spid="6"/>
+                                        </p:tgtEl>
+                                      </p:cBhvr>
+                                      <p:by x="105000" y="105000"/>
+                                    </p:animScale>
+                                  </p:childTnLst>
+                                </p:cTn>
+                              </p:par>
+                            </p:childTnLst>
+                          </p:cTn>
+                        </p:par>
+                      </p:childTnLst>
+                    </p:cTn>
+                  </p:par>
+                  <p:par>
+                    <p:cTn id="13" fill="hold">
+                      <p:stCondLst>
+                        <p:cond delay="indefinite"/>
+                      </p:stCondLst>
+                      <p:childTnLst>
+                        <p:par>
+                          <p:cTn id="14" fill="hold">
+                            <p:stCondLst>
+                              <p:cond delay="0"/>
+                            </p:stCondLst>
+                            <p:childTnLst>
+                              <p:par>
+                                <p:cTn id="15" presetID="26" presetClass="emph" presetSubtype="0" fill="hold" grpId="2" nodeType="clickEffect">
+                                  <p:stCondLst>
+                                    <p:cond delay="0"/>
+                                  </p:stCondLst>
+                                  <p:childTnLst>
+                                    <p:animEffect transition="out" filter="fade">
+                                      <p:cBhvr>
+                                        <p:cTn id="16" dur="50" tmFilter="0, 0; .2, .5; .8, .5; 1, 0"/>
+                                        <p:tgtEl>
+                                          <p:spTgt spid="6"/>
+                                        </p:tgtEl>
+                                      </p:cBhvr>
+                                    </p:animEffect>
+                                    <p:animScale>
+                                      <p:cBhvr>
+                                        <p:cTn id="17" dur="25" autoRev="1" fill="hold"/>
+                                        <p:tgtEl>
+                                          <p:spTgt spid="6"/>
+                                        </p:tgtEl>
+                                      </p:cBhvr>
+                                      <p:by x="105000" y="105000"/>
+                                    </p:animScale>
+                                  </p:childTnLst>
+                                </p:cTn>
+                              </p:par>
+                            </p:childTnLst>
+                          </p:cTn>
+                        </p:par>
+                      </p:childTnLst>
+                    </p:cTn>
+                  </p:par>
+                  <p:par>
+                    <p:cTn id="18" fill="hold">
+                      <p:stCondLst>
+                        <p:cond delay="indefinite"/>
+                      </p:stCondLst>
+                      <p:childTnLst>
+                        <p:par>
+                          <p:cTn id="19" fill="hold">
+                            <p:stCondLst>
+                              <p:cond delay="0"/>
+                            </p:stCondLst>
+                            <p:childTnLst>
+                              <p:par>
+                                <p:cTn id="20" presetID="26" presetClass="emph" presetSubtype="0" fill="hold" grpId="3" nodeType="clickEffect">
+                                  <p:stCondLst>
+                                    <p:cond delay="0"/>
+                                  </p:stCondLst>
+                                  <p:childTnLst>
+                                    <p:animEffect transition="out" filter="fade">
+                                      <p:cBhvr>
+                                        <p:cTn id="21" dur="50" tmFilter="0, 0; .2, .5; .8, .5; 1, 0"/>
+                                        <p:tgtEl>
+                                          <p:spTgt spid="6"/>
+                                        </p:tgtEl>
+                                      </p:cBhvr>
+                                    </p:animEffect>
+                                    <p:animScale>
+                                      <p:cBhvr>
+                                        <p:cTn id="22" dur="25" autoRev="1" fill="hold"/>
+                                        <p:tgtEl>
+                                          <p:spTgt spid="6"/>
+                                        </p:tgtEl>
+                                      </p:cBhvr>
+                                      <p:by x="105000" y="105000"/>
+                                    </p:animScale>
+                                  </p:childTnLst>
+                                </p:cTn>
+                              </p:par>
+                            </p:childTnLst>
+                          </p:cTn>
+                        </p:par>
+                      </p:childTnLst>
+                    </p:cTn>
+                  </p:par>
+                </p:childTnLst>
+              </p:cTn>
+              <p:prevCondLst>
+                <p:cond evt="onPrev" delay="0">
+                  <p:tgtEl>
+                    <p:sldTgt/>
+                  </p:tgtEl>
+                </p:cond>
+              </p:prevCondLst>
+              <p:nextCondLst>
+                <p:cond evt="onNext" delay="0">
+                  <p:tgtEl>
+                    <p:sldTgt/>
+                  </p:tgtEl>
+                </p:cond>
+              </p:nextCondLst>
+            </p:seq>
+          </p:childTnLst>
+        </p:cTn>
+      </p:par>
+    </p:tnLst>
+    <p:bldLst>
+      <p:bldP spid="6" grpId="0" animBg="1"/>
+      <p:bldP spid="6" grpId="1" animBg="1"/>
+      <p:bldP spid="6" grpId="2" animBg="1"/>
+      <p:bldP spid="6" grpId="3" animBg="1"/>
+    </p:bldLst>
+  </p:timing>
+</p:sld>
+</file>
+
 <file path=ppt/slides/slide41.xml><?xml version="1.0" encoding="utf-8"?>
+<p:sld xmlns:a="http://schemas.openxmlformats.org/drawingml/2006/main" xmlns:r="http://schemas.openxmlformats.org/officeDocument/2006/relationships" xmlns:p="http://schemas.openxmlformats.org/presentationml/2006/main">
+  <p:cSld>
+    <p:spTree>
+      <p:nvGrpSpPr>
+        <p:cNvPr id="1" name=""/>
+        <p:cNvGrpSpPr/>
+        <p:nvPr/>
+      </p:nvGrpSpPr>
+      <p:grpSpPr>
+        <a:xfrm>
+          <a:off x="0" y="0"/>
+          <a:ext cx="0" cy="0"/>
+          <a:chOff x="0" y="0"/>
+          <a:chExt cx="0" cy="0"/>
+        </a:xfrm>
+      </p:grpSpPr>
+      <p:pic>
+        <p:nvPicPr>
+          <p:cNvPr id="1026" name="Picture 2" descr="alt_text">
+            <a:extLst>
+              <a:ext uri="{FF2B5EF4-FFF2-40B4-BE49-F238E27FC236}">
+                <a16:creationId xmlns:a16="http://schemas.microsoft.com/office/drawing/2014/main" id="{31E09092-503A-6CFD-AA7F-DA59150E2625}"/>
+              </a:ext>
+            </a:extLst>
+          </p:cNvPr>
+          <p:cNvPicPr>
+            <a:picLocks noGrp="1" noChangeAspect="1" noChangeArrowheads="1"/>
+          </p:cNvPicPr>
+          <p:nvPr>
+            <p:ph idx="1"/>
+          </p:nvPr>
+        </p:nvPicPr>
+        <p:blipFill rotWithShape="1">
+          <a:blip r:embed="rId2">
+            <a:extLst>
+              <a:ext uri="{28A0092B-C50C-407E-A947-70E740481C1C}">
+                <a14:useLocalDpi xmlns:a14="http://schemas.microsoft.com/office/drawing/2010/main" val="0"/>
+              </a:ext>
+            </a:extLst>
+          </a:blip>
+          <a:srcRect b="19"/>
+          <a:stretch/>
+        </p:blipFill>
+        <p:spPr bwMode="auto">
+          <a:xfrm>
+            <a:off x="20" y="1282"/>
+            <a:ext cx="12191980" cy="6856718"/>
+          </a:xfrm>
+          <a:prstGeom prst="rect">
+            <a:avLst/>
+          </a:prstGeom>
+          <a:noFill/>
+          <a:extLst>
+            <a:ext uri="{909E8E84-426E-40DD-AFC4-6F175D3DCCD1}">
+              <a14:hiddenFill xmlns:a14="http://schemas.microsoft.com/office/drawing/2010/main">
+                <a:solidFill>
+                  <a:srgbClr val="FFFFFF"/>
+                </a:solidFill>
+              </a14:hiddenFill>
+            </a:ext>
+          </a:extLst>
+        </p:spPr>
+      </p:pic>
+    </p:spTree>
+    <p:extLst>
+      <p:ext uri="{BB962C8B-B14F-4D97-AF65-F5344CB8AC3E}">
+        <p14:creationId xmlns:p14="http://schemas.microsoft.com/office/powerpoint/2010/main" val="2971917372"/>
+      </p:ext>
+    </p:extLst>
+  </p:cSld>
+  <p:clrMapOvr>
+    <a:masterClrMapping/>
+  </p:clrMapOvr>
+</p:sld>
+</file>
+
+<file path=ppt/slides/slide42.xml><?xml version="1.0" encoding="utf-8"?>
+<p:sld xmlns:a="http://schemas.openxmlformats.org/drawingml/2006/main" xmlns:r="http://schemas.openxmlformats.org/officeDocument/2006/relationships" xmlns:p="http://schemas.openxmlformats.org/presentationml/2006/main">
+  <p:cSld>
+    <p:spTree>
+      <p:nvGrpSpPr>
+        <p:cNvPr id="1" name=""/>
+        <p:cNvGrpSpPr/>
+        <p:nvPr/>
+      </p:nvGrpSpPr>
+      <p:grpSpPr>
+        <a:xfrm>
+          <a:off x="0" y="0"/>
+          <a:ext cx="0" cy="0"/>
+          <a:chOff x="0" y="0"/>
+          <a:chExt cx="0" cy="0"/>
+        </a:xfrm>
+      </p:grpSpPr>
+      <p:sp>
+        <p:nvSpPr>
+          <p:cNvPr id="4" name="Title 3">
+            <a:extLst>
+              <a:ext uri="{FF2B5EF4-FFF2-40B4-BE49-F238E27FC236}">
+                <a16:creationId xmlns:a16="http://schemas.microsoft.com/office/drawing/2014/main" id="{905BB4C4-9BC5-6F66-20C1-660B0F5924DB}"/>
+              </a:ext>
+            </a:extLst>
+          </p:cNvPr>
+          <p:cNvSpPr>
+            <a:spLocks noGrp="1"/>
+          </p:cNvSpPr>
+          <p:nvPr>
+            <p:ph type="ctrTitle"/>
+          </p:nvPr>
+        </p:nvSpPr>
+        <p:spPr/>
+        <p:txBody>
+          <a:bodyPr/>
+          <a:lstStyle/>
+          <a:p>
+            <a:r>
+              <a:rPr lang="it-IT" dirty="0"/>
+              <a:t>What’s Next</a:t>
+            </a:r>
+          </a:p>
+        </p:txBody>
+      </p:sp>
+      <p:sp>
+        <p:nvSpPr>
+          <p:cNvPr id="5" name="Subtitle 4">
+            <a:extLst>
+              <a:ext uri="{FF2B5EF4-FFF2-40B4-BE49-F238E27FC236}">
+                <a16:creationId xmlns:a16="http://schemas.microsoft.com/office/drawing/2014/main" id="{67A3A844-BDE8-FBBE-E901-4CA1988E71F8}"/>
+              </a:ext>
+            </a:extLst>
+          </p:cNvPr>
+          <p:cNvSpPr>
+            <a:spLocks noGrp="1"/>
+          </p:cNvSpPr>
+          <p:nvPr>
+            <p:ph type="subTitle" idx="1"/>
+          </p:nvPr>
+        </p:nvSpPr>
+        <p:spPr/>
+        <p:txBody>
+          <a:bodyPr/>
+          <a:lstStyle/>
+          <a:p>
+            <a:endParaRPr lang="it-IT"/>
+          </a:p>
+        </p:txBody>
+      </p:sp>
+    </p:spTree>
+    <p:extLst>
+      <p:ext uri="{BB962C8B-B14F-4D97-AF65-F5344CB8AC3E}">
+        <p14:creationId xmlns:p14="http://schemas.microsoft.com/office/powerpoint/2010/main" val="829832613"/>
+      </p:ext>
+    </p:extLst>
+  </p:cSld>
+  <p:clrMapOvr>
+    <a:masterClrMapping/>
+  </p:clrMapOvr>
+</p:sld>
+</file>
+
+<file path=ppt/slides/slide43.xml><?xml version="1.0" encoding="utf-8"?>
 <p:sld xmlns:a="http://schemas.openxmlformats.org/drawingml/2006/main" xmlns:r="http://schemas.openxmlformats.org/officeDocument/2006/relationships" xmlns:p="http://schemas.openxmlformats.org/presentationml/2006/main">
   <p:cSld>
     <p:spTree>
@@ -10007,7 +11513,7 @@
 </p:sld>
 </file>
 
-<file path=ppt/slides/slide42.xml><?xml version="1.0" encoding="utf-8"?>
+<file path=ppt/slides/slide44.xml><?xml version="1.0" encoding="utf-8"?>
 <p:sld xmlns:a="http://schemas.openxmlformats.org/drawingml/2006/main" xmlns:r="http://schemas.openxmlformats.org/officeDocument/2006/relationships" xmlns:p="http://schemas.openxmlformats.org/presentationml/2006/main">
   <p:cSld>
     <p:spTree>
@@ -10118,6 +11624,1287 @@
     <p:extLst>
       <p:ext uri="{BB962C8B-B14F-4D97-AF65-F5344CB8AC3E}">
         <p14:creationId xmlns:p14="http://schemas.microsoft.com/office/powerpoint/2010/main" val="652625983"/>
+      </p:ext>
+    </p:extLst>
+  </p:cSld>
+  <p:clrMapOvr>
+    <a:masterClrMapping/>
+  </p:clrMapOvr>
+</p:sld>
+</file>
+
+<file path=ppt/slides/slide45.xml><?xml version="1.0" encoding="utf-8"?>
+<p:sld xmlns:a="http://schemas.openxmlformats.org/drawingml/2006/main" xmlns:r="http://schemas.openxmlformats.org/officeDocument/2006/relationships" xmlns:p="http://schemas.openxmlformats.org/presentationml/2006/main">
+  <p:cSld>
+    <p:bg>
+      <p:bgPr>
+        <a:solidFill>
+          <a:schemeClr val="bg1"/>
+        </a:solidFill>
+        <a:effectLst/>
+      </p:bgPr>
+    </p:bg>
+    <p:spTree>
+      <p:nvGrpSpPr>
+        <p:cNvPr id="1" name=""/>
+        <p:cNvGrpSpPr/>
+        <p:nvPr/>
+      </p:nvGrpSpPr>
+      <p:grpSpPr>
+        <a:xfrm>
+          <a:off x="0" y="0"/>
+          <a:ext cx="0" cy="0"/>
+          <a:chOff x="0" y="0"/>
+          <a:chExt cx="0" cy="0"/>
+        </a:xfrm>
+      </p:grpSpPr>
+      <p:sp useBgFill="1">
+        <p:nvSpPr>
+          <p:cNvPr id="29" name="Rectangle 28">
+            <a:extLst>
+              <a:ext uri="{FF2B5EF4-FFF2-40B4-BE49-F238E27FC236}">
+                <a16:creationId xmlns:a16="http://schemas.microsoft.com/office/drawing/2014/main" id="{0A597D97-203B-498B-95D3-E90DC961039F}"/>
+              </a:ext>
+              <a:ext uri="{C183D7F6-B498-43B3-948B-1728B52AA6E4}">
+                <adec:decorative xmlns:adec="http://schemas.microsoft.com/office/drawing/2017/decorative" val="1"/>
+              </a:ext>
+            </a:extLst>
+          </p:cNvPr>
+          <p:cNvSpPr>
+            <a:spLocks noGrp="1" noRot="1" noChangeAspect="1" noMove="1" noResize="1" noEditPoints="1" noAdjustHandles="1" noChangeArrowheads="1" noChangeShapeType="1" noTextEdit="1"/>
+          </p:cNvSpPr>
+          <p:nvPr>
+            <p:extLst>
+              <p:ext uri="{386F3935-93C4-4BCD-93E2-E3B085C9AB24}">
+                <p16:designElem xmlns:p16="http://schemas.microsoft.com/office/powerpoint/2015/main" val="1"/>
+              </p:ext>
+            </p:extLst>
+          </p:nvPr>
+        </p:nvSpPr>
+        <p:spPr>
+          <a:xfrm>
+            <a:off x="0" y="0"/>
+            <a:ext cx="12188952" cy="6858000"/>
+          </a:xfrm>
+          <a:prstGeom prst="rect">
+            <a:avLst/>
+          </a:prstGeom>
+          <a:ln>
+            <a:noFill/>
+          </a:ln>
+        </p:spPr>
+        <p:style>
+          <a:lnRef idx="2">
+            <a:schemeClr val="accent1">
+              <a:shade val="50000"/>
+            </a:schemeClr>
+          </a:lnRef>
+          <a:fillRef idx="1">
+            <a:schemeClr val="accent1"/>
+          </a:fillRef>
+          <a:effectRef idx="0">
+            <a:schemeClr val="accent1"/>
+          </a:effectRef>
+          <a:fontRef idx="minor">
+            <a:schemeClr val="lt1"/>
+          </a:fontRef>
+        </p:style>
+        <p:txBody>
+          <a:bodyPr rtlCol="0" anchor="ctr"/>
+          <a:lstStyle/>
+          <a:p>
+            <a:pPr algn="ctr"/>
+            <a:endParaRPr lang="en-US"/>
+          </a:p>
+        </p:txBody>
+      </p:sp>
+      <p:pic>
+        <p:nvPicPr>
+          <p:cNvPr id="6" name="Picture 5" descr="A blue background with white text&#10;&#10;Description automatically generated">
+            <a:extLst>
+              <a:ext uri="{FF2B5EF4-FFF2-40B4-BE49-F238E27FC236}">
+                <a16:creationId xmlns:a16="http://schemas.microsoft.com/office/drawing/2014/main" id="{009BF048-BB26-8B1D-6334-B051510863D8}"/>
+              </a:ext>
+            </a:extLst>
+          </p:cNvPr>
+          <p:cNvPicPr>
+            <a:picLocks noChangeAspect="1"/>
+          </p:cNvPicPr>
+          <p:nvPr/>
+        </p:nvPicPr>
+        <p:blipFill rotWithShape="1">
+          <a:blip r:embed="rId2">
+            <a:extLst>
+              <a:ext uri="{28A0092B-C50C-407E-A947-70E740481C1C}">
+                <a14:useLocalDpi xmlns:a14="http://schemas.microsoft.com/office/drawing/2010/main" val="0"/>
+              </a:ext>
+            </a:extLst>
+          </a:blip>
+          <a:srcRect t="7492" b="16611"/>
+          <a:stretch/>
+        </p:blipFill>
+        <p:spPr>
+          <a:xfrm>
+            <a:off x="4267201" y="10"/>
+            <a:ext cx="7924800" cy="3383270"/>
+          </a:xfrm>
+          <a:prstGeom prst="rect">
+            <a:avLst/>
+          </a:prstGeom>
+        </p:spPr>
+      </p:pic>
+      <p:pic>
+        <p:nvPicPr>
+          <p:cNvPr id="4" name="Picture 3" descr="A purple and white background with white text&#10;&#10;Description automatically generated">
+            <a:extLst>
+              <a:ext uri="{FF2B5EF4-FFF2-40B4-BE49-F238E27FC236}">
+                <a16:creationId xmlns:a16="http://schemas.microsoft.com/office/drawing/2014/main" id="{82400F7E-EC26-B740-2CEA-7AF8C7F726E4}"/>
+              </a:ext>
+            </a:extLst>
+          </p:cNvPr>
+          <p:cNvPicPr>
+            <a:picLocks noChangeAspect="1"/>
+          </p:cNvPicPr>
+          <p:nvPr/>
+        </p:nvPicPr>
+        <p:blipFill rotWithShape="1">
+          <a:blip r:embed="rId3">
+            <a:extLst>
+              <a:ext uri="{28A0092B-C50C-407E-A947-70E740481C1C}">
+                <a14:useLocalDpi xmlns:a14="http://schemas.microsoft.com/office/drawing/2010/main" val="0"/>
+              </a:ext>
+            </a:extLst>
+          </a:blip>
+          <a:srcRect r="2" b="20398"/>
+          <a:stretch/>
+        </p:blipFill>
+        <p:spPr>
+          <a:xfrm>
+            <a:off x="4650916" y="3474720"/>
+            <a:ext cx="7555832" cy="3383280"/>
+          </a:xfrm>
+          <a:prstGeom prst="rect">
+            <a:avLst/>
+          </a:prstGeom>
+        </p:spPr>
+      </p:pic>
+      <p:sp useBgFill="1">
+        <p:nvSpPr>
+          <p:cNvPr id="31" name="Freeform: Shape 30">
+            <a:extLst>
+              <a:ext uri="{FF2B5EF4-FFF2-40B4-BE49-F238E27FC236}">
+                <a16:creationId xmlns:a16="http://schemas.microsoft.com/office/drawing/2014/main" id="{6A6EF10E-DF41-4BD3-8EB4-6F646531DC26}"/>
+              </a:ext>
+              <a:ext uri="{C183D7F6-B498-43B3-948B-1728B52AA6E4}">
+                <adec:decorative xmlns:adec="http://schemas.microsoft.com/office/drawing/2017/decorative" val="1"/>
+              </a:ext>
+            </a:extLst>
+          </p:cNvPr>
+          <p:cNvSpPr>
+            <a:spLocks noGrp="1" noRot="1" noChangeAspect="1" noMove="1" noResize="1" noEditPoints="1" noAdjustHandles="1" noChangeArrowheads="1" noChangeShapeType="1" noTextEdit="1"/>
+          </p:cNvSpPr>
+          <p:nvPr>
+            <p:extLst>
+              <p:ext uri="{386F3935-93C4-4BCD-93E2-E3B085C9AB24}">
+                <p16:designElem xmlns:p16="http://schemas.microsoft.com/office/powerpoint/2015/main" val="1"/>
+              </p:ext>
+            </p:extLst>
+          </p:nvPr>
+        </p:nvSpPr>
+        <p:spPr>
+          <a:xfrm>
+            <a:off x="0" y="0"/>
+            <a:ext cx="6244272" cy="6858000"/>
+          </a:xfrm>
+          <a:custGeom>
+            <a:avLst/>
+            <a:gdLst>
+              <a:gd name="connsiteX0" fmla="*/ 0 w 6244272"/>
+              <a:gd name="connsiteY0" fmla="*/ 0 h 6858000"/>
+              <a:gd name="connsiteX1" fmla="*/ 732568 w 6244272"/>
+              <a:gd name="connsiteY1" fmla="*/ 0 h 6858000"/>
+              <a:gd name="connsiteX2" fmla="*/ 947849 w 6244272"/>
+              <a:gd name="connsiteY2" fmla="*/ 0 h 6858000"/>
+              <a:gd name="connsiteX3" fmla="*/ 1823619 w 6244272"/>
+              <a:gd name="connsiteY3" fmla="*/ 0 h 6858000"/>
+              <a:gd name="connsiteX4" fmla="*/ 5235673 w 6244272"/>
+              <a:gd name="connsiteY4" fmla="*/ 0 h 6858000"/>
+              <a:gd name="connsiteX5" fmla="*/ 4933297 w 6244272"/>
+              <a:gd name="connsiteY5" fmla="*/ 110269 h 6858000"/>
+              <a:gd name="connsiteX6" fmla="*/ 4976910 w 6244272"/>
+              <a:gd name="connsiteY6" fmla="*/ 135168 h 6858000"/>
+              <a:gd name="connsiteX7" fmla="*/ 5238580 w 6244272"/>
+              <a:gd name="connsiteY7" fmla="*/ 71141 h 6858000"/>
+              <a:gd name="connsiteX8" fmla="*/ 5290914 w 6244272"/>
+              <a:gd name="connsiteY8" fmla="*/ 88927 h 6858000"/>
+              <a:gd name="connsiteX9" fmla="*/ 5264747 w 6244272"/>
+              <a:gd name="connsiteY9" fmla="*/ 163625 h 6858000"/>
+              <a:gd name="connsiteX10" fmla="*/ 5151357 w 6244272"/>
+              <a:gd name="connsiteY10" fmla="*/ 192082 h 6858000"/>
+              <a:gd name="connsiteX11" fmla="*/ 4974002 w 6244272"/>
+              <a:gd name="connsiteY11" fmla="*/ 373491 h 6858000"/>
+              <a:gd name="connsiteX12" fmla="*/ 5241488 w 6244272"/>
+              <a:gd name="connsiteY12" fmla="*/ 352148 h 6858000"/>
+              <a:gd name="connsiteX13" fmla="*/ 5288007 w 6244272"/>
+              <a:gd name="connsiteY13" fmla="*/ 394834 h 6858000"/>
+              <a:gd name="connsiteX14" fmla="*/ 5305452 w 6244272"/>
+              <a:gd name="connsiteY14" fmla="*/ 451747 h 6858000"/>
+              <a:gd name="connsiteX15" fmla="*/ 5383953 w 6244272"/>
+              <a:gd name="connsiteY15" fmla="*/ 359262 h 6858000"/>
+              <a:gd name="connsiteX16" fmla="*/ 5450825 w 6244272"/>
+              <a:gd name="connsiteY16" fmla="*/ 334364 h 6858000"/>
+              <a:gd name="connsiteX17" fmla="*/ 5471177 w 6244272"/>
+              <a:gd name="connsiteY17" fmla="*/ 416176 h 6858000"/>
+              <a:gd name="connsiteX18" fmla="*/ 5410121 w 6244272"/>
+              <a:gd name="connsiteY18" fmla="*/ 505101 h 6858000"/>
+              <a:gd name="connsiteX19" fmla="*/ 5247303 w 6244272"/>
+              <a:gd name="connsiteY19" fmla="*/ 558458 h 6858000"/>
+              <a:gd name="connsiteX20" fmla="*/ 5421750 w 6244272"/>
+              <a:gd name="connsiteY20" fmla="*/ 558458 h 6858000"/>
+              <a:gd name="connsiteX21" fmla="*/ 5622364 w 6244272"/>
+              <a:gd name="connsiteY21" fmla="*/ 522887 h 6858000"/>
+              <a:gd name="connsiteX22" fmla="*/ 5834608 w 6244272"/>
+              <a:gd name="connsiteY22" fmla="*/ 533558 h 6858000"/>
+              <a:gd name="connsiteX23" fmla="*/ 6035223 w 6244272"/>
+              <a:gd name="connsiteY23" fmla="*/ 462417 h 6858000"/>
+              <a:gd name="connsiteX24" fmla="*/ 6238745 w 6244272"/>
+              <a:gd name="connsiteY24" fmla="*/ 465975 h 6858000"/>
+              <a:gd name="connsiteX25" fmla="*/ 5337434 w 6244272"/>
+              <a:gd name="connsiteY25" fmla="*/ 910606 h 6858000"/>
+              <a:gd name="connsiteX26" fmla="*/ 5381046 w 6244272"/>
+              <a:gd name="connsiteY26" fmla="*/ 921277 h 6858000"/>
+              <a:gd name="connsiteX27" fmla="*/ 5439195 w 6244272"/>
+              <a:gd name="connsiteY27" fmla="*/ 949734 h 6858000"/>
+              <a:gd name="connsiteX28" fmla="*/ 5395583 w 6244272"/>
+              <a:gd name="connsiteY28" fmla="*/ 1006647 h 6858000"/>
+              <a:gd name="connsiteX29" fmla="*/ 5160079 w 6244272"/>
+              <a:gd name="connsiteY29" fmla="*/ 1113358 h 6858000"/>
+              <a:gd name="connsiteX30" fmla="*/ 5101930 w 6244272"/>
+              <a:gd name="connsiteY30" fmla="*/ 1220069 h 6858000"/>
+              <a:gd name="connsiteX31" fmla="*/ 5174617 w 6244272"/>
+              <a:gd name="connsiteY31" fmla="*/ 1209399 h 6858000"/>
+              <a:gd name="connsiteX32" fmla="*/ 5238580 w 6244272"/>
+              <a:gd name="connsiteY32" fmla="*/ 1230741 h 6858000"/>
+              <a:gd name="connsiteX33" fmla="*/ 5212414 w 6244272"/>
+              <a:gd name="connsiteY33" fmla="*/ 1365909 h 6858000"/>
+              <a:gd name="connsiteX34" fmla="*/ 4878056 w 6244272"/>
+              <a:gd name="connsiteY34" fmla="*/ 1540204 h 6858000"/>
+              <a:gd name="connsiteX35" fmla="*/ 4848982 w 6244272"/>
+              <a:gd name="connsiteY35" fmla="*/ 1597117 h 6858000"/>
+              <a:gd name="connsiteX36" fmla="*/ 4889686 w 6244272"/>
+              <a:gd name="connsiteY36" fmla="*/ 1636245 h 6858000"/>
+              <a:gd name="connsiteX37" fmla="*/ 4997261 w 6244272"/>
+              <a:gd name="connsiteY37" fmla="*/ 1657587 h 6858000"/>
+              <a:gd name="connsiteX38" fmla="*/ 4846074 w 6244272"/>
+              <a:gd name="connsiteY38" fmla="*/ 1849668 h 6858000"/>
+              <a:gd name="connsiteX39" fmla="*/ 4790832 w 6244272"/>
+              <a:gd name="connsiteY39" fmla="*/ 1903025 h 6858000"/>
+              <a:gd name="connsiteX40" fmla="*/ 4694886 w 6244272"/>
+              <a:gd name="connsiteY40" fmla="*/ 1984836 h 6858000"/>
+              <a:gd name="connsiteX41" fmla="*/ 4694886 w 6244272"/>
+              <a:gd name="connsiteY41" fmla="*/ 2013292 h 6858000"/>
+              <a:gd name="connsiteX42" fmla="*/ 4822814 w 6244272"/>
+              <a:gd name="connsiteY42" fmla="*/ 2102219 h 6858000"/>
+              <a:gd name="connsiteX43" fmla="*/ 5055411 w 6244272"/>
+              <a:gd name="connsiteY43" fmla="*/ 2077320 h 6858000"/>
+              <a:gd name="connsiteX44" fmla="*/ 4712331 w 6244272"/>
+              <a:gd name="connsiteY44" fmla="*/ 2208931 h 6858000"/>
+              <a:gd name="connsiteX45" fmla="*/ 5822979 w 6244272"/>
+              <a:gd name="connsiteY45" fmla="*/ 1892353 h 6858000"/>
+              <a:gd name="connsiteX46" fmla="*/ 5753200 w 6244272"/>
+              <a:gd name="connsiteY46" fmla="*/ 1974165 h 6858000"/>
+              <a:gd name="connsiteX47" fmla="*/ 5363601 w 6244272"/>
+              <a:gd name="connsiteY47" fmla="*/ 2191146 h 6858000"/>
+              <a:gd name="connsiteX48" fmla="*/ 5253118 w 6244272"/>
+              <a:gd name="connsiteY48" fmla="*/ 2326314 h 6858000"/>
+              <a:gd name="connsiteX49" fmla="*/ 5136819 w 6244272"/>
+              <a:gd name="connsiteY49" fmla="*/ 2401012 h 6858000"/>
+              <a:gd name="connsiteX50" fmla="*/ 4974002 w 6244272"/>
+              <a:gd name="connsiteY50" fmla="*/ 2401012 h 6858000"/>
+              <a:gd name="connsiteX51" fmla="*/ 4857704 w 6244272"/>
+              <a:gd name="connsiteY51" fmla="*/ 2518395 h 6858000"/>
+              <a:gd name="connsiteX52" fmla="*/ 4976910 w 6244272"/>
+              <a:gd name="connsiteY52" fmla="*/ 2543294 h 6858000"/>
+              <a:gd name="connsiteX53" fmla="*/ 5116467 w 6244272"/>
+              <a:gd name="connsiteY53" fmla="*/ 2525509 h 6858000"/>
+              <a:gd name="connsiteX54" fmla="*/ 5273470 w 6244272"/>
+              <a:gd name="connsiteY54" fmla="*/ 2564636 h 6858000"/>
+              <a:gd name="connsiteX55" fmla="*/ 5418843 w 6244272"/>
+              <a:gd name="connsiteY55" fmla="*/ 2532623 h 6858000"/>
+              <a:gd name="connsiteX56" fmla="*/ 5593290 w 6244272"/>
+              <a:gd name="connsiteY56" fmla="*/ 2553965 h 6858000"/>
+              <a:gd name="connsiteX57" fmla="*/ 5648532 w 6244272"/>
+              <a:gd name="connsiteY57" fmla="*/ 2692689 h 6858000"/>
+              <a:gd name="connsiteX58" fmla="*/ 5665976 w 6244272"/>
+              <a:gd name="connsiteY58" fmla="*/ 2703362 h 6858000"/>
+              <a:gd name="connsiteX59" fmla="*/ 5988704 w 6244272"/>
+              <a:gd name="connsiteY59" fmla="*/ 2923898 h 6858000"/>
+              <a:gd name="connsiteX60" fmla="*/ 6078835 w 6244272"/>
+              <a:gd name="connsiteY60" fmla="*/ 2941684 h 6858000"/>
+              <a:gd name="connsiteX61" fmla="*/ 5546771 w 6244272"/>
+              <a:gd name="connsiteY61" fmla="*/ 3329402 h 6858000"/>
+              <a:gd name="connsiteX62" fmla="*/ 5904388 w 6244272"/>
+              <a:gd name="connsiteY62" fmla="*/ 3229805 h 6858000"/>
+              <a:gd name="connsiteX63" fmla="*/ 5953814 w 6244272"/>
+              <a:gd name="connsiteY63" fmla="*/ 3393429 h 6858000"/>
+              <a:gd name="connsiteX64" fmla="*/ 5785182 w 6244272"/>
+              <a:gd name="connsiteY64" fmla="*/ 3539269 h 6858000"/>
+              <a:gd name="connsiteX65" fmla="*/ 5724125 w 6244272"/>
+              <a:gd name="connsiteY65" fmla="*/ 3827390 h 6858000"/>
+              <a:gd name="connsiteX66" fmla="*/ 5753200 w 6244272"/>
+              <a:gd name="connsiteY66" fmla="*/ 4090612 h 6858000"/>
+              <a:gd name="connsiteX67" fmla="*/ 5825886 w 6244272"/>
+              <a:gd name="connsiteY67" fmla="*/ 4172424 h 6858000"/>
+              <a:gd name="connsiteX68" fmla="*/ 5930554 w 6244272"/>
+              <a:gd name="connsiteY68" fmla="*/ 4321821 h 6858000"/>
+              <a:gd name="connsiteX69" fmla="*/ 5994519 w 6244272"/>
+              <a:gd name="connsiteY69" fmla="*/ 4414305 h 6858000"/>
+              <a:gd name="connsiteX70" fmla="*/ 6218393 w 6244272"/>
+              <a:gd name="connsiteY70" fmla="*/ 4378734 h 6858000"/>
+              <a:gd name="connsiteX71" fmla="*/ 5918925 w 6244272"/>
+              <a:gd name="connsiteY71" fmla="*/ 4613499 h 6858000"/>
+              <a:gd name="connsiteX72" fmla="*/ 6160243 w 6244272"/>
+              <a:gd name="connsiteY72" fmla="*/ 4585042 h 6858000"/>
+              <a:gd name="connsiteX73" fmla="*/ 6238745 w 6244272"/>
+              <a:gd name="connsiteY73" fmla="*/ 4602828 h 6858000"/>
+              <a:gd name="connsiteX74" fmla="*/ 6195133 w 6244272"/>
+              <a:gd name="connsiteY74" fmla="*/ 4677526 h 6858000"/>
+              <a:gd name="connsiteX75" fmla="*/ 6017778 w 6244272"/>
+              <a:gd name="connsiteY75" fmla="*/ 4805580 h 6858000"/>
+              <a:gd name="connsiteX76" fmla="*/ 5651439 w 6244272"/>
+              <a:gd name="connsiteY76" fmla="*/ 5154171 h 6858000"/>
+              <a:gd name="connsiteX77" fmla="*/ 6006149 w 6244272"/>
+              <a:gd name="connsiteY77" fmla="*/ 4994104 h 6858000"/>
+              <a:gd name="connsiteX78" fmla="*/ 5633994 w 6244272"/>
+              <a:gd name="connsiteY78" fmla="*/ 5353367 h 6858000"/>
+              <a:gd name="connsiteX79" fmla="*/ 5552586 w 6244272"/>
+              <a:gd name="connsiteY79" fmla="*/ 5474306 h 6858000"/>
+              <a:gd name="connsiteX80" fmla="*/ 5383953 w 6244272"/>
+              <a:gd name="connsiteY80" fmla="*/ 5769542 h 6858000"/>
+              <a:gd name="connsiteX81" fmla="*/ 5392675 w 6244272"/>
+              <a:gd name="connsiteY81" fmla="*/ 5801555 h 6858000"/>
+              <a:gd name="connsiteX82" fmla="*/ 5584568 w 6244272"/>
+              <a:gd name="connsiteY82" fmla="*/ 5755314 h 6858000"/>
+              <a:gd name="connsiteX83" fmla="*/ 5334526 w 6244272"/>
+              <a:gd name="connsiteY83" fmla="*/ 6004307 h 6858000"/>
+              <a:gd name="connsiteX84" fmla="*/ 5075763 w 6244272"/>
+              <a:gd name="connsiteY84" fmla="*/ 6196388 h 6858000"/>
+              <a:gd name="connsiteX85" fmla="*/ 5258933 w 6244272"/>
+              <a:gd name="connsiteY85" fmla="*/ 6167932 h 6858000"/>
+              <a:gd name="connsiteX86" fmla="*/ 5511881 w 6244272"/>
+              <a:gd name="connsiteY86" fmla="*/ 6057663 h 6858000"/>
+              <a:gd name="connsiteX87" fmla="*/ 5599105 w 6244272"/>
+              <a:gd name="connsiteY87" fmla="*/ 6100347 h 6858000"/>
+              <a:gd name="connsiteX88" fmla="*/ 5360693 w 6244272"/>
+              <a:gd name="connsiteY88" fmla="*/ 6281757 h 6858000"/>
+              <a:gd name="connsiteX89" fmla="*/ 5224043 w 6244272"/>
+              <a:gd name="connsiteY89" fmla="*/ 6367127 h 6858000"/>
+              <a:gd name="connsiteX90" fmla="*/ 5168801 w 6244272"/>
+              <a:gd name="connsiteY90" fmla="*/ 6431153 h 6858000"/>
+              <a:gd name="connsiteX91" fmla="*/ 5011799 w 6244272"/>
+              <a:gd name="connsiteY91" fmla="*/ 6658805 h 6858000"/>
+              <a:gd name="connsiteX92" fmla="*/ 4651275 w 6244272"/>
+              <a:gd name="connsiteY92" fmla="*/ 6858000 h 6858000"/>
+              <a:gd name="connsiteX93" fmla="*/ 1823619 w 6244272"/>
+              <a:gd name="connsiteY93" fmla="*/ 6858000 h 6858000"/>
+              <a:gd name="connsiteX94" fmla="*/ 947849 w 6244272"/>
+              <a:gd name="connsiteY94" fmla="*/ 6858000 h 6858000"/>
+              <a:gd name="connsiteX95" fmla="*/ 732568 w 6244272"/>
+              <a:gd name="connsiteY95" fmla="*/ 6858000 h 6858000"/>
+              <a:gd name="connsiteX96" fmla="*/ 0 w 6244272"/>
+              <a:gd name="connsiteY96" fmla="*/ 6858000 h 6858000"/>
+            </a:gdLst>
+            <a:ahLst/>
+            <a:cxnLst>
+              <a:cxn ang="0">
+                <a:pos x="connsiteX0" y="connsiteY0"/>
+              </a:cxn>
+              <a:cxn ang="0">
+                <a:pos x="connsiteX1" y="connsiteY1"/>
+              </a:cxn>
+              <a:cxn ang="0">
+                <a:pos x="connsiteX2" y="connsiteY2"/>
+              </a:cxn>
+              <a:cxn ang="0">
+                <a:pos x="connsiteX3" y="connsiteY3"/>
+              </a:cxn>
+              <a:cxn ang="0">
+                <a:pos x="connsiteX4" y="connsiteY4"/>
+              </a:cxn>
+              <a:cxn ang="0">
+                <a:pos x="connsiteX5" y="connsiteY5"/>
+              </a:cxn>
+              <a:cxn ang="0">
+                <a:pos x="connsiteX6" y="connsiteY6"/>
+              </a:cxn>
+              <a:cxn ang="0">
+                <a:pos x="connsiteX7" y="connsiteY7"/>
+              </a:cxn>
+              <a:cxn ang="0">
+                <a:pos x="connsiteX8" y="connsiteY8"/>
+              </a:cxn>
+              <a:cxn ang="0">
+                <a:pos x="connsiteX9" y="connsiteY9"/>
+              </a:cxn>
+              <a:cxn ang="0">
+                <a:pos x="connsiteX10" y="connsiteY10"/>
+              </a:cxn>
+              <a:cxn ang="0">
+                <a:pos x="connsiteX11" y="connsiteY11"/>
+              </a:cxn>
+              <a:cxn ang="0">
+                <a:pos x="connsiteX12" y="connsiteY12"/>
+              </a:cxn>
+              <a:cxn ang="0">
+                <a:pos x="connsiteX13" y="connsiteY13"/>
+              </a:cxn>
+              <a:cxn ang="0">
+                <a:pos x="connsiteX14" y="connsiteY14"/>
+              </a:cxn>
+              <a:cxn ang="0">
+                <a:pos x="connsiteX15" y="connsiteY15"/>
+              </a:cxn>
+              <a:cxn ang="0">
+                <a:pos x="connsiteX16" y="connsiteY16"/>
+              </a:cxn>
+              <a:cxn ang="0">
+                <a:pos x="connsiteX17" y="connsiteY17"/>
+              </a:cxn>
+              <a:cxn ang="0">
+                <a:pos x="connsiteX18" y="connsiteY18"/>
+              </a:cxn>
+              <a:cxn ang="0">
+                <a:pos x="connsiteX19" y="connsiteY19"/>
+              </a:cxn>
+              <a:cxn ang="0">
+                <a:pos x="connsiteX20" y="connsiteY20"/>
+              </a:cxn>
+              <a:cxn ang="0">
+                <a:pos x="connsiteX21" y="connsiteY21"/>
+              </a:cxn>
+              <a:cxn ang="0">
+                <a:pos x="connsiteX22" y="connsiteY22"/>
+              </a:cxn>
+              <a:cxn ang="0">
+                <a:pos x="connsiteX23" y="connsiteY23"/>
+              </a:cxn>
+              <a:cxn ang="0">
+                <a:pos x="connsiteX24" y="connsiteY24"/>
+              </a:cxn>
+              <a:cxn ang="0">
+                <a:pos x="connsiteX25" y="connsiteY25"/>
+              </a:cxn>
+              <a:cxn ang="0">
+                <a:pos x="connsiteX26" y="connsiteY26"/>
+              </a:cxn>
+              <a:cxn ang="0">
+                <a:pos x="connsiteX27" y="connsiteY27"/>
+              </a:cxn>
+              <a:cxn ang="0">
+                <a:pos x="connsiteX28" y="connsiteY28"/>
+              </a:cxn>
+              <a:cxn ang="0">
+                <a:pos x="connsiteX29" y="connsiteY29"/>
+              </a:cxn>
+              <a:cxn ang="0">
+                <a:pos x="connsiteX30" y="connsiteY30"/>
+              </a:cxn>
+              <a:cxn ang="0">
+                <a:pos x="connsiteX31" y="connsiteY31"/>
+              </a:cxn>
+              <a:cxn ang="0">
+                <a:pos x="connsiteX32" y="connsiteY32"/>
+              </a:cxn>
+              <a:cxn ang="0">
+                <a:pos x="connsiteX33" y="connsiteY33"/>
+              </a:cxn>
+              <a:cxn ang="0">
+                <a:pos x="connsiteX34" y="connsiteY34"/>
+              </a:cxn>
+              <a:cxn ang="0">
+                <a:pos x="connsiteX35" y="connsiteY35"/>
+              </a:cxn>
+              <a:cxn ang="0">
+                <a:pos x="connsiteX36" y="connsiteY36"/>
+              </a:cxn>
+              <a:cxn ang="0">
+                <a:pos x="connsiteX37" y="connsiteY37"/>
+              </a:cxn>
+              <a:cxn ang="0">
+                <a:pos x="connsiteX38" y="connsiteY38"/>
+              </a:cxn>
+              <a:cxn ang="0">
+                <a:pos x="connsiteX39" y="connsiteY39"/>
+              </a:cxn>
+              <a:cxn ang="0">
+                <a:pos x="connsiteX40" y="connsiteY40"/>
+              </a:cxn>
+              <a:cxn ang="0">
+                <a:pos x="connsiteX41" y="connsiteY41"/>
+              </a:cxn>
+              <a:cxn ang="0">
+                <a:pos x="connsiteX42" y="connsiteY42"/>
+              </a:cxn>
+              <a:cxn ang="0">
+                <a:pos x="connsiteX43" y="connsiteY43"/>
+              </a:cxn>
+              <a:cxn ang="0">
+                <a:pos x="connsiteX44" y="connsiteY44"/>
+              </a:cxn>
+              <a:cxn ang="0">
+                <a:pos x="connsiteX45" y="connsiteY45"/>
+              </a:cxn>
+              <a:cxn ang="0">
+                <a:pos x="connsiteX46" y="connsiteY46"/>
+              </a:cxn>
+              <a:cxn ang="0">
+                <a:pos x="connsiteX47" y="connsiteY47"/>
+              </a:cxn>
+              <a:cxn ang="0">
+                <a:pos x="connsiteX48" y="connsiteY48"/>
+              </a:cxn>
+              <a:cxn ang="0">
+                <a:pos x="connsiteX49" y="connsiteY49"/>
+              </a:cxn>
+              <a:cxn ang="0">
+                <a:pos x="connsiteX50" y="connsiteY50"/>
+              </a:cxn>
+              <a:cxn ang="0">
+                <a:pos x="connsiteX51" y="connsiteY51"/>
+              </a:cxn>
+              <a:cxn ang="0">
+                <a:pos x="connsiteX52" y="connsiteY52"/>
+              </a:cxn>
+              <a:cxn ang="0">
+                <a:pos x="connsiteX53" y="connsiteY53"/>
+              </a:cxn>
+              <a:cxn ang="0">
+                <a:pos x="connsiteX54" y="connsiteY54"/>
+              </a:cxn>
+              <a:cxn ang="0">
+                <a:pos x="connsiteX55" y="connsiteY55"/>
+              </a:cxn>
+              <a:cxn ang="0">
+                <a:pos x="connsiteX56" y="connsiteY56"/>
+              </a:cxn>
+              <a:cxn ang="0">
+                <a:pos x="connsiteX57" y="connsiteY57"/>
+              </a:cxn>
+              <a:cxn ang="0">
+                <a:pos x="connsiteX58" y="connsiteY58"/>
+              </a:cxn>
+              <a:cxn ang="0">
+                <a:pos x="connsiteX59" y="connsiteY59"/>
+              </a:cxn>
+              <a:cxn ang="0">
+                <a:pos x="connsiteX60" y="connsiteY60"/>
+              </a:cxn>
+              <a:cxn ang="0">
+                <a:pos x="connsiteX61" y="connsiteY61"/>
+              </a:cxn>
+              <a:cxn ang="0">
+                <a:pos x="connsiteX62" y="connsiteY62"/>
+              </a:cxn>
+              <a:cxn ang="0">
+                <a:pos x="connsiteX63" y="connsiteY63"/>
+              </a:cxn>
+              <a:cxn ang="0">
+                <a:pos x="connsiteX64" y="connsiteY64"/>
+              </a:cxn>
+              <a:cxn ang="0">
+                <a:pos x="connsiteX65" y="connsiteY65"/>
+              </a:cxn>
+              <a:cxn ang="0">
+                <a:pos x="connsiteX66" y="connsiteY66"/>
+              </a:cxn>
+              <a:cxn ang="0">
+                <a:pos x="connsiteX67" y="connsiteY67"/>
+              </a:cxn>
+              <a:cxn ang="0">
+                <a:pos x="connsiteX68" y="connsiteY68"/>
+              </a:cxn>
+              <a:cxn ang="0">
+                <a:pos x="connsiteX69" y="connsiteY69"/>
+              </a:cxn>
+              <a:cxn ang="0">
+                <a:pos x="connsiteX70" y="connsiteY70"/>
+              </a:cxn>
+              <a:cxn ang="0">
+                <a:pos x="connsiteX71" y="connsiteY71"/>
+              </a:cxn>
+              <a:cxn ang="0">
+                <a:pos x="connsiteX72" y="connsiteY72"/>
+              </a:cxn>
+              <a:cxn ang="0">
+                <a:pos x="connsiteX73" y="connsiteY73"/>
+              </a:cxn>
+              <a:cxn ang="0">
+                <a:pos x="connsiteX74" y="connsiteY74"/>
+              </a:cxn>
+              <a:cxn ang="0">
+                <a:pos x="connsiteX75" y="connsiteY75"/>
+              </a:cxn>
+              <a:cxn ang="0">
+                <a:pos x="connsiteX76" y="connsiteY76"/>
+              </a:cxn>
+              <a:cxn ang="0">
+                <a:pos x="connsiteX77" y="connsiteY77"/>
+              </a:cxn>
+              <a:cxn ang="0">
+                <a:pos x="connsiteX78" y="connsiteY78"/>
+              </a:cxn>
+              <a:cxn ang="0">
+                <a:pos x="connsiteX79" y="connsiteY79"/>
+              </a:cxn>
+              <a:cxn ang="0">
+                <a:pos x="connsiteX80" y="connsiteY80"/>
+              </a:cxn>
+              <a:cxn ang="0">
+                <a:pos x="connsiteX81" y="connsiteY81"/>
+              </a:cxn>
+              <a:cxn ang="0">
+                <a:pos x="connsiteX82" y="connsiteY82"/>
+              </a:cxn>
+              <a:cxn ang="0">
+                <a:pos x="connsiteX83" y="connsiteY83"/>
+              </a:cxn>
+              <a:cxn ang="0">
+                <a:pos x="connsiteX84" y="connsiteY84"/>
+              </a:cxn>
+              <a:cxn ang="0">
+                <a:pos x="connsiteX85" y="connsiteY85"/>
+              </a:cxn>
+              <a:cxn ang="0">
+                <a:pos x="connsiteX86" y="connsiteY86"/>
+              </a:cxn>
+              <a:cxn ang="0">
+                <a:pos x="connsiteX87" y="connsiteY87"/>
+              </a:cxn>
+              <a:cxn ang="0">
+                <a:pos x="connsiteX88" y="connsiteY88"/>
+              </a:cxn>
+              <a:cxn ang="0">
+                <a:pos x="connsiteX89" y="connsiteY89"/>
+              </a:cxn>
+              <a:cxn ang="0">
+                <a:pos x="connsiteX90" y="connsiteY90"/>
+              </a:cxn>
+              <a:cxn ang="0">
+                <a:pos x="connsiteX91" y="connsiteY91"/>
+              </a:cxn>
+              <a:cxn ang="0">
+                <a:pos x="connsiteX92" y="connsiteY92"/>
+              </a:cxn>
+              <a:cxn ang="0">
+                <a:pos x="connsiteX93" y="connsiteY93"/>
+              </a:cxn>
+              <a:cxn ang="0">
+                <a:pos x="connsiteX94" y="connsiteY94"/>
+              </a:cxn>
+              <a:cxn ang="0">
+                <a:pos x="connsiteX95" y="connsiteY95"/>
+              </a:cxn>
+              <a:cxn ang="0">
+                <a:pos x="connsiteX96" y="connsiteY96"/>
+              </a:cxn>
+            </a:cxnLst>
+            <a:rect l="l" t="t" r="r" b="b"/>
+            <a:pathLst>
+              <a:path w="6244272" h="6858000">
+                <a:moveTo>
+                  <a:pt x="0" y="0"/>
+                </a:moveTo>
+                <a:lnTo>
+                  <a:pt x="732568" y="0"/>
+                </a:lnTo>
+                <a:lnTo>
+                  <a:pt x="947849" y="0"/>
+                </a:lnTo>
+                <a:lnTo>
+                  <a:pt x="1823619" y="0"/>
+                </a:lnTo>
+                <a:lnTo>
+                  <a:pt x="5235673" y="0"/>
+                </a:lnTo>
+                <a:cubicBezTo>
+                  <a:pt x="5133912" y="35571"/>
+                  <a:pt x="5035058" y="78255"/>
+                  <a:pt x="4933297" y="110269"/>
+                </a:cubicBezTo>
+                <a:cubicBezTo>
+                  <a:pt x="4947835" y="145839"/>
+                  <a:pt x="4962372" y="138725"/>
+                  <a:pt x="4976910" y="135168"/>
+                </a:cubicBezTo>
+                <a:cubicBezTo>
+                  <a:pt x="5064133" y="120941"/>
+                  <a:pt x="5154264" y="110269"/>
+                  <a:pt x="5238580" y="71141"/>
+                </a:cubicBezTo>
+                <a:cubicBezTo>
+                  <a:pt x="5258933" y="64027"/>
+                  <a:pt x="5282192" y="64027"/>
+                  <a:pt x="5290914" y="88927"/>
+                </a:cubicBezTo>
+                <a:cubicBezTo>
+                  <a:pt x="5305452" y="124497"/>
+                  <a:pt x="5285100" y="145839"/>
+                  <a:pt x="5264747" y="163625"/>
+                </a:cubicBezTo>
+                <a:cubicBezTo>
+                  <a:pt x="5229858" y="195638"/>
+                  <a:pt x="5189154" y="188525"/>
+                  <a:pt x="5151357" y="192082"/>
+                </a:cubicBezTo>
+                <a:cubicBezTo>
+                  <a:pt x="5046689" y="209867"/>
+                  <a:pt x="4997261" y="259665"/>
+                  <a:pt x="4974002" y="373491"/>
+                </a:cubicBezTo>
+                <a:cubicBezTo>
+                  <a:pt x="5064133" y="327250"/>
+                  <a:pt x="5154264" y="384162"/>
+                  <a:pt x="5241488" y="352148"/>
+                </a:cubicBezTo>
+                <a:cubicBezTo>
+                  <a:pt x="5264747" y="345034"/>
+                  <a:pt x="5299637" y="355706"/>
+                  <a:pt x="5288007" y="394834"/>
+                </a:cubicBezTo>
+                <a:cubicBezTo>
+                  <a:pt x="5276378" y="430405"/>
+                  <a:pt x="5238580" y="458860"/>
+                  <a:pt x="5305452" y="451747"/>
+                </a:cubicBezTo>
+                <a:cubicBezTo>
+                  <a:pt x="5354879" y="448189"/>
+                  <a:pt x="5369416" y="405504"/>
+                  <a:pt x="5383953" y="359262"/>
+                </a:cubicBezTo>
+                <a:cubicBezTo>
+                  <a:pt x="5395583" y="334364"/>
+                  <a:pt x="5427565" y="320135"/>
+                  <a:pt x="5450825" y="334364"/>
+                </a:cubicBezTo>
+                <a:cubicBezTo>
+                  <a:pt x="5479899" y="348592"/>
+                  <a:pt x="5471177" y="387720"/>
+                  <a:pt x="5471177" y="416176"/>
+                </a:cubicBezTo>
+                <a:cubicBezTo>
+                  <a:pt x="5474085" y="469532"/>
+                  <a:pt x="5450825" y="494431"/>
+                  <a:pt x="5410121" y="505101"/>
+                </a:cubicBezTo>
+                <a:cubicBezTo>
+                  <a:pt x="5360693" y="519330"/>
+                  <a:pt x="5311267" y="537116"/>
+                  <a:pt x="5247303" y="558458"/>
+                </a:cubicBezTo>
+                <a:cubicBezTo>
+                  <a:pt x="5317082" y="594028"/>
+                  <a:pt x="5369416" y="586915"/>
+                  <a:pt x="5421750" y="558458"/>
+                </a:cubicBezTo>
+                <a:cubicBezTo>
+                  <a:pt x="5485714" y="526444"/>
+                  <a:pt x="5570030" y="483759"/>
+                  <a:pt x="5622364" y="522887"/>
+                </a:cubicBezTo>
+                <a:cubicBezTo>
+                  <a:pt x="5700865" y="579800"/>
+                  <a:pt x="5764829" y="544229"/>
+                  <a:pt x="5834608" y="533558"/>
+                </a:cubicBezTo>
+                <a:cubicBezTo>
+                  <a:pt x="5979982" y="512216"/>
+                  <a:pt x="5889850" y="480203"/>
+                  <a:pt x="6035223" y="462417"/>
+                </a:cubicBezTo>
+                <a:cubicBezTo>
+                  <a:pt x="6093372" y="455303"/>
+                  <a:pt x="6154429" y="426847"/>
+                  <a:pt x="6238745" y="465975"/>
+                </a:cubicBezTo>
+                <a:cubicBezTo>
+                  <a:pt x="5857868" y="672284"/>
+                  <a:pt x="5677606" y="658055"/>
+                  <a:pt x="5337434" y="910606"/>
+                </a:cubicBezTo>
+                <a:cubicBezTo>
+                  <a:pt x="5351971" y="935506"/>
+                  <a:pt x="5366508" y="924835"/>
+                  <a:pt x="5381046" y="921277"/>
+                </a:cubicBezTo>
+                <a:cubicBezTo>
+                  <a:pt x="5404305" y="917720"/>
+                  <a:pt x="5433380" y="903491"/>
+                  <a:pt x="5439195" y="949734"/>
+                </a:cubicBezTo>
+                <a:cubicBezTo>
+                  <a:pt x="5442103" y="985305"/>
+                  <a:pt x="5424657" y="1003089"/>
+                  <a:pt x="5395583" y="1006647"/>
+                </a:cubicBezTo>
+                <a:cubicBezTo>
+                  <a:pt x="5311267" y="1020875"/>
+                  <a:pt x="5235673" y="1070674"/>
+                  <a:pt x="5160079" y="1113358"/>
+                </a:cubicBezTo>
+                <a:cubicBezTo>
+                  <a:pt x="5125190" y="1131144"/>
+                  <a:pt x="5087393" y="1156043"/>
+                  <a:pt x="5101930" y="1220069"/>
+                </a:cubicBezTo>
+                <a:cubicBezTo>
+                  <a:pt x="5131004" y="1237855"/>
+                  <a:pt x="5151357" y="1212955"/>
+                  <a:pt x="5174617" y="1209399"/>
+                </a:cubicBezTo>
+                <a:cubicBezTo>
+                  <a:pt x="5197876" y="1205842"/>
+                  <a:pt x="5253118" y="1220069"/>
+                  <a:pt x="5238580" y="1230741"/>
+                </a:cubicBezTo>
+                <a:cubicBezTo>
+                  <a:pt x="5171709" y="1269868"/>
+                  <a:pt x="5293822" y="1365909"/>
+                  <a:pt x="5212414" y="1365909"/>
+                </a:cubicBezTo>
+                <a:cubicBezTo>
+                  <a:pt x="5078671" y="1365909"/>
+                  <a:pt x="5005984" y="1536647"/>
+                  <a:pt x="4878056" y="1540204"/>
+                </a:cubicBezTo>
+                <a:cubicBezTo>
+                  <a:pt x="4857704" y="1540204"/>
+                  <a:pt x="4848982" y="1572219"/>
+                  <a:pt x="4848982" y="1597117"/>
+                </a:cubicBezTo>
+                <a:cubicBezTo>
+                  <a:pt x="4848982" y="1629132"/>
+                  <a:pt x="4869333" y="1632688"/>
+                  <a:pt x="4889686" y="1636245"/>
+                </a:cubicBezTo>
+                <a:cubicBezTo>
+                  <a:pt x="4921668" y="1639802"/>
+                  <a:pt x="4956557" y="1597117"/>
+                  <a:pt x="4997261" y="1657587"/>
+                </a:cubicBezTo>
+                <a:cubicBezTo>
+                  <a:pt x="4921668" y="1693158"/>
+                  <a:pt x="4843167" y="1728729"/>
+                  <a:pt x="4846074" y="1849668"/>
+                </a:cubicBezTo>
+                <a:cubicBezTo>
+                  <a:pt x="4846074" y="1881683"/>
+                  <a:pt x="4814092" y="1895910"/>
+                  <a:pt x="4790832" y="1903025"/>
+                </a:cubicBezTo>
+                <a:cubicBezTo>
+                  <a:pt x="4750128" y="1917252"/>
+                  <a:pt x="4718146" y="1938595"/>
+                  <a:pt x="4694886" y="1984836"/>
+                </a:cubicBezTo>
+                <a:cubicBezTo>
+                  <a:pt x="4694886" y="1995507"/>
+                  <a:pt x="4694886" y="2002622"/>
+                  <a:pt x="4694886" y="2013292"/>
+                </a:cubicBezTo>
+                <a:cubicBezTo>
+                  <a:pt x="4700701" y="2123562"/>
+                  <a:pt x="4758850" y="2120004"/>
+                  <a:pt x="4822814" y="2102219"/>
+                </a:cubicBezTo>
+                <a:cubicBezTo>
+                  <a:pt x="4898408" y="2080877"/>
+                  <a:pt x="4974002" y="2038192"/>
+                  <a:pt x="5055411" y="2077320"/>
+                </a:cubicBezTo>
+                <a:cubicBezTo>
+                  <a:pt x="4942020" y="2130676"/>
+                  <a:pt x="4817000" y="2134233"/>
+                  <a:pt x="4712331" y="2208931"/>
+                </a:cubicBezTo>
+                <a:cubicBezTo>
+                  <a:pt x="5101930" y="2223159"/>
+                  <a:pt x="5445010" y="1984836"/>
+                  <a:pt x="5822979" y="1892353"/>
+                </a:cubicBezTo>
+                <a:cubicBezTo>
+                  <a:pt x="5811349" y="1952823"/>
+                  <a:pt x="5779367" y="1967051"/>
+                  <a:pt x="5753200" y="1974165"/>
+                </a:cubicBezTo>
+                <a:cubicBezTo>
+                  <a:pt x="5613642" y="2020407"/>
+                  <a:pt x="5491529" y="2112891"/>
+                  <a:pt x="5363601" y="2191146"/>
+                </a:cubicBezTo>
+                <a:cubicBezTo>
+                  <a:pt x="5311267" y="2223159"/>
+                  <a:pt x="5273470" y="2258731"/>
+                  <a:pt x="5253118" y="2326314"/>
+                </a:cubicBezTo>
+                <a:cubicBezTo>
+                  <a:pt x="5235673" y="2390340"/>
+                  <a:pt x="5200783" y="2418796"/>
+                  <a:pt x="5136819" y="2401012"/>
+                </a:cubicBezTo>
+                <a:cubicBezTo>
+                  <a:pt x="5084485" y="2386784"/>
+                  <a:pt x="5029243" y="2393898"/>
+                  <a:pt x="4974002" y="2401012"/>
+                </a:cubicBezTo>
+                <a:cubicBezTo>
+                  <a:pt x="4912946" y="2408126"/>
+                  <a:pt x="4843167" y="2479267"/>
+                  <a:pt x="4857704" y="2518395"/>
+                </a:cubicBezTo>
+                <a:cubicBezTo>
+                  <a:pt x="4886778" y="2582422"/>
+                  <a:pt x="4936205" y="2550408"/>
+                  <a:pt x="4976910" y="2543294"/>
+                </a:cubicBezTo>
+                <a:cubicBezTo>
+                  <a:pt x="5026336" y="2536181"/>
+                  <a:pt x="5116467" y="2518395"/>
+                  <a:pt x="5116467" y="2525509"/>
+                </a:cubicBezTo>
+                <a:cubicBezTo>
+                  <a:pt x="5148450" y="2685576"/>
+                  <a:pt x="5221136" y="2564636"/>
+                  <a:pt x="5273470" y="2564636"/>
+                </a:cubicBezTo>
+                <a:cubicBezTo>
+                  <a:pt x="5322897" y="2564636"/>
+                  <a:pt x="5372323" y="2546851"/>
+                  <a:pt x="5418843" y="2532623"/>
+                </a:cubicBezTo>
+                <a:cubicBezTo>
+                  <a:pt x="5479899" y="2514837"/>
+                  <a:pt x="5535140" y="2546851"/>
+                  <a:pt x="5593290" y="2553965"/>
+                </a:cubicBezTo>
+                <a:cubicBezTo>
+                  <a:pt x="5645624" y="2561080"/>
+                  <a:pt x="5616550" y="2653563"/>
+                  <a:pt x="5648532" y="2692689"/>
+                </a:cubicBezTo>
+                <a:cubicBezTo>
+                  <a:pt x="5654346" y="2703362"/>
+                  <a:pt x="5660161" y="2703362"/>
+                  <a:pt x="5665976" y="2703362"/>
+                </a:cubicBezTo>
+                <a:cubicBezTo>
+                  <a:pt x="5683421" y="2980812"/>
+                  <a:pt x="5988704" y="2913227"/>
+                  <a:pt x="5988704" y="2923898"/>
+                </a:cubicBezTo>
+                <a:cubicBezTo>
+                  <a:pt x="6014871" y="2941684"/>
+                  <a:pt x="6046853" y="2899000"/>
+                  <a:pt x="6078835" y="2941684"/>
+                </a:cubicBezTo>
+                <a:cubicBezTo>
+                  <a:pt x="5942185" y="3137322"/>
+                  <a:pt x="5732847" y="3183563"/>
+                  <a:pt x="5546771" y="3329402"/>
+                </a:cubicBezTo>
+                <a:cubicBezTo>
+                  <a:pt x="5700865" y="3379202"/>
+                  <a:pt x="5790997" y="3208463"/>
+                  <a:pt x="5904388" y="3229805"/>
+                </a:cubicBezTo>
+                <a:cubicBezTo>
+                  <a:pt x="5959629" y="3283162"/>
+                  <a:pt x="5793904" y="3368530"/>
+                  <a:pt x="5953814" y="3393429"/>
+                </a:cubicBezTo>
+                <a:cubicBezTo>
+                  <a:pt x="5884036" y="3439672"/>
+                  <a:pt x="5834608" y="3485914"/>
+                  <a:pt x="5785182" y="3539269"/>
+                </a:cubicBezTo>
+                <a:cubicBezTo>
+                  <a:pt x="5700865" y="3635309"/>
+                  <a:pt x="5683421" y="3699337"/>
+                  <a:pt x="5724125" y="3827390"/>
+                </a:cubicBezTo>
+                <a:cubicBezTo>
+                  <a:pt x="5750293" y="3912759"/>
+                  <a:pt x="5788089" y="3991015"/>
+                  <a:pt x="5753200" y="4090612"/>
+                </a:cubicBezTo>
+                <a:cubicBezTo>
+                  <a:pt x="5729940" y="4158196"/>
+                  <a:pt x="5738663" y="4204438"/>
+                  <a:pt x="5825886" y="4172424"/>
+                </a:cubicBezTo>
+                <a:cubicBezTo>
+                  <a:pt x="5918925" y="4140411"/>
+                  <a:pt x="5953814" y="4200882"/>
+                  <a:pt x="5930554" y="4321821"/>
+                </a:cubicBezTo>
+                <a:cubicBezTo>
+                  <a:pt x="5916018" y="4400076"/>
+                  <a:pt x="5930554" y="4424975"/>
+                  <a:pt x="5994519" y="4414305"/>
+                </a:cubicBezTo>
+                <a:cubicBezTo>
+                  <a:pt x="6064297" y="4403633"/>
+                  <a:pt x="6131169" y="4353835"/>
+                  <a:pt x="6218393" y="4378734"/>
+                </a:cubicBezTo>
+                <a:cubicBezTo>
+                  <a:pt x="6148614" y="4521016"/>
+                  <a:pt x="6000333" y="4478331"/>
+                  <a:pt x="5918925" y="4613499"/>
+                </a:cubicBezTo>
+                <a:cubicBezTo>
+                  <a:pt x="6014871" y="4613499"/>
+                  <a:pt x="6090465" y="4613499"/>
+                  <a:pt x="6160243" y="4585042"/>
+                </a:cubicBezTo>
+                <a:cubicBezTo>
+                  <a:pt x="6189318" y="4574373"/>
+                  <a:pt x="6221300" y="4560144"/>
+                  <a:pt x="6238745" y="4602828"/>
+                </a:cubicBezTo>
+                <a:cubicBezTo>
+                  <a:pt x="6259098" y="4652628"/>
+                  <a:pt x="6218393" y="4670412"/>
+                  <a:pt x="6195133" y="4677526"/>
+                </a:cubicBezTo>
+                <a:cubicBezTo>
+                  <a:pt x="6128261" y="4702425"/>
+                  <a:pt x="6075928" y="4759339"/>
+                  <a:pt x="6017778" y="4805580"/>
+                </a:cubicBezTo>
+                <a:cubicBezTo>
+                  <a:pt x="5892758" y="4905177"/>
+                  <a:pt x="5756107" y="4990547"/>
+                  <a:pt x="5651439" y="5154171"/>
+                </a:cubicBezTo>
+                <a:cubicBezTo>
+                  <a:pt x="5782275" y="5111487"/>
+                  <a:pt x="5881128" y="5011889"/>
+                  <a:pt x="6006149" y="4994104"/>
+                </a:cubicBezTo>
+                <a:cubicBezTo>
+                  <a:pt x="5898572" y="5143500"/>
+                  <a:pt x="5761922" y="5243097"/>
+                  <a:pt x="5633994" y="5353367"/>
+                </a:cubicBezTo>
+                <a:cubicBezTo>
+                  <a:pt x="5596197" y="5385379"/>
+                  <a:pt x="5558400" y="5406721"/>
+                  <a:pt x="5552586" y="5474306"/>
+                </a:cubicBezTo>
+                <a:cubicBezTo>
+                  <a:pt x="5535140" y="5605917"/>
+                  <a:pt x="5488622" y="5712629"/>
+                  <a:pt x="5383953" y="5769542"/>
+                </a:cubicBezTo>
+                <a:cubicBezTo>
+                  <a:pt x="5383953" y="5769542"/>
+                  <a:pt x="5389768" y="5790884"/>
+                  <a:pt x="5392675" y="5801555"/>
+                </a:cubicBezTo>
+                <a:cubicBezTo>
+                  <a:pt x="5456640" y="5805112"/>
+                  <a:pt x="5506066" y="5726858"/>
+                  <a:pt x="5584568" y="5755314"/>
+                </a:cubicBezTo>
+                <a:cubicBezTo>
+                  <a:pt x="5506066" y="5862025"/>
+                  <a:pt x="5442103" y="5954508"/>
+                  <a:pt x="5334526" y="6004307"/>
+                </a:cubicBezTo>
+                <a:cubicBezTo>
+                  <a:pt x="5247303" y="6043434"/>
+                  <a:pt x="5139727" y="6068335"/>
+                  <a:pt x="5075763" y="6196388"/>
+                </a:cubicBezTo>
+                <a:cubicBezTo>
+                  <a:pt x="5148450" y="6221287"/>
+                  <a:pt x="5203691" y="6189274"/>
+                  <a:pt x="5258933" y="6167932"/>
+                </a:cubicBezTo>
+                <a:cubicBezTo>
+                  <a:pt x="5343249" y="6132361"/>
+                  <a:pt x="5427565" y="6093234"/>
+                  <a:pt x="5511881" y="6057663"/>
+                </a:cubicBezTo>
+                <a:cubicBezTo>
+                  <a:pt x="5543864" y="6043434"/>
+                  <a:pt x="5578753" y="6036320"/>
+                  <a:pt x="5599105" y="6100347"/>
+                </a:cubicBezTo>
+                <a:cubicBezTo>
+                  <a:pt x="5491529" y="6114575"/>
+                  <a:pt x="5427565" y="6199945"/>
+                  <a:pt x="5360693" y="6281757"/>
+                </a:cubicBezTo>
+                <a:cubicBezTo>
+                  <a:pt x="5322897" y="6327999"/>
+                  <a:pt x="5290914" y="6388469"/>
+                  <a:pt x="5224043" y="6367127"/>
+                </a:cubicBezTo>
+                <a:cubicBezTo>
+                  <a:pt x="5189154" y="6356456"/>
+                  <a:pt x="5165894" y="6388469"/>
+                  <a:pt x="5168801" y="6431153"/>
+                </a:cubicBezTo>
+                <a:cubicBezTo>
+                  <a:pt x="5183339" y="6580550"/>
+                  <a:pt x="5099022" y="6630349"/>
+                  <a:pt x="5011799" y="6658805"/>
+                </a:cubicBezTo>
+                <a:cubicBezTo>
+                  <a:pt x="4883871" y="6701489"/>
+                  <a:pt x="4770480" y="6786859"/>
+                  <a:pt x="4651275" y="6858000"/>
+                </a:cubicBezTo>
+                <a:lnTo>
+                  <a:pt x="1823619" y="6858000"/>
+                </a:lnTo>
+                <a:lnTo>
+                  <a:pt x="947849" y="6858000"/>
+                </a:lnTo>
+                <a:lnTo>
+                  <a:pt x="732568" y="6858000"/>
+                </a:lnTo>
+                <a:lnTo>
+                  <a:pt x="0" y="6858000"/>
+                </a:lnTo>
+                <a:close/>
+              </a:path>
+            </a:pathLst>
+          </a:custGeom>
+          <a:ln>
+            <a:noFill/>
+          </a:ln>
+        </p:spPr>
+        <p:style>
+          <a:lnRef idx="2">
+            <a:schemeClr val="accent1">
+              <a:shade val="50000"/>
+            </a:schemeClr>
+          </a:lnRef>
+          <a:fillRef idx="1">
+            <a:schemeClr val="accent1"/>
+          </a:fillRef>
+          <a:effectRef idx="0">
+            <a:schemeClr val="accent1"/>
+          </a:effectRef>
+          <a:fontRef idx="minor">
+            <a:schemeClr val="lt1"/>
+          </a:fontRef>
+        </p:style>
+        <p:txBody>
+          <a:bodyPr wrap="square" rtlCol="0" anchor="ctr">
+            <a:noAutofit/>
+          </a:bodyPr>
+          <a:lstStyle/>
+          <a:p>
+            <a:pPr algn="ctr"/>
+            <a:endParaRPr lang="en-US"/>
+          </a:p>
+        </p:txBody>
+      </p:sp>
+      <p:sp>
+        <p:nvSpPr>
+          <p:cNvPr id="2" name="Title 1">
+            <a:extLst>
+              <a:ext uri="{FF2B5EF4-FFF2-40B4-BE49-F238E27FC236}">
+                <a16:creationId xmlns:a16="http://schemas.microsoft.com/office/drawing/2014/main" id="{552C4BDF-3793-81A1-FD66-FA22A3901777}"/>
+              </a:ext>
+            </a:extLst>
+          </p:cNvPr>
+          <p:cNvSpPr>
+            <a:spLocks noGrp="1"/>
+          </p:cNvSpPr>
+          <p:nvPr>
+            <p:ph type="ctrTitle"/>
+          </p:nvPr>
+        </p:nvSpPr>
+        <p:spPr>
+          <a:xfrm>
+            <a:off x="643468" y="609600"/>
+            <a:ext cx="4170270" cy="3877197"/>
+          </a:xfrm>
+        </p:spPr>
+        <p:txBody>
+          <a:bodyPr>
+            <a:normAutofit/>
+          </a:bodyPr>
+          <a:lstStyle/>
+          <a:p>
+            <a:pPr algn="l"/>
+            <a:r>
+              <a:rPr lang="it-IT" sz="4400" dirty="0"/>
+              <a:t>Green must be convenient</a:t>
+            </a:r>
+          </a:p>
+        </p:txBody>
+      </p:sp>
+      <p:sp>
+        <p:nvSpPr>
+          <p:cNvPr id="8" name="Subtitle 2">
+            <a:extLst>
+              <a:ext uri="{FF2B5EF4-FFF2-40B4-BE49-F238E27FC236}">
+                <a16:creationId xmlns:a16="http://schemas.microsoft.com/office/drawing/2014/main" id="{E9A8217F-F551-89C7-9848-96A6FA3C957A}"/>
+              </a:ext>
+            </a:extLst>
+          </p:cNvPr>
+          <p:cNvSpPr>
+            <a:spLocks noGrp="1"/>
+          </p:cNvSpPr>
+          <p:nvPr>
+            <p:ph type="subTitle" idx="1"/>
+          </p:nvPr>
+        </p:nvSpPr>
+        <p:spPr>
+          <a:xfrm>
+            <a:off x="643467" y="4638783"/>
+            <a:ext cx="4979567" cy="1343972"/>
+          </a:xfrm>
+        </p:spPr>
+        <p:txBody>
+          <a:bodyPr tIns="0" bIns="0">
+            <a:normAutofit/>
+          </a:bodyPr>
+          <a:lstStyle/>
+          <a:p>
+            <a:pPr algn="l"/>
+            <a:r>
+              <a:rPr lang="en-US" b="1" i="0" cap="none" spc="-150" dirty="0">
+                <a:effectLst/>
+                <a:latin typeface="Noto Sans" panose="020B0502040504020204" pitchFamily="34" charset="0"/>
+              </a:rPr>
+              <a:t>Roberto Freato </a:t>
+            </a:r>
+            <a:br>
+              <a:rPr lang="en-US" b="1" i="0" cap="none" spc="-150" dirty="0">
+                <a:effectLst/>
+                <a:latin typeface="Noto Sans" panose="020B0502040504020204" pitchFamily="34" charset="0"/>
+              </a:rPr>
+            </a:br>
+            <a:r>
+              <a:rPr lang="en-US" b="1" i="0" cap="none" spc="-150" dirty="0">
+                <a:effectLst/>
+                <a:latin typeface="Noto Sans" panose="020B0502040504020204" pitchFamily="34" charset="0"/>
+              </a:rPr>
+              <a:t>Azure MVP / Author / CTO @Retex</a:t>
+            </a:r>
+          </a:p>
+        </p:txBody>
+      </p:sp>
+    </p:spTree>
+    <p:extLst>
+      <p:ext uri="{BB962C8B-B14F-4D97-AF65-F5344CB8AC3E}">
+        <p14:creationId xmlns:p14="http://schemas.microsoft.com/office/powerpoint/2010/main" val="1982752132"/>
       </p:ext>
     </p:extLst>
   </p:cSld>
@@ -10621,7 +13408,7 @@
           <p:cNvPr id="3" name="Picture 2">
             <a:extLst>
               <a:ext uri="{FF2B5EF4-FFF2-40B4-BE49-F238E27FC236}">
-                <a16:creationId xmlns:a16="http://schemas.microsoft.com/office/drawing/2014/main" id="{F36A0C72-5F04-23E3-75E7-DE359C36F569}"/>
+                <a16:creationId xmlns:a16="http://schemas.microsoft.com/office/drawing/2014/main" id="{092F9EAE-9E50-2E58-9ED9-F671FA4113D3}"/>
               </a:ext>
             </a:extLst>
           </p:cNvPr>
@@ -10656,19 +13443,59 @@
           </a:prstGeom>
         </p:spPr>
       </p:pic>
-      <p:sp>
-        <p:nvSpPr>
-          <p:cNvPr id="6" name="Rectangle 5">
-            <a:extLst>
-              <a:ext uri="{FF2B5EF4-FFF2-40B4-BE49-F238E27FC236}">
-                <a16:creationId xmlns:a16="http://schemas.microsoft.com/office/drawing/2014/main" id="{DB119886-93E0-F979-BFF4-D68FD378C2E5}"/>
-              </a:ext>
-            </a:extLst>
-          </p:cNvPr>
-          <p:cNvSpPr/>
+      <p:pic>
+        <p:nvPicPr>
+          <p:cNvPr id="5" name="Picture 4">
+            <a:extLst>
+              <a:ext uri="{FF2B5EF4-FFF2-40B4-BE49-F238E27FC236}">
+                <a16:creationId xmlns:a16="http://schemas.microsoft.com/office/drawing/2014/main" id="{BD2D50E8-4FB2-326F-B60F-3F260D79864F}"/>
+              </a:ext>
+            </a:extLst>
+          </p:cNvPr>
+          <p:cNvPicPr>
+            <a:picLocks/>
+          </p:cNvPicPr>
           <p:nvPr>
             <p:custDataLst>
               <p:tags r:id="rId3"/>
+            </p:custDataLst>
+          </p:nvPr>
+        </p:nvPicPr>
+        <p:blipFill>
+          <a:blip r:embed="rId8">
+            <a:extLst>
+              <a:ext uri="{28A0092B-C50C-407E-A947-70E740481C1C}">
+                <a14:useLocalDpi xmlns:a14="http://schemas.microsoft.com/office/drawing/2010/main" val="0"/>
+              </a:ext>
+            </a:extLst>
+          </a:blip>
+          <a:stretch>
+            <a:fillRect/>
+          </a:stretch>
+        </p:blipFill>
+        <p:spPr>
+          <a:xfrm>
+            <a:off x="508000" y="2209800"/>
+            <a:ext cx="2438400" cy="2438400"/>
+          </a:xfrm>
+          <a:prstGeom prst="rect">
+            <a:avLst/>
+          </a:prstGeom>
+        </p:spPr>
+      </p:pic>
+      <p:sp>
+        <p:nvSpPr>
+          <p:cNvPr id="6" name="Rectangle 5">
+            <a:extLst>
+              <a:ext uri="{FF2B5EF4-FFF2-40B4-BE49-F238E27FC236}">
+                <a16:creationId xmlns:a16="http://schemas.microsoft.com/office/drawing/2014/main" id="{933C1AE8-2FC6-5271-C32B-34FC1367056F}"/>
+              </a:ext>
+            </a:extLst>
+          </p:cNvPr>
+          <p:cNvSpPr/>
+          <p:nvPr>
+            <p:custDataLst>
+              <p:tags r:id="rId4"/>
             </p:custDataLst>
           </p:nvPr>
         </p:nvSpPr>
@@ -10727,7 +13554,7 @@
               </a:rPr>
               <a:t>Which application consumes the most energy?</a:t>
             </a:r>
-            <a:endParaRPr lang="it-IT" sz="3600" b="1" dirty="0">
+            <a:endParaRPr lang="it-IT" sz="3600" b="1">
               <a:solidFill>
                 <a:srgbClr val="5B5B5B"/>
               </a:solidFill>
@@ -10740,14 +13567,14 @@
           <p:cNvPr id="7" name="Rectangle 6">
             <a:extLst>
               <a:ext uri="{FF2B5EF4-FFF2-40B4-BE49-F238E27FC236}">
-                <a16:creationId xmlns:a16="http://schemas.microsoft.com/office/drawing/2014/main" id="{1D5FFDE8-53BF-6492-B84D-B48560C8FCBE}"/>
+                <a16:creationId xmlns:a16="http://schemas.microsoft.com/office/drawing/2014/main" id="{B64F1031-38DB-A773-0CFD-99D65F52083C}"/>
               </a:ext>
             </a:extLst>
           </p:cNvPr>
           <p:cNvSpPr/>
           <p:nvPr>
             <p:custDataLst>
-              <p:tags r:id="rId4"/>
+              <p:tags r:id="rId5"/>
             </p:custDataLst>
           </p:nvPr>
         </p:nvSpPr>
@@ -10831,53 +13658,13 @@
           </a:p>
         </p:txBody>
       </p:sp>
-      <p:pic>
-        <p:nvPicPr>
-          <p:cNvPr id="9" name="Picture 8">
-            <a:extLst>
-              <a:ext uri="{FF2B5EF4-FFF2-40B4-BE49-F238E27FC236}">
-                <a16:creationId xmlns:a16="http://schemas.microsoft.com/office/drawing/2014/main" id="{67AC4542-C309-9487-1B5A-B8EB6ED34E8A}"/>
-              </a:ext>
-            </a:extLst>
-          </p:cNvPr>
-          <p:cNvPicPr>
-            <a:picLocks/>
-          </p:cNvPicPr>
-          <p:nvPr>
-            <p:custDataLst>
-              <p:tags r:id="rId5"/>
-            </p:custDataLst>
-          </p:nvPr>
-        </p:nvPicPr>
-        <p:blipFill>
-          <a:blip r:embed="rId8">
-            <a:extLst>
-              <a:ext uri="{28A0092B-C50C-407E-A947-70E740481C1C}">
-                <a14:useLocalDpi xmlns:a14="http://schemas.microsoft.com/office/drawing/2010/main" val="0"/>
-              </a:ext>
-            </a:extLst>
-          </a:blip>
-          <a:stretch>
-            <a:fillRect/>
-          </a:stretch>
-        </p:blipFill>
-        <p:spPr>
-          <a:xfrm>
-            <a:off x="508000" y="2209800"/>
-            <a:ext cx="2438400" cy="2438400"/>
-          </a:xfrm>
-          <a:prstGeom prst="rect">
-            <a:avLst/>
-          </a:prstGeom>
-        </p:spPr>
-      </p:pic>
     </p:spTree>
     <p:custDataLst>
       <p:tags r:id="rId1"/>
     </p:custDataLst>
     <p:extLst>
       <p:ext uri="{BB962C8B-B14F-4D97-AF65-F5344CB8AC3E}">
-        <p14:creationId xmlns:p14="http://schemas.microsoft.com/office/powerpoint/2010/main" val="3496880163"/>
+        <p14:creationId xmlns:p14="http://schemas.microsoft.com/office/powerpoint/2010/main" val="4033865415"/>
       </p:ext>
     </p:extLst>
   </p:cSld>
@@ -10936,6 +13723,138 @@
                       </p:childTnLst>
                     </p:cTn>
                   </p:par>
+                  <p:par>
+                    <p:cTn id="8" fill="hold">
+                      <p:stCondLst>
+                        <p:cond delay="indefinite"/>
+                      </p:stCondLst>
+                      <p:childTnLst>
+                        <p:par>
+                          <p:cTn id="9" fill="hold">
+                            <p:stCondLst>
+                              <p:cond delay="0"/>
+                            </p:stCondLst>
+                            <p:childTnLst>
+                              <p:par>
+                                <p:cTn id="10" presetID="26" presetClass="emph" presetSubtype="0" fill="hold" grpId="1" nodeType="clickEffect">
+                                  <p:stCondLst>
+                                    <p:cond delay="0"/>
+                                  </p:stCondLst>
+                                  <p:childTnLst>
+                                    <p:animEffect transition="out" filter="fade">
+                                      <p:cBhvr>
+                                        <p:cTn id="11" dur="50" tmFilter="0, 0; .2, .5; .8, .5; 1, 0"/>
+                                        <p:tgtEl>
+                                          <p:spTgt spid="6"/>
+                                        </p:tgtEl>
+                                      </p:cBhvr>
+                                    </p:animEffect>
+                                    <p:animScale>
+                                      <p:cBhvr>
+                                        <p:cTn id="12" dur="25" autoRev="1" fill="hold"/>
+                                        <p:tgtEl>
+                                          <p:spTgt spid="6"/>
+                                        </p:tgtEl>
+                                      </p:cBhvr>
+                                      <p:by x="105000" y="105000"/>
+                                    </p:animScale>
+                                  </p:childTnLst>
+                                </p:cTn>
+                              </p:par>
+                            </p:childTnLst>
+                          </p:cTn>
+                        </p:par>
+                      </p:childTnLst>
+                    </p:cTn>
+                  </p:par>
+                  <p:par>
+                    <p:cTn id="13" fill="hold">
+                      <p:stCondLst>
+                        <p:cond delay="indefinite"/>
+                      </p:stCondLst>
+                      <p:childTnLst>
+                        <p:par>
+                          <p:cTn id="14" fill="hold">
+                            <p:stCondLst>
+                              <p:cond delay="0"/>
+                            </p:stCondLst>
+                            <p:childTnLst>
+                              <p:par>
+                                <p:cTn id="15" presetID="26" presetClass="emph" presetSubtype="0" fill="hold" grpId="2" nodeType="clickEffect">
+                                  <p:stCondLst>
+                                    <p:cond delay="0"/>
+                                  </p:stCondLst>
+                                  <p:childTnLst>
+                                    <p:animEffect transition="out" filter="fade">
+                                      <p:cBhvr>
+                                        <p:cTn id="16" dur="50" tmFilter="0, 0; .2, .5; .8, .5; 1, 0"/>
+                                        <p:tgtEl>
+                                          <p:spTgt spid="6"/>
+                                        </p:tgtEl>
+                                      </p:cBhvr>
+                                    </p:animEffect>
+                                    <p:animScale>
+                                      <p:cBhvr>
+                                        <p:cTn id="17" dur="25" autoRev="1" fill="hold"/>
+                                        <p:tgtEl>
+                                          <p:spTgt spid="6"/>
+                                        </p:tgtEl>
+                                      </p:cBhvr>
+                                      <p:by x="105000" y="105000"/>
+                                    </p:animScale>
+                                  </p:childTnLst>
+                                </p:cTn>
+                              </p:par>
+                            </p:childTnLst>
+                          </p:cTn>
+                        </p:par>
+                      </p:childTnLst>
+                    </p:cTn>
+                  </p:par>
+                  <p:par>
+                    <p:cTn id="18" fill="hold">
+                      <p:stCondLst>
+                        <p:cond delay="indefinite"/>
+                      </p:stCondLst>
+                      <p:childTnLst>
+                        <p:par>
+                          <p:cTn id="19" fill="hold">
+                            <p:stCondLst>
+                              <p:cond delay="0"/>
+                            </p:stCondLst>
+                            <p:childTnLst>
+                              <p:par>
+                                <p:cTn id="20" presetID="26" presetClass="emph" presetSubtype="0" fill="hold" grpId="3" nodeType="clickEffect">
+                                  <p:stCondLst>
+                                    <p:cond delay="0"/>
+                                  </p:stCondLst>
+                                  <p:childTnLst>
+                                    <p:animEffect transition="out" filter="fade">
+                                      <p:cBhvr>
+                                        <p:cTn id="21" dur="50" tmFilter="0, 0; .2, .5; .8, .5; 1, 0"/>
+                                        <p:tgtEl>
+                                          <p:spTgt spid="6"/>
+                                        </p:tgtEl>
+                                      </p:cBhvr>
+                                    </p:animEffect>
+                                    <p:animScale>
+                                      <p:cBhvr>
+                                        <p:cTn id="22" dur="25" autoRev="1" fill="hold"/>
+                                        <p:tgtEl>
+                                          <p:spTgt spid="6"/>
+                                        </p:tgtEl>
+                                      </p:cBhvr>
+                                      <p:by x="105000" y="105000"/>
+                                    </p:animScale>
+                                  </p:childTnLst>
+                                </p:cTn>
+                              </p:par>
+                            </p:childTnLst>
+                          </p:cTn>
+                        </p:par>
+                      </p:childTnLst>
+                    </p:cTn>
+                  </p:par>
                 </p:childTnLst>
               </p:cTn>
               <p:prevCondLst>
@@ -10959,6 +13878,9 @@
     </p:tnLst>
     <p:bldLst>
       <p:bldP spid="6" grpId="0" animBg="1"/>
+      <p:bldP spid="6" grpId="1" animBg="1"/>
+      <p:bldP spid="6" grpId="2" animBg="1"/>
+      <p:bldP spid="6" grpId="3" animBg="1"/>
     </p:bldLst>
   </p:timing>
 </p:sld>
@@ -10975,23 +13897,23 @@
 
 <file path=ppt/tags/tag10.xml><?xml version="1.0" encoding="utf-8"?>
 <p:tagLst xmlns:a="http://schemas.openxmlformats.org/drawingml/2006/main" xmlns:r="http://schemas.openxmlformats.org/officeDocument/2006/relationships" xmlns:p="http://schemas.openxmlformats.org/presentationml/2006/main">
-  <p:tag name="SLIDO_ELEMENT" val="footer"/>
+  <p:tag name="SLIDO_ELEMENT" val="title"/>
 </p:tagLst>
 </file>
 
 <file path=ppt/tags/tag11.xml><?xml version="1.0" encoding="utf-8"?>
 <p:tagLst xmlns:a="http://schemas.openxmlformats.org/drawingml/2006/main" xmlns:r="http://schemas.openxmlformats.org/officeDocument/2006/relationships" xmlns:p="http://schemas.openxmlformats.org/presentationml/2006/main">
-  <p:tag name="SLIDO_ELEMENT" val="interaction_image"/>
-  <p:tag name="INTERACTION_TYPE" val="MultipleChoice"/>
+  <p:tag name="SLIDO_ELEMENT" val="footer"/>
 </p:tagLst>
 </file>
 
 <file path=ppt/tags/tag12.xml><?xml version="1.0" encoding="utf-8"?>
 <p:tagLst xmlns:a="http://schemas.openxmlformats.org/drawingml/2006/main" xmlns:r="http://schemas.openxmlformats.org/officeDocument/2006/relationships" xmlns:p="http://schemas.openxmlformats.org/presentationml/2006/main">
-  <p:tag name="SLIDO_METADATA" val="eyJUaW1lc3RhbXAiOjE3MTE4Mzc3NTl9"/>
+  <p:tag name="SLIDO_METADATA" val="eyJUaW1lc3RhbXAiOjE3MTI1MjU3ODJ9"/>
   <p:tag name="SLIDO_TYPE" val="SlidoPoll"/>
-  <p:tag name="SLIDO_POLL_UUID" val="a83c6924-a5c4-4337-ae29-c290232adc99"/>
-  <p:tag name="SLIDO_TIMELINE" val="W3sicG9sbFF1ZXN0aW9uVXVpZCI6IjBkZDFiZjBlLWRkZTgtNGVjZS05ZjY4LTg0MjExMzllN2YwNyIsInNob3dSZXN1bHRzIjpmYWxzZSwic2hvd0NvcnJlY3RBbnN3ZXJzIjpmYWxzZSwidm90aW5nTG9ja2VkIjpmYWxzZX0seyJwb2xsUXVlc3Rpb25VdWlkIjoiMGRkMWJmMGUtZGRlOC00ZWNlLTlmNjgtODQyMTEzOWU3ZjA3Iiwic2hvd1Jlc3VsdHMiOnRydWUsInNob3dDb3JyZWN0QW5zd2VycyI6dHJ1ZSwidm90aW5nTG9ja2VkIjpmYWxzZX1d"/>
+  <p:tag name="SLIDO_POLL_UUID" val="094955ee-522a-4e1c-b6f0-1d017037762b"/>
+  <p:tag name="SLIDO_POLL_QUESTION_UUID" val="3e838087-a597-4958-a92d-e3a0e9ef1106"/>
+  <p:tag name="SLIDO_TIMELINE" val="W3sic2NyZWVuIjoiUXVpekdldFJlYWR5Iiwic2hvd1Jlc3VsdHMiOmZhbHNlLCJzaG93Q29ycmVjdEFuc3dlcnMiOmZhbHNlLCJ2b3RpbmdMb2NrZWQiOmZhbHNlfSx7InBvbGxRdWVzdGlvblV1aWQiOiIzZTgzODA4Ny1hNTk3LTQ5NTgtYTkyZC1lM2EwZTllZjExMDYiLCJzaG93UmVzdWx0cyI6ZmFsc2UsInNob3dDb3JyZWN0QW5zd2VycyI6ZmFsc2UsInZvdGluZ0xvY2tlZCI6ZmFsc2V9LHsicG9sbFF1ZXN0aW9uVXVpZCI6IjNlODM4MDg3LWE1OTctNDk1OC1hOTJkLWUzYTBlOWVmMTEwNiIsInNob3dSZXN1bHRzIjp0cnVlLCJzaG93Q29ycmVjdEFuc3dlcnMiOmZhbHNlLCJ2b3RpbmdMb2NrZWQiOnRydWV9LHsicG9sbFF1ZXN0aW9uVXVpZCI6IjNlODM4MDg3LWE1OTctNDk1OC1hOTJkLWUzYTBlOWVmMTEwNiIsInNob3dSZXN1bHRzIjp0cnVlLCJzaG93Q29ycmVjdEFuc3dlcnMiOnRydWUsInZvdGluZ0xvY2tlZCI6dHJ1ZX0seyJzY3JlZW4iOiJRdWl6SW50ZXJpbUxlYWRlcmJvYXJkIiwicG9sbFF1ZXN0aW9uVXVpZCI6IjNlODM4MDg3LWE1OTctNDk1OC1hOTJkLWUzYTBlOWVmMTEwNiIsInNob3dSZXN1bHRzIjpmYWxzZSwic2hvd0NvcnJlY3RBbnN3ZXJzIjpmYWxzZSwidm90aW5nTG9ja2VkIjpmYWxzZX1d"/>
 </p:tagLst>
 </file>
 
@@ -11004,7 +13926,7 @@
 <file path=ppt/tags/tag14.xml><?xml version="1.0" encoding="utf-8"?>
 <p:tagLst xmlns:a="http://schemas.openxmlformats.org/drawingml/2006/main" xmlns:r="http://schemas.openxmlformats.org/officeDocument/2006/relationships" xmlns:p="http://schemas.openxmlformats.org/presentationml/2006/main">
   <p:tag name="SLIDO_ELEMENT" val="interaction_image"/>
-  <p:tag name="INTERACTION_TYPE" val="MultipleChoice"/>
+  <p:tag name="INTERACTION_TYPE" val="Quiz"/>
 </p:tagLst>
 </file>
 
@@ -11022,10 +13944,11 @@
 
 <file path=ppt/tags/tag17.xml><?xml version="1.0" encoding="utf-8"?>
 <p:tagLst xmlns:a="http://schemas.openxmlformats.org/drawingml/2006/main" xmlns:r="http://schemas.openxmlformats.org/officeDocument/2006/relationships" xmlns:p="http://schemas.openxmlformats.org/presentationml/2006/main">
-  <p:tag name="SLIDO_METADATA" val="eyJUaW1lc3RhbXAiOjE3MTE4Mzc4NTd9"/>
+  <p:tag name="SLIDO_METADATA" val="eyJUaW1lc3RhbXAiOjE3MTI1MjU4Njh9"/>
   <p:tag name="SLIDO_TYPE" val="SlidoPoll"/>
-  <p:tag name="SLIDO_POLL_UUID" val="9129231b-1021-4d57-9fe4-81e320187f32"/>
-  <p:tag name="SLIDO_TIMELINE" val="W3sicG9sbFF1ZXN0aW9uVXVpZCI6IjM0ZTE2NGIwLTg0MDktNGMyOS1hOTdjLTUxNTEzYjMyNGY3YiIsInNob3dSZXN1bHRzIjpmYWxzZSwic2hvd0NvcnJlY3RBbnN3ZXJzIjpmYWxzZSwidm90aW5nTG9ja2VkIjpmYWxzZX0seyJwb2xsUXVlc3Rpb25VdWlkIjoiMzRlMTY0YjAtODQwOS00YzI5LWE5N2MtNTE1MTNiMzI0ZjdiIiwic2hvd1Jlc3VsdHMiOnRydWUsInNob3dDb3JyZWN0QW5zd2VycyI6dHJ1ZSwidm90aW5nTG9ja2VkIjpmYWxzZX1d"/>
+  <p:tag name="SLIDO_POLL_UUID" val="094955ee-522a-4e1c-b6f0-1d017037762b"/>
+  <p:tag name="SLIDO_POLL_QUESTION_UUID" val="632c222c-c556-4898-9df8-e7008cc0aab1"/>
+  <p:tag name="SLIDO_TIMELINE" val="W3sic2NyZWVuIjoiUXVpekdldFJlYWR5Iiwic2hvd1Jlc3VsdHMiOmZhbHNlLCJzaG93Q29ycmVjdEFuc3dlcnMiOmZhbHNlLCJ2b3RpbmdMb2NrZWQiOmZhbHNlfSx7InBvbGxRdWVzdGlvblV1aWQiOiI2MzJjMjIyYy1jNTU2LTQ4OTgtOWRmOC1lNzAwOGNjMGFhYjEiLCJzaG93UmVzdWx0cyI6ZmFsc2UsInNob3dDb3JyZWN0QW5zd2VycyI6ZmFsc2UsInZvdGluZ0xvY2tlZCI6ZmFsc2V9LHsicG9sbFF1ZXN0aW9uVXVpZCI6IjYzMmMyMjJjLWM1NTYtNDg5OC05ZGY4LWU3MDA4Y2MwYWFiMSIsInNob3dSZXN1bHRzIjp0cnVlLCJzaG93Q29ycmVjdEFuc3dlcnMiOmZhbHNlLCJ2b3RpbmdMb2NrZWQiOnRydWV9LHsicG9sbFF1ZXN0aW9uVXVpZCI6IjYzMmMyMjJjLWM1NTYtNDg5OC05ZGY4LWU3MDA4Y2MwYWFiMSIsInNob3dSZXN1bHRzIjp0cnVlLCJzaG93Q29ycmVjdEFuc3dlcnMiOnRydWUsInZvdGluZ0xvY2tlZCI6dHJ1ZX0seyJzY3JlZW4iOiJRdWl6SW50ZXJpbUxlYWRlcmJvYXJkIiwicG9sbFF1ZXN0aW9uVXVpZCI6IjYzMmMyMjJjLWM1NTYtNDg5OC05ZGY4LWU3MDA4Y2MwYWFiMSIsInNob3dSZXN1bHRzIjpmYWxzZSwic2hvd0NvcnJlY3RBbnN3ZXJzIjpmYWxzZSwidm90aW5nTG9ja2VkIjpmYWxzZX1d"/>
 </p:tagLst>
 </file>
 
@@ -11038,7 +13961,7 @@
 <file path=ppt/tags/tag19.xml><?xml version="1.0" encoding="utf-8"?>
 <p:tagLst xmlns:a="http://schemas.openxmlformats.org/drawingml/2006/main" xmlns:r="http://schemas.openxmlformats.org/officeDocument/2006/relationships" xmlns:p="http://schemas.openxmlformats.org/presentationml/2006/main">
   <p:tag name="SLIDO_ELEMENT" val="interaction_image"/>
-  <p:tag name="INTERACTION_TYPE" val="MultipleChoice"/>
+  <p:tag name="INTERACTION_TYPE" val="Quiz"/>
 </p:tagLst>
 </file>
 
@@ -11063,8 +13986,11 @@
 
 <file path=ppt/tags/tag22.xml><?xml version="1.0" encoding="utf-8"?>
 <p:tagLst xmlns:a="http://schemas.openxmlformats.org/drawingml/2006/main" xmlns:r="http://schemas.openxmlformats.org/officeDocument/2006/relationships" xmlns:p="http://schemas.openxmlformats.org/presentationml/2006/main">
-  <p:tag name="SLIDO_METADATA" val="eyJUaW1lc3RhbXAiOjE3MTE4Mzc5ODB9"/>
-  <p:tag name="SLIDO_TYPE" val="SlidoQA"/>
+  <p:tag name="SLIDO_METADATA" val="eyJUaW1lc3RhbXAiOjE3MTI1MjU5MzF9"/>
+  <p:tag name="SLIDO_TYPE" val="SlidoPoll"/>
+  <p:tag name="SLIDO_POLL_UUID" val="094955ee-522a-4e1c-b6f0-1d017037762b"/>
+  <p:tag name="SLIDO_POLL_QUESTION_UUID" val="dd2972e3-6af6-42dc-81d1-165dcd086c34"/>
+  <p:tag name="SLIDO_TIMELINE" val="W3sic2NyZWVuIjoiUXVpekdldFJlYWR5Iiwic2hvd1Jlc3VsdHMiOmZhbHNlLCJzaG93Q29ycmVjdEFuc3dlcnMiOmZhbHNlLCJ2b3RpbmdMb2NrZWQiOmZhbHNlfSx7InBvbGxRdWVzdGlvblV1aWQiOiJkZDI5NzJlMy02YWY2LTQyZGMtODFkMS0xNjVkY2QwODZjMzQiLCJzaG93UmVzdWx0cyI6ZmFsc2UsInNob3dDb3JyZWN0QW5zd2VycyI6ZmFsc2UsInZvdGluZ0xvY2tlZCI6ZmFsc2V9LHsicG9sbFF1ZXN0aW9uVXVpZCI6ImRkMjk3MmUzLTZhZjYtNDJkYy04MWQxLTE2NWRjZDA4NmMzNCIsInNob3dSZXN1bHRzIjp0cnVlLCJzaG93Q29ycmVjdEFuc3dlcnMiOmZhbHNlLCJ2b3RpbmdMb2NrZWQiOnRydWV9LHsicG9sbFF1ZXN0aW9uVXVpZCI6ImRkMjk3MmUzLTZhZjYtNDJkYy04MWQxLTE2NWRjZDA4NmMzNCIsInNob3dSZXN1bHRzIjp0cnVlLCJzaG93Q29ycmVjdEFuc3dlcnMiOnRydWUsInZvdGluZ0xvY2tlZCI6dHJ1ZX0seyJzY3JlZW4iOiJRdWl6SW50ZXJpbUxlYWRlcmJvYXJkIiwicG9sbFF1ZXN0aW9uVXVpZCI6ImRkMjk3MmUzLTZhZjYtNDJkYy04MWQxLTE2NWRjZDA4NmMzNCIsInNob3dSZXN1bHRzIjpmYWxzZSwic2hvd0NvcnJlY3RBbnN3ZXJzIjpmYWxzZSwidm90aW5nTG9ja2VkIjpmYWxzZX1d"/>
 </p:tagLst>
 </file>
 
@@ -11077,7 +14003,7 @@
 <file path=ppt/tags/tag24.xml><?xml version="1.0" encoding="utf-8"?>
 <p:tagLst xmlns:a="http://schemas.openxmlformats.org/drawingml/2006/main" xmlns:r="http://schemas.openxmlformats.org/officeDocument/2006/relationships" xmlns:p="http://schemas.openxmlformats.org/presentationml/2006/main">
   <p:tag name="SLIDO_ELEMENT" val="interaction_image"/>
-  <p:tag name="INTERACTION_TYPE" val="QA"/>
+  <p:tag name="INTERACTION_TYPE" val="Quiz"/>
 </p:tagLst>
 </file>
 
@@ -11093,9 +14019,79 @@
 </p:tagLst>
 </file>
 
+<file path=ppt/tags/tag27.xml><?xml version="1.0" encoding="utf-8"?>
+<p:tagLst xmlns:a="http://schemas.openxmlformats.org/drawingml/2006/main" xmlns:r="http://schemas.openxmlformats.org/officeDocument/2006/relationships" xmlns:p="http://schemas.openxmlformats.org/presentationml/2006/main">
+  <p:tag name="SLIDO_METADATA" val="eyJUaW1lc3RhbXAiOjE3MTI1MjYwMDF9"/>
+  <p:tag name="SLIDO_TYPE" val="SlidoPoll"/>
+  <p:tag name="SLIDO_POLL_UUID" val="094955ee-522a-4e1c-b6f0-1d017037762b"/>
+  <p:tag name="SLIDO_POLL_QUESTION_UUID" val="3585cb3f-4b9d-4d5b-89a5-e7affa32d579"/>
+  <p:tag name="SLIDO_TIMELINE" val="W3sic2NyZWVuIjoiUXVpekdldFJlYWR5Iiwic2hvd1Jlc3VsdHMiOmZhbHNlLCJzaG93Q29ycmVjdEFuc3dlcnMiOmZhbHNlLCJ2b3RpbmdMb2NrZWQiOmZhbHNlfSx7InBvbGxRdWVzdGlvblV1aWQiOiIzNTg1Y2IzZi00YjlkLTRkNWItODlhNS1lN2FmZmEzMmQ1NzkiLCJzaG93UmVzdWx0cyI6ZmFsc2UsInNob3dDb3JyZWN0QW5zd2VycyI6ZmFsc2UsInZvdGluZ0xvY2tlZCI6ZmFsc2V9LHsicG9sbFF1ZXN0aW9uVXVpZCI6IjM1ODVjYjNmLTRiOWQtNGQ1Yi04OWE1LWU3YWZmYTMyZDU3OSIsInNob3dSZXN1bHRzIjp0cnVlLCJzaG93Q29ycmVjdEFuc3dlcnMiOmZhbHNlLCJ2b3RpbmdMb2NrZWQiOnRydWV9LHsicG9sbFF1ZXN0aW9uVXVpZCI6IjM1ODVjYjNmLTRiOWQtNGQ1Yi04OWE1LWU3YWZmYTMyZDU3OSIsInNob3dSZXN1bHRzIjp0cnVlLCJzaG93Q29ycmVjdEFuc3dlcnMiOnRydWUsInZvdGluZ0xvY2tlZCI6dHJ1ZX0seyJzY3JlZW4iOiJRdWl6SW50ZXJpbUxlYWRlcmJvYXJkIiwicG9sbFF1ZXN0aW9uVXVpZCI6IjM1ODVjYjNmLTRiOWQtNGQ1Yi04OWE1LWU3YWZmYTMyZDU3OSIsInNob3dSZXN1bHRzIjpmYWxzZSwic2hvd0NvcnJlY3RBbnN3ZXJzIjpmYWxzZSwidm90aW5nTG9ja2VkIjpmYWxzZX1d"/>
+</p:tagLst>
+</file>
+
+<file path=ppt/tags/tag28.xml><?xml version="1.0" encoding="utf-8"?>
+<p:tagLst xmlns:a="http://schemas.openxmlformats.org/drawingml/2006/main" xmlns:r="http://schemas.openxmlformats.org/officeDocument/2006/relationships" xmlns:p="http://schemas.openxmlformats.org/presentationml/2006/main">
+  <p:tag name="SLIDO_ELEMENT" val="logo"/>
+</p:tagLst>
+</file>
+
+<file path=ppt/tags/tag29.xml><?xml version="1.0" encoding="utf-8"?>
+<p:tagLst xmlns:a="http://schemas.openxmlformats.org/drawingml/2006/main" xmlns:r="http://schemas.openxmlformats.org/officeDocument/2006/relationships" xmlns:p="http://schemas.openxmlformats.org/presentationml/2006/main">
+  <p:tag name="SLIDO_ELEMENT" val="interaction_image"/>
+  <p:tag name="INTERACTION_TYPE" val="Quiz"/>
+</p:tagLst>
+</file>
+
 <file path=ppt/tags/tag3.xml><?xml version="1.0" encoding="utf-8"?>
 <p:tagLst xmlns:a="http://schemas.openxmlformats.org/drawingml/2006/main" xmlns:r="http://schemas.openxmlformats.org/officeDocument/2006/relationships" xmlns:p="http://schemas.openxmlformats.org/presentationml/2006/main">
   <p:tag name="SLIDO_ELEMENT" val="logo"/>
+</p:tagLst>
+</file>
+
+<file path=ppt/tags/tag30.xml><?xml version="1.0" encoding="utf-8"?>
+<p:tagLst xmlns:a="http://schemas.openxmlformats.org/drawingml/2006/main" xmlns:r="http://schemas.openxmlformats.org/officeDocument/2006/relationships" xmlns:p="http://schemas.openxmlformats.org/presentationml/2006/main">
+  <p:tag name="SLIDO_ELEMENT" val="title"/>
+</p:tagLst>
+</file>
+
+<file path=ppt/tags/tag31.xml><?xml version="1.0" encoding="utf-8"?>
+<p:tagLst xmlns:a="http://schemas.openxmlformats.org/drawingml/2006/main" xmlns:r="http://schemas.openxmlformats.org/officeDocument/2006/relationships" xmlns:p="http://schemas.openxmlformats.org/presentationml/2006/main">
+  <p:tag name="SLIDO_ELEMENT" val="footer"/>
+</p:tagLst>
+</file>
+
+<file path=ppt/tags/tag32.xml><?xml version="1.0" encoding="utf-8"?>
+<p:tagLst xmlns:a="http://schemas.openxmlformats.org/drawingml/2006/main" xmlns:r="http://schemas.openxmlformats.org/officeDocument/2006/relationships" xmlns:p="http://schemas.openxmlformats.org/presentationml/2006/main">
+  <p:tag name="SLIDO_METADATA" val="eyJUaW1lc3RhbXAiOjE3MTI1MjYxMTJ9"/>
+  <p:tag name="SLIDO_TYPE" val="SlidoPoll"/>
+  <p:tag name="SLIDO_POLL_UUID" val="094955ee-522a-4e1c-b6f0-1d017037762b"/>
+  <p:tag name="SLIDO_POLL_QUESTION_UUID" val="5c363a3f-7d13-4643-b437-ff46e3ceb197"/>
+  <p:tag name="SLIDO_TIMELINE" val="W3sic2NyZWVuIjoiUXVpekdldFJlYWR5Iiwic2hvd1Jlc3VsdHMiOmZhbHNlLCJzaG93Q29ycmVjdEFuc3dlcnMiOmZhbHNlLCJ2b3RpbmdMb2NrZWQiOmZhbHNlfSx7InBvbGxRdWVzdGlvblV1aWQiOiI1YzM2M2EzZi03ZDEzLTQ2NDMtYjQzNy1mZjQ2ZTNjZWIxOTciLCJzaG93UmVzdWx0cyI6ZmFsc2UsInNob3dDb3JyZWN0QW5zd2VycyI6ZmFsc2UsInZvdGluZ0xvY2tlZCI6ZmFsc2V9LHsicG9sbFF1ZXN0aW9uVXVpZCI6IjVjMzYzYTNmLTdkMTMtNDY0My1iNDM3LWZmNDZlM2NlYjE5NyIsInNob3dSZXN1bHRzIjp0cnVlLCJzaG93Q29ycmVjdEFuc3dlcnMiOmZhbHNlLCJ2b3RpbmdMb2NrZWQiOnRydWV9LHsicG9sbFF1ZXN0aW9uVXVpZCI6IjVjMzYzYTNmLTdkMTMtNDY0My1iNDM3LWZmNDZlM2NlYjE5NyIsInNob3dSZXN1bHRzIjp0cnVlLCJzaG93Q29ycmVjdEFuc3dlcnMiOnRydWUsInZvdGluZ0xvY2tlZCI6dHJ1ZX0seyJzY3JlZW4iOiJRdWl6TGVhZGVyYm9hcmQiLCJwb2xsUXVlc3Rpb25VdWlkIjoiNWMzNjNhM2YtN2QxMy00NjQzLWI0MzctZmY0NmUzY2ViMTk3Iiwic2hvd1Jlc3VsdHMiOnRydWUsInNob3dDb3JyZWN0QW5zd2VycyI6dHJ1ZSwidm90aW5nTG9ja2VkIjp0cnVlfV0="/>
+</p:tagLst>
+</file>
+
+<file path=ppt/tags/tag33.xml><?xml version="1.0" encoding="utf-8"?>
+<p:tagLst xmlns:a="http://schemas.openxmlformats.org/drawingml/2006/main" xmlns:r="http://schemas.openxmlformats.org/officeDocument/2006/relationships" xmlns:p="http://schemas.openxmlformats.org/presentationml/2006/main">
+  <p:tag name="SLIDO_ELEMENT" val="logo"/>
+</p:tagLst>
+</file>
+
+<file path=ppt/tags/tag34.xml><?xml version="1.0" encoding="utf-8"?>
+<p:tagLst xmlns:a="http://schemas.openxmlformats.org/drawingml/2006/main" xmlns:r="http://schemas.openxmlformats.org/officeDocument/2006/relationships" xmlns:p="http://schemas.openxmlformats.org/presentationml/2006/main">
+  <p:tag name="SLIDO_ELEMENT" val="interaction_image"/>
+  <p:tag name="INTERACTION_TYPE" val="Quiz"/>
+</p:tagLst>
+</file>
+
+<file path=ppt/tags/tag35.xml><?xml version="1.0" encoding="utf-8"?>
+<p:tagLst xmlns:a="http://schemas.openxmlformats.org/drawingml/2006/main" xmlns:r="http://schemas.openxmlformats.org/officeDocument/2006/relationships" xmlns:p="http://schemas.openxmlformats.org/presentationml/2006/main">
+  <p:tag name="SLIDO_ELEMENT" val="title"/>
+</p:tagLst>
+</file>
+
+<file path=ppt/tags/tag36.xml><?xml version="1.0" encoding="utf-8"?>
+<p:tagLst xmlns:a="http://schemas.openxmlformats.org/drawingml/2006/main" xmlns:r="http://schemas.openxmlformats.org/officeDocument/2006/relationships" xmlns:p="http://schemas.openxmlformats.org/presentationml/2006/main">
+  <p:tag name="SLIDO_ELEMENT" val="footer"/>
 </p:tagLst>
 </file>
 
@@ -11120,10 +14116,11 @@
 
 <file path=ppt/tags/tag7.xml><?xml version="1.0" encoding="utf-8"?>
 <p:tagLst xmlns:a="http://schemas.openxmlformats.org/drawingml/2006/main" xmlns:r="http://schemas.openxmlformats.org/officeDocument/2006/relationships" xmlns:p="http://schemas.openxmlformats.org/presentationml/2006/main">
-  <p:tag name="SLIDO_METADATA" val="eyJUaW1lc3RhbXAiOjE3MTE4MzcyOTJ9"/>
+  <p:tag name="SLIDO_METADATA" val="eyJUaW1lc3RhbXAiOjE3MTI1MjU3MDd9"/>
   <p:tag name="SLIDO_TYPE" val="SlidoPoll"/>
-  <p:tag name="SLIDO_POLL_UUID" val="3bda8a91-973a-425f-baae-2eca65720f28"/>
-  <p:tag name="SLIDO_TIMELINE" val="W3sicG9sbFF1ZXN0aW9uVXVpZCI6ImVkYWE0M2IwLWNlOTQtNDE1ZC1iN2Q1LTdhMzBhYzAyNDdjOSIsInNob3dSZXN1bHRzIjpmYWxzZSwic2hvd0NvcnJlY3RBbnN3ZXJzIjpmYWxzZSwidm90aW5nTG9ja2VkIjpmYWxzZX0seyJwb2xsUXVlc3Rpb25VdWlkIjoiZWRhYTQzYjAtY2U5NC00MTVkLWI3ZDUtN2EzMGFjMDI0N2M5Iiwic2hvd1Jlc3VsdHMiOnRydWUsInNob3dDb3JyZWN0QW5zd2VycyI6dHJ1ZSwidm90aW5nTG9ja2VkIjpmYWxzZX1d"/>
+  <p:tag name="SLIDO_POLL_UUID" val="094955ee-522a-4e1c-b6f0-1d017037762b"/>
+  <p:tag name="SLIDO_POLL_QUESTION_UUID" val="ef82c10f-fb7e-4dbd-896d-391201468c28"/>
+  <p:tag name="SLIDO_TIMELINE" val="W3sic2NyZWVuIjoiUXVpekpvaW5pbmciLCJzaG93UmVzdWx0cyI6ZmFsc2UsInNob3dDb3JyZWN0QW5zd2VycyI6ZmFsc2UsInZvdGluZ0xvY2tlZCI6ZmFsc2V9LHsicG9sbFF1ZXN0aW9uVXVpZCI6ImVmODJjMTBmLWZiN2UtNGRiZC04OTZkLTM5MTIwMTQ2OGMyOCIsInNob3dSZXN1bHRzIjpmYWxzZSwic2hvd0NvcnJlY3RBbnN3ZXJzIjpmYWxzZSwidm90aW5nTG9ja2VkIjpmYWxzZX0seyJwb2xsUXVlc3Rpb25VdWlkIjoiZWY4MmMxMGYtZmI3ZS00ZGJkLTg5NmQtMzkxMjAxNDY4YzI4Iiwic2hvd1Jlc3VsdHMiOnRydWUsInNob3dDb3JyZWN0QW5zd2VycyI6ZmFsc2UsInZvdGluZ0xvY2tlZCI6dHJ1ZX0seyJwb2xsUXVlc3Rpb25VdWlkIjoiZWY4MmMxMGYtZmI3ZS00ZGJkLTg5NmQtMzkxMjAxNDY4YzI4Iiwic2hvd1Jlc3VsdHMiOnRydWUsInNob3dDb3JyZWN0QW5zd2VycyI6dHJ1ZSwidm90aW5nTG9ja2VkIjp0cnVlfSx7InNjcmVlbiI6IlF1aXpJbnRlcmltTGVhZGVyYm9hcmQiLCJwb2xsUXVlc3Rpb25VdWlkIjoiZWY4MmMxMGYtZmI3ZS00ZGJkLTg5NmQtMzkxMjAxNDY4YzI4Iiwic2hvd1Jlc3VsdHMiOmZhbHNlLCJzaG93Q29ycmVjdEFuc3dlcnMiOmZhbHNlLCJ2b3RpbmdMb2NrZWQiOmZhbHNlfV0="/>
 </p:tagLst>
 </file>
 
@@ -11135,7 +14132,8 @@
 
 <file path=ppt/tags/tag9.xml><?xml version="1.0" encoding="utf-8"?>
 <p:tagLst xmlns:a="http://schemas.openxmlformats.org/drawingml/2006/main" xmlns:r="http://schemas.openxmlformats.org/officeDocument/2006/relationships" xmlns:p="http://schemas.openxmlformats.org/presentationml/2006/main">
-  <p:tag name="SLIDO_ELEMENT" val="title"/>
+  <p:tag name="SLIDO_ELEMENT" val="interaction_image"/>
+  <p:tag name="INTERACTION_TYPE" val="Quiz"/>
 </p:tagLst>
 </file>
 
